--- a/Documentation/3 - Documentation technique/Installation_PostesDevs.pptx
+++ b/Documentation/3 - Documentation technique/Installation_PostesDevs.pptx
@@ -5,7 +5,7 @@
     <p:sldMasterId id="2147483660" r:id="rId1"/>
   </p:sldMasterIdLst>
   <p:notesMasterIdLst>
-    <p:notesMasterId r:id="rId41"/>
+    <p:notesMasterId r:id="rId44"/>
   </p:notesMasterIdLst>
   <p:sldIdLst>
     <p:sldId id="301" r:id="rId2"/>
@@ -44,9 +44,12 @@
     <p:sldId id="338" r:id="rId35"/>
     <p:sldId id="344" r:id="rId36"/>
     <p:sldId id="345" r:id="rId37"/>
-    <p:sldId id="358" r:id="rId38"/>
-    <p:sldId id="360" r:id="rId39"/>
-    <p:sldId id="361" r:id="rId40"/>
+    <p:sldId id="392" r:id="rId38"/>
+    <p:sldId id="393" r:id="rId39"/>
+    <p:sldId id="394" r:id="rId40"/>
+    <p:sldId id="358" r:id="rId41"/>
+    <p:sldId id="360" r:id="rId42"/>
+    <p:sldId id="361" r:id="rId43"/>
   </p:sldIdLst>
   <p:sldSz cx="9144000" cy="6858000" type="screen4x3"/>
   <p:notesSz cx="6858000" cy="9144000"/>
@@ -147,7 +150,7 @@
   </p:defaultTextStyle>
   <p:extLst>
     <p:ext uri="{EFAFB233-063F-42B5-8137-9DF3F51BA10A}">
-      <p15:sldGuideLst xmlns:p15="http://schemas.microsoft.com/office/powerpoint/2012/main">
+      <p15:sldGuideLst xmlns:p15="http://schemas.microsoft.com/office/powerpoint/2012/main" xmlns="">
         <p15:guide id="1" orient="horz" pos="2160">
           <p15:clr>
             <a:srgbClr val="A4A3A4"/>
@@ -246,7 +249,8 @@
           <a:p>
             <a:fld id="{E52630F6-BB7E-4BB0-B3A1-C739EB574077}" type="datetimeFigureOut">
               <a:rPr lang="fr-FR" smtClean="0"/>
-              <a:t>20/06/2015</a:t>
+              <a:pPr/>
+              <a:t>23/07/2015</a:t>
             </a:fld>
             <a:endParaRPr lang="fr-FR"/>
           </a:p>
@@ -405,6 +409,7 @@
           <a:p>
             <a:fld id="{0C080E5F-76A7-426C-8874-1B043B738D2C}" type="slidenum">
               <a:rPr lang="fr-FR" smtClean="0"/>
+              <a:pPr/>
               <a:t>‹N°›</a:t>
             </a:fld>
             <a:endParaRPr lang="fr-FR"/>
@@ -414,7 +419,7 @@
     </p:spTree>
     <p:extLst>
       <p:ext uri="{BB962C8B-B14F-4D97-AF65-F5344CB8AC3E}">
-        <p14:creationId xmlns:p14="http://schemas.microsoft.com/office/powerpoint/2010/main" val="644369615"/>
+        <p14:creationId xmlns:p14="http://schemas.microsoft.com/office/powerpoint/2010/main" xmlns="" val="644369615"/>
       </p:ext>
     </p:extLst>
   </p:cSld>
@@ -579,6 +584,7 @@
           <a:p>
             <a:fld id="{0C080E5F-76A7-426C-8874-1B043B738D2C}" type="slidenum">
               <a:rPr lang="fr-FR" smtClean="0"/>
+              <a:pPr/>
               <a:t>1</a:t>
             </a:fld>
             <a:endParaRPr lang="fr-FR"/>
@@ -588,7 +594,7 @@
     </p:spTree>
     <p:extLst>
       <p:ext uri="{BB962C8B-B14F-4D97-AF65-F5344CB8AC3E}">
-        <p14:creationId xmlns:p14="http://schemas.microsoft.com/office/powerpoint/2010/main" val="447969412"/>
+        <p14:creationId xmlns:p14="http://schemas.microsoft.com/office/powerpoint/2010/main" xmlns="" val="447969412"/>
       </p:ext>
     </p:extLst>
   </p:cSld>
@@ -663,6 +669,7 @@
           <a:p>
             <a:fld id="{0C080E5F-76A7-426C-8874-1B043B738D2C}" type="slidenum">
               <a:rPr lang="fr-FR" smtClean="0"/>
+              <a:pPr/>
               <a:t>10</a:t>
             </a:fld>
             <a:endParaRPr lang="fr-FR"/>
@@ -672,7 +679,7 @@
     </p:spTree>
     <p:extLst>
       <p:ext uri="{BB962C8B-B14F-4D97-AF65-F5344CB8AC3E}">
-        <p14:creationId xmlns:p14="http://schemas.microsoft.com/office/powerpoint/2010/main" val="447969412"/>
+        <p14:creationId xmlns:p14="http://schemas.microsoft.com/office/powerpoint/2010/main" xmlns="" val="447969412"/>
       </p:ext>
     </p:extLst>
   </p:cSld>
@@ -747,6 +754,7 @@
           <a:p>
             <a:fld id="{0C080E5F-76A7-426C-8874-1B043B738D2C}" type="slidenum">
               <a:rPr lang="fr-FR" smtClean="0"/>
+              <a:pPr/>
               <a:t>11</a:t>
             </a:fld>
             <a:endParaRPr lang="fr-FR"/>
@@ -756,7 +764,7 @@
     </p:spTree>
     <p:extLst>
       <p:ext uri="{BB962C8B-B14F-4D97-AF65-F5344CB8AC3E}">
-        <p14:creationId xmlns:p14="http://schemas.microsoft.com/office/powerpoint/2010/main" val="447969412"/>
+        <p14:creationId xmlns:p14="http://schemas.microsoft.com/office/powerpoint/2010/main" xmlns="" val="447969412"/>
       </p:ext>
     </p:extLst>
   </p:cSld>
@@ -831,6 +839,7 @@
           <a:p>
             <a:fld id="{0C080E5F-76A7-426C-8874-1B043B738D2C}" type="slidenum">
               <a:rPr lang="fr-FR" smtClean="0"/>
+              <a:pPr/>
               <a:t>12</a:t>
             </a:fld>
             <a:endParaRPr lang="fr-FR"/>
@@ -840,7 +849,7 @@
     </p:spTree>
     <p:extLst>
       <p:ext uri="{BB962C8B-B14F-4D97-AF65-F5344CB8AC3E}">
-        <p14:creationId xmlns:p14="http://schemas.microsoft.com/office/powerpoint/2010/main" val="447969412"/>
+        <p14:creationId xmlns:p14="http://schemas.microsoft.com/office/powerpoint/2010/main" xmlns="" val="447969412"/>
       </p:ext>
     </p:extLst>
   </p:cSld>
@@ -915,6 +924,7 @@
           <a:p>
             <a:fld id="{0C080E5F-76A7-426C-8874-1B043B738D2C}" type="slidenum">
               <a:rPr lang="fr-FR" smtClean="0"/>
+              <a:pPr/>
               <a:t>13</a:t>
             </a:fld>
             <a:endParaRPr lang="fr-FR"/>
@@ -924,7 +934,7 @@
     </p:spTree>
     <p:extLst>
       <p:ext uri="{BB962C8B-B14F-4D97-AF65-F5344CB8AC3E}">
-        <p14:creationId xmlns:p14="http://schemas.microsoft.com/office/powerpoint/2010/main" val="447969412"/>
+        <p14:creationId xmlns:p14="http://schemas.microsoft.com/office/powerpoint/2010/main" xmlns="" val="447969412"/>
       </p:ext>
     </p:extLst>
   </p:cSld>
@@ -999,6 +1009,7 @@
           <a:p>
             <a:fld id="{0C080E5F-76A7-426C-8874-1B043B738D2C}" type="slidenum">
               <a:rPr lang="fr-FR" smtClean="0"/>
+              <a:pPr/>
               <a:t>14</a:t>
             </a:fld>
             <a:endParaRPr lang="fr-FR"/>
@@ -1008,7 +1019,7 @@
     </p:spTree>
     <p:extLst>
       <p:ext uri="{BB962C8B-B14F-4D97-AF65-F5344CB8AC3E}">
-        <p14:creationId xmlns:p14="http://schemas.microsoft.com/office/powerpoint/2010/main" val="447969412"/>
+        <p14:creationId xmlns:p14="http://schemas.microsoft.com/office/powerpoint/2010/main" xmlns="" val="447969412"/>
       </p:ext>
     </p:extLst>
   </p:cSld>
@@ -1083,6 +1094,7 @@
           <a:p>
             <a:fld id="{0C080E5F-76A7-426C-8874-1B043B738D2C}" type="slidenum">
               <a:rPr lang="fr-FR" smtClean="0"/>
+              <a:pPr/>
               <a:t>15</a:t>
             </a:fld>
             <a:endParaRPr lang="fr-FR"/>
@@ -1092,7 +1104,7 @@
     </p:spTree>
     <p:extLst>
       <p:ext uri="{BB962C8B-B14F-4D97-AF65-F5344CB8AC3E}">
-        <p14:creationId xmlns:p14="http://schemas.microsoft.com/office/powerpoint/2010/main" val="447969412"/>
+        <p14:creationId xmlns:p14="http://schemas.microsoft.com/office/powerpoint/2010/main" xmlns="" val="447969412"/>
       </p:ext>
     </p:extLst>
   </p:cSld>
@@ -1167,6 +1179,7 @@
           <a:p>
             <a:fld id="{0C080E5F-76A7-426C-8874-1B043B738D2C}" type="slidenum">
               <a:rPr lang="fr-FR" smtClean="0"/>
+              <a:pPr/>
               <a:t>16</a:t>
             </a:fld>
             <a:endParaRPr lang="fr-FR"/>
@@ -1176,7 +1189,7 @@
     </p:spTree>
     <p:extLst>
       <p:ext uri="{BB962C8B-B14F-4D97-AF65-F5344CB8AC3E}">
-        <p14:creationId xmlns:p14="http://schemas.microsoft.com/office/powerpoint/2010/main" val="447969412"/>
+        <p14:creationId xmlns:p14="http://schemas.microsoft.com/office/powerpoint/2010/main" xmlns="" val="447969412"/>
       </p:ext>
     </p:extLst>
   </p:cSld>
@@ -1251,6 +1264,7 @@
           <a:p>
             <a:fld id="{0C080E5F-76A7-426C-8874-1B043B738D2C}" type="slidenum">
               <a:rPr lang="fr-FR" smtClean="0"/>
+              <a:pPr/>
               <a:t>17</a:t>
             </a:fld>
             <a:endParaRPr lang="fr-FR"/>
@@ -1260,7 +1274,7 @@
     </p:spTree>
     <p:extLst>
       <p:ext uri="{BB962C8B-B14F-4D97-AF65-F5344CB8AC3E}">
-        <p14:creationId xmlns:p14="http://schemas.microsoft.com/office/powerpoint/2010/main" val="447969412"/>
+        <p14:creationId xmlns:p14="http://schemas.microsoft.com/office/powerpoint/2010/main" xmlns="" val="447969412"/>
       </p:ext>
     </p:extLst>
   </p:cSld>
@@ -1335,6 +1349,7 @@
           <a:p>
             <a:fld id="{0C080E5F-76A7-426C-8874-1B043B738D2C}" type="slidenum">
               <a:rPr lang="fr-FR" smtClean="0"/>
+              <a:pPr/>
               <a:t>18</a:t>
             </a:fld>
             <a:endParaRPr lang="fr-FR"/>
@@ -1344,7 +1359,7 @@
     </p:spTree>
     <p:extLst>
       <p:ext uri="{BB962C8B-B14F-4D97-AF65-F5344CB8AC3E}">
-        <p14:creationId xmlns:p14="http://schemas.microsoft.com/office/powerpoint/2010/main" val="447969412"/>
+        <p14:creationId xmlns:p14="http://schemas.microsoft.com/office/powerpoint/2010/main" xmlns="" val="447969412"/>
       </p:ext>
     </p:extLst>
   </p:cSld>
@@ -1419,6 +1434,7 @@
           <a:p>
             <a:fld id="{0C080E5F-76A7-426C-8874-1B043B738D2C}" type="slidenum">
               <a:rPr lang="fr-FR" smtClean="0"/>
+              <a:pPr/>
               <a:t>19</a:t>
             </a:fld>
             <a:endParaRPr lang="fr-FR"/>
@@ -1428,7 +1444,7 @@
     </p:spTree>
     <p:extLst>
       <p:ext uri="{BB962C8B-B14F-4D97-AF65-F5344CB8AC3E}">
-        <p14:creationId xmlns:p14="http://schemas.microsoft.com/office/powerpoint/2010/main" val="447969412"/>
+        <p14:creationId xmlns:p14="http://schemas.microsoft.com/office/powerpoint/2010/main" xmlns="" val="447969412"/>
       </p:ext>
     </p:extLst>
   </p:cSld>
@@ -1503,6 +1519,7 @@
           <a:p>
             <a:fld id="{0C080E5F-76A7-426C-8874-1B043B738D2C}" type="slidenum">
               <a:rPr lang="fr-FR" smtClean="0"/>
+              <a:pPr/>
               <a:t>2</a:t>
             </a:fld>
             <a:endParaRPr lang="fr-FR"/>
@@ -1512,7 +1529,7 @@
     </p:spTree>
     <p:extLst>
       <p:ext uri="{BB962C8B-B14F-4D97-AF65-F5344CB8AC3E}">
-        <p14:creationId xmlns:p14="http://schemas.microsoft.com/office/powerpoint/2010/main" val="447969412"/>
+        <p14:creationId xmlns:p14="http://schemas.microsoft.com/office/powerpoint/2010/main" xmlns="" val="447969412"/>
       </p:ext>
     </p:extLst>
   </p:cSld>
@@ -1587,6 +1604,7 @@
           <a:p>
             <a:fld id="{0C080E5F-76A7-426C-8874-1B043B738D2C}" type="slidenum">
               <a:rPr lang="fr-FR" smtClean="0"/>
+              <a:pPr/>
               <a:t>20</a:t>
             </a:fld>
             <a:endParaRPr lang="fr-FR"/>
@@ -1596,7 +1614,7 @@
     </p:spTree>
     <p:extLst>
       <p:ext uri="{BB962C8B-B14F-4D97-AF65-F5344CB8AC3E}">
-        <p14:creationId xmlns:p14="http://schemas.microsoft.com/office/powerpoint/2010/main" val="447969412"/>
+        <p14:creationId xmlns:p14="http://schemas.microsoft.com/office/powerpoint/2010/main" xmlns="" val="447969412"/>
       </p:ext>
     </p:extLst>
   </p:cSld>
@@ -1671,6 +1689,7 @@
           <a:p>
             <a:fld id="{0C080E5F-76A7-426C-8874-1B043B738D2C}" type="slidenum">
               <a:rPr lang="fr-FR" smtClean="0"/>
+              <a:pPr/>
               <a:t>21</a:t>
             </a:fld>
             <a:endParaRPr lang="fr-FR"/>
@@ -1680,7 +1699,7 @@
     </p:spTree>
     <p:extLst>
       <p:ext uri="{BB962C8B-B14F-4D97-AF65-F5344CB8AC3E}">
-        <p14:creationId xmlns:p14="http://schemas.microsoft.com/office/powerpoint/2010/main" val="447969412"/>
+        <p14:creationId xmlns:p14="http://schemas.microsoft.com/office/powerpoint/2010/main" xmlns="" val="447969412"/>
       </p:ext>
     </p:extLst>
   </p:cSld>
@@ -1755,6 +1774,7 @@
           <a:p>
             <a:fld id="{0C080E5F-76A7-426C-8874-1B043B738D2C}" type="slidenum">
               <a:rPr lang="fr-FR" smtClean="0"/>
+              <a:pPr/>
               <a:t>22</a:t>
             </a:fld>
             <a:endParaRPr lang="fr-FR"/>
@@ -1764,7 +1784,7 @@
     </p:spTree>
     <p:extLst>
       <p:ext uri="{BB962C8B-B14F-4D97-AF65-F5344CB8AC3E}">
-        <p14:creationId xmlns:p14="http://schemas.microsoft.com/office/powerpoint/2010/main" val="447969412"/>
+        <p14:creationId xmlns:p14="http://schemas.microsoft.com/office/powerpoint/2010/main" xmlns="" val="447969412"/>
       </p:ext>
     </p:extLst>
   </p:cSld>
@@ -1839,6 +1859,7 @@
           <a:p>
             <a:fld id="{0C080E5F-76A7-426C-8874-1B043B738D2C}" type="slidenum">
               <a:rPr lang="fr-FR" smtClean="0"/>
+              <a:pPr/>
               <a:t>23</a:t>
             </a:fld>
             <a:endParaRPr lang="fr-FR"/>
@@ -1848,7 +1869,7 @@
     </p:spTree>
     <p:extLst>
       <p:ext uri="{BB962C8B-B14F-4D97-AF65-F5344CB8AC3E}">
-        <p14:creationId xmlns:p14="http://schemas.microsoft.com/office/powerpoint/2010/main" val="447969412"/>
+        <p14:creationId xmlns:p14="http://schemas.microsoft.com/office/powerpoint/2010/main" xmlns="" val="447969412"/>
       </p:ext>
     </p:extLst>
   </p:cSld>
@@ -1923,6 +1944,7 @@
           <a:p>
             <a:fld id="{0C080E5F-76A7-426C-8874-1B043B738D2C}" type="slidenum">
               <a:rPr lang="fr-FR" smtClean="0"/>
+              <a:pPr/>
               <a:t>24</a:t>
             </a:fld>
             <a:endParaRPr lang="fr-FR"/>
@@ -1932,7 +1954,7 @@
     </p:spTree>
     <p:extLst>
       <p:ext uri="{BB962C8B-B14F-4D97-AF65-F5344CB8AC3E}">
-        <p14:creationId xmlns:p14="http://schemas.microsoft.com/office/powerpoint/2010/main" val="447969412"/>
+        <p14:creationId xmlns:p14="http://schemas.microsoft.com/office/powerpoint/2010/main" xmlns="" val="447969412"/>
       </p:ext>
     </p:extLst>
   </p:cSld>
@@ -2007,6 +2029,7 @@
           <a:p>
             <a:fld id="{0C080E5F-76A7-426C-8874-1B043B738D2C}" type="slidenum">
               <a:rPr lang="fr-FR" smtClean="0"/>
+              <a:pPr/>
               <a:t>25</a:t>
             </a:fld>
             <a:endParaRPr lang="fr-FR"/>
@@ -2016,7 +2039,7 @@
     </p:spTree>
     <p:extLst>
       <p:ext uri="{BB962C8B-B14F-4D97-AF65-F5344CB8AC3E}">
-        <p14:creationId xmlns:p14="http://schemas.microsoft.com/office/powerpoint/2010/main" val="447969412"/>
+        <p14:creationId xmlns:p14="http://schemas.microsoft.com/office/powerpoint/2010/main" xmlns="" val="447969412"/>
       </p:ext>
     </p:extLst>
   </p:cSld>
@@ -2091,6 +2114,7 @@
           <a:p>
             <a:fld id="{0C080E5F-76A7-426C-8874-1B043B738D2C}" type="slidenum">
               <a:rPr lang="fr-FR" smtClean="0"/>
+              <a:pPr/>
               <a:t>26</a:t>
             </a:fld>
             <a:endParaRPr lang="fr-FR"/>
@@ -2100,7 +2124,7 @@
     </p:spTree>
     <p:extLst>
       <p:ext uri="{BB962C8B-B14F-4D97-AF65-F5344CB8AC3E}">
-        <p14:creationId xmlns:p14="http://schemas.microsoft.com/office/powerpoint/2010/main" val="447969412"/>
+        <p14:creationId xmlns:p14="http://schemas.microsoft.com/office/powerpoint/2010/main" xmlns="" val="447969412"/>
       </p:ext>
     </p:extLst>
   </p:cSld>
@@ -2175,6 +2199,7 @@
           <a:p>
             <a:fld id="{0C080E5F-76A7-426C-8874-1B043B738D2C}" type="slidenum">
               <a:rPr lang="fr-FR" smtClean="0"/>
+              <a:pPr/>
               <a:t>27</a:t>
             </a:fld>
             <a:endParaRPr lang="fr-FR"/>
@@ -2184,7 +2209,7 @@
     </p:spTree>
     <p:extLst>
       <p:ext uri="{BB962C8B-B14F-4D97-AF65-F5344CB8AC3E}">
-        <p14:creationId xmlns:p14="http://schemas.microsoft.com/office/powerpoint/2010/main" val="447969412"/>
+        <p14:creationId xmlns:p14="http://schemas.microsoft.com/office/powerpoint/2010/main" xmlns="" val="447969412"/>
       </p:ext>
     </p:extLst>
   </p:cSld>
@@ -2259,6 +2284,7 @@
           <a:p>
             <a:fld id="{0C080E5F-76A7-426C-8874-1B043B738D2C}" type="slidenum">
               <a:rPr lang="fr-FR" smtClean="0"/>
+              <a:pPr/>
               <a:t>28</a:t>
             </a:fld>
             <a:endParaRPr lang="fr-FR"/>
@@ -2268,7 +2294,7 @@
     </p:spTree>
     <p:extLst>
       <p:ext uri="{BB962C8B-B14F-4D97-AF65-F5344CB8AC3E}">
-        <p14:creationId xmlns:p14="http://schemas.microsoft.com/office/powerpoint/2010/main" val="447969412"/>
+        <p14:creationId xmlns:p14="http://schemas.microsoft.com/office/powerpoint/2010/main" xmlns="" val="447969412"/>
       </p:ext>
     </p:extLst>
   </p:cSld>
@@ -2343,6 +2369,7 @@
           <a:p>
             <a:fld id="{0C080E5F-76A7-426C-8874-1B043B738D2C}" type="slidenum">
               <a:rPr lang="fr-FR" smtClean="0"/>
+              <a:pPr/>
               <a:t>29</a:t>
             </a:fld>
             <a:endParaRPr lang="fr-FR"/>
@@ -2352,7 +2379,7 @@
     </p:spTree>
     <p:extLst>
       <p:ext uri="{BB962C8B-B14F-4D97-AF65-F5344CB8AC3E}">
-        <p14:creationId xmlns:p14="http://schemas.microsoft.com/office/powerpoint/2010/main" val="447969412"/>
+        <p14:creationId xmlns:p14="http://schemas.microsoft.com/office/powerpoint/2010/main" xmlns="" val="447969412"/>
       </p:ext>
     </p:extLst>
   </p:cSld>
@@ -2427,6 +2454,7 @@
           <a:p>
             <a:fld id="{0C080E5F-76A7-426C-8874-1B043B738D2C}" type="slidenum">
               <a:rPr lang="fr-FR" smtClean="0"/>
+              <a:pPr/>
               <a:t>3</a:t>
             </a:fld>
             <a:endParaRPr lang="fr-FR"/>
@@ -2436,7 +2464,7 @@
     </p:spTree>
     <p:extLst>
       <p:ext uri="{BB962C8B-B14F-4D97-AF65-F5344CB8AC3E}">
-        <p14:creationId xmlns:p14="http://schemas.microsoft.com/office/powerpoint/2010/main" val="447969412"/>
+        <p14:creationId xmlns:p14="http://schemas.microsoft.com/office/powerpoint/2010/main" xmlns="" val="447969412"/>
       </p:ext>
     </p:extLst>
   </p:cSld>
@@ -2511,6 +2539,7 @@
           <a:p>
             <a:fld id="{0C080E5F-76A7-426C-8874-1B043B738D2C}" type="slidenum">
               <a:rPr lang="fr-FR" smtClean="0"/>
+              <a:pPr/>
               <a:t>30</a:t>
             </a:fld>
             <a:endParaRPr lang="fr-FR"/>
@@ -2520,7 +2549,7 @@
     </p:spTree>
     <p:extLst>
       <p:ext uri="{BB962C8B-B14F-4D97-AF65-F5344CB8AC3E}">
-        <p14:creationId xmlns:p14="http://schemas.microsoft.com/office/powerpoint/2010/main" val="447969412"/>
+        <p14:creationId xmlns:p14="http://schemas.microsoft.com/office/powerpoint/2010/main" xmlns="" val="447969412"/>
       </p:ext>
     </p:extLst>
   </p:cSld>
@@ -2595,6 +2624,7 @@
           <a:p>
             <a:fld id="{0C080E5F-76A7-426C-8874-1B043B738D2C}" type="slidenum">
               <a:rPr lang="fr-FR" smtClean="0"/>
+              <a:pPr/>
               <a:t>31</a:t>
             </a:fld>
             <a:endParaRPr lang="fr-FR"/>
@@ -2604,7 +2634,7 @@
     </p:spTree>
     <p:extLst>
       <p:ext uri="{BB962C8B-B14F-4D97-AF65-F5344CB8AC3E}">
-        <p14:creationId xmlns:p14="http://schemas.microsoft.com/office/powerpoint/2010/main" val="447969412"/>
+        <p14:creationId xmlns:p14="http://schemas.microsoft.com/office/powerpoint/2010/main" xmlns="" val="447969412"/>
       </p:ext>
     </p:extLst>
   </p:cSld>
@@ -2679,6 +2709,7 @@
           <a:p>
             <a:fld id="{0C080E5F-76A7-426C-8874-1B043B738D2C}" type="slidenum">
               <a:rPr lang="fr-FR" smtClean="0"/>
+              <a:pPr/>
               <a:t>32</a:t>
             </a:fld>
             <a:endParaRPr lang="fr-FR"/>
@@ -2688,7 +2719,7 @@
     </p:spTree>
     <p:extLst>
       <p:ext uri="{BB962C8B-B14F-4D97-AF65-F5344CB8AC3E}">
-        <p14:creationId xmlns:p14="http://schemas.microsoft.com/office/powerpoint/2010/main" val="447969412"/>
+        <p14:creationId xmlns:p14="http://schemas.microsoft.com/office/powerpoint/2010/main" xmlns="" val="447969412"/>
       </p:ext>
     </p:extLst>
   </p:cSld>
@@ -2763,6 +2794,7 @@
           <a:p>
             <a:fld id="{0C080E5F-76A7-426C-8874-1B043B738D2C}" type="slidenum">
               <a:rPr lang="fr-FR" smtClean="0"/>
+              <a:pPr/>
               <a:t>33</a:t>
             </a:fld>
             <a:endParaRPr lang="fr-FR"/>
@@ -2772,7 +2804,7 @@
     </p:spTree>
     <p:extLst>
       <p:ext uri="{BB962C8B-B14F-4D97-AF65-F5344CB8AC3E}">
-        <p14:creationId xmlns:p14="http://schemas.microsoft.com/office/powerpoint/2010/main" val="447969412"/>
+        <p14:creationId xmlns:p14="http://schemas.microsoft.com/office/powerpoint/2010/main" xmlns="" val="447969412"/>
       </p:ext>
     </p:extLst>
   </p:cSld>
@@ -2847,6 +2879,7 @@
           <a:p>
             <a:fld id="{0C080E5F-76A7-426C-8874-1B043B738D2C}" type="slidenum">
               <a:rPr lang="fr-FR" smtClean="0"/>
+              <a:pPr/>
               <a:t>34</a:t>
             </a:fld>
             <a:endParaRPr lang="fr-FR"/>
@@ -2856,7 +2889,7 @@
     </p:spTree>
     <p:extLst>
       <p:ext uri="{BB962C8B-B14F-4D97-AF65-F5344CB8AC3E}">
-        <p14:creationId xmlns:p14="http://schemas.microsoft.com/office/powerpoint/2010/main" val="447969412"/>
+        <p14:creationId xmlns:p14="http://schemas.microsoft.com/office/powerpoint/2010/main" xmlns="" val="447969412"/>
       </p:ext>
     </p:extLst>
   </p:cSld>
@@ -2931,6 +2964,7 @@
           <a:p>
             <a:fld id="{0C080E5F-76A7-426C-8874-1B043B738D2C}" type="slidenum">
               <a:rPr lang="fr-FR" smtClean="0"/>
+              <a:pPr/>
               <a:t>35</a:t>
             </a:fld>
             <a:endParaRPr lang="fr-FR"/>
@@ -2940,7 +2974,7 @@
     </p:spTree>
     <p:extLst>
       <p:ext uri="{BB962C8B-B14F-4D97-AF65-F5344CB8AC3E}">
-        <p14:creationId xmlns:p14="http://schemas.microsoft.com/office/powerpoint/2010/main" val="447969412"/>
+        <p14:creationId xmlns:p14="http://schemas.microsoft.com/office/powerpoint/2010/main" xmlns="" val="447969412"/>
       </p:ext>
     </p:extLst>
   </p:cSld>
@@ -3015,6 +3049,7 @@
           <a:p>
             <a:fld id="{0C080E5F-76A7-426C-8874-1B043B738D2C}" type="slidenum">
               <a:rPr lang="fr-FR" smtClean="0"/>
+              <a:pPr/>
               <a:t>36</a:t>
             </a:fld>
             <a:endParaRPr lang="fr-FR"/>
@@ -3024,7 +3059,7 @@
     </p:spTree>
     <p:extLst>
       <p:ext uri="{BB962C8B-B14F-4D97-AF65-F5344CB8AC3E}">
-        <p14:creationId xmlns:p14="http://schemas.microsoft.com/office/powerpoint/2010/main" val="447969412"/>
+        <p14:creationId xmlns:p14="http://schemas.microsoft.com/office/powerpoint/2010/main" xmlns="" val="447969412"/>
       </p:ext>
     </p:extLst>
   </p:cSld>
@@ -3099,6 +3134,7 @@
           <a:p>
             <a:fld id="{0C080E5F-76A7-426C-8874-1B043B738D2C}" type="slidenum">
               <a:rPr lang="fr-FR" smtClean="0"/>
+              <a:pPr/>
               <a:t>37</a:t>
             </a:fld>
             <a:endParaRPr lang="fr-FR"/>
@@ -3108,7 +3144,7 @@
     </p:spTree>
     <p:extLst>
       <p:ext uri="{BB962C8B-B14F-4D97-AF65-F5344CB8AC3E}">
-        <p14:creationId xmlns:p14="http://schemas.microsoft.com/office/powerpoint/2010/main" val="447969412"/>
+        <p14:creationId xmlns:p14="http://schemas.microsoft.com/office/powerpoint/2010/main" xmlns="" val="447969412"/>
       </p:ext>
     </p:extLst>
   </p:cSld>
@@ -3183,6 +3219,7 @@
           <a:p>
             <a:fld id="{0C080E5F-76A7-426C-8874-1B043B738D2C}" type="slidenum">
               <a:rPr lang="fr-FR" smtClean="0"/>
+              <a:pPr/>
               <a:t>38</a:t>
             </a:fld>
             <a:endParaRPr lang="fr-FR"/>
@@ -3192,7 +3229,7 @@
     </p:spTree>
     <p:extLst>
       <p:ext uri="{BB962C8B-B14F-4D97-AF65-F5344CB8AC3E}">
-        <p14:creationId xmlns:p14="http://schemas.microsoft.com/office/powerpoint/2010/main" val="447969412"/>
+        <p14:creationId xmlns:p14="http://schemas.microsoft.com/office/powerpoint/2010/main" xmlns="" val="447969412"/>
       </p:ext>
     </p:extLst>
   </p:cSld>
@@ -3267,6 +3304,7 @@
           <a:p>
             <a:fld id="{0C080E5F-76A7-426C-8874-1B043B738D2C}" type="slidenum">
               <a:rPr lang="fr-FR" smtClean="0"/>
+              <a:pPr/>
               <a:t>39</a:t>
             </a:fld>
             <a:endParaRPr lang="fr-FR"/>
@@ -3276,7 +3314,7 @@
     </p:spTree>
     <p:extLst>
       <p:ext uri="{BB962C8B-B14F-4D97-AF65-F5344CB8AC3E}">
-        <p14:creationId xmlns:p14="http://schemas.microsoft.com/office/powerpoint/2010/main" val="447969412"/>
+        <p14:creationId xmlns:p14="http://schemas.microsoft.com/office/powerpoint/2010/main" xmlns="" val="447969412"/>
       </p:ext>
     </p:extLst>
   </p:cSld>
@@ -3351,6 +3389,7 @@
           <a:p>
             <a:fld id="{0C080E5F-76A7-426C-8874-1B043B738D2C}" type="slidenum">
               <a:rPr lang="fr-FR" smtClean="0"/>
+              <a:pPr/>
               <a:t>4</a:t>
             </a:fld>
             <a:endParaRPr lang="fr-FR"/>
@@ -3360,7 +3399,262 @@
     </p:spTree>
     <p:extLst>
       <p:ext uri="{BB962C8B-B14F-4D97-AF65-F5344CB8AC3E}">
-        <p14:creationId xmlns:p14="http://schemas.microsoft.com/office/powerpoint/2010/main" val="447969412"/>
+        <p14:creationId xmlns:p14="http://schemas.microsoft.com/office/powerpoint/2010/main" xmlns="" val="447969412"/>
+      </p:ext>
+    </p:extLst>
+  </p:cSld>
+  <p:clrMapOvr>
+    <a:masterClrMapping/>
+  </p:clrMapOvr>
+</p:notes>
+</file>
+
+<file path=ppt/notesSlides/notesSlide40.xml><?xml version="1.0" encoding="utf-8"?>
+<p:notes xmlns:a="http://schemas.openxmlformats.org/drawingml/2006/main" xmlns:r="http://schemas.openxmlformats.org/officeDocument/2006/relationships" xmlns:p="http://schemas.openxmlformats.org/presentationml/2006/main">
+  <p:cSld>
+    <p:spTree>
+      <p:nvGrpSpPr>
+        <p:cNvPr id="1" name=""/>
+        <p:cNvGrpSpPr/>
+        <p:nvPr/>
+      </p:nvGrpSpPr>
+      <p:grpSpPr>
+        <a:xfrm>
+          <a:off x="0" y="0"/>
+          <a:ext cx="0" cy="0"/>
+          <a:chOff x="0" y="0"/>
+          <a:chExt cx="0" cy="0"/>
+        </a:xfrm>
+      </p:grpSpPr>
+      <p:sp>
+        <p:nvSpPr>
+          <p:cNvPr id="2" name="Espace réservé de l'image des diapositives 1"/>
+          <p:cNvSpPr>
+            <a:spLocks noGrp="1" noRot="1" noChangeAspect="1"/>
+          </p:cNvSpPr>
+          <p:nvPr>
+            <p:ph type="sldImg"/>
+          </p:nvPr>
+        </p:nvSpPr>
+        <p:spPr/>
+      </p:sp>
+      <p:sp>
+        <p:nvSpPr>
+          <p:cNvPr id="3" name="Espace réservé des commentaires 2"/>
+          <p:cNvSpPr>
+            <a:spLocks noGrp="1"/>
+          </p:cNvSpPr>
+          <p:nvPr>
+            <p:ph type="body" idx="1"/>
+          </p:nvPr>
+        </p:nvSpPr>
+        <p:spPr/>
+        <p:txBody>
+          <a:bodyPr/>
+          <a:lstStyle/>
+          <a:p>
+            <a:endParaRPr lang="fr-FR"/>
+          </a:p>
+        </p:txBody>
+      </p:sp>
+      <p:sp>
+        <p:nvSpPr>
+          <p:cNvPr id="4" name="Espace réservé du numéro de diapositive 3"/>
+          <p:cNvSpPr>
+            <a:spLocks noGrp="1"/>
+          </p:cNvSpPr>
+          <p:nvPr>
+            <p:ph type="sldNum" sz="quarter" idx="10"/>
+          </p:nvPr>
+        </p:nvSpPr>
+        <p:spPr/>
+        <p:txBody>
+          <a:bodyPr/>
+          <a:lstStyle/>
+          <a:p>
+            <a:fld id="{0C080E5F-76A7-426C-8874-1B043B738D2C}" type="slidenum">
+              <a:rPr lang="fr-FR" smtClean="0"/>
+              <a:pPr/>
+              <a:t>40</a:t>
+            </a:fld>
+            <a:endParaRPr lang="fr-FR"/>
+          </a:p>
+        </p:txBody>
+      </p:sp>
+    </p:spTree>
+    <p:extLst>
+      <p:ext uri="{BB962C8B-B14F-4D97-AF65-F5344CB8AC3E}">
+        <p14:creationId xmlns:p14="http://schemas.microsoft.com/office/powerpoint/2010/main" xmlns="" val="447969412"/>
+      </p:ext>
+    </p:extLst>
+  </p:cSld>
+  <p:clrMapOvr>
+    <a:masterClrMapping/>
+  </p:clrMapOvr>
+</p:notes>
+</file>
+
+<file path=ppt/notesSlides/notesSlide41.xml><?xml version="1.0" encoding="utf-8"?>
+<p:notes xmlns:a="http://schemas.openxmlformats.org/drawingml/2006/main" xmlns:r="http://schemas.openxmlformats.org/officeDocument/2006/relationships" xmlns:p="http://schemas.openxmlformats.org/presentationml/2006/main">
+  <p:cSld>
+    <p:spTree>
+      <p:nvGrpSpPr>
+        <p:cNvPr id="1" name=""/>
+        <p:cNvGrpSpPr/>
+        <p:nvPr/>
+      </p:nvGrpSpPr>
+      <p:grpSpPr>
+        <a:xfrm>
+          <a:off x="0" y="0"/>
+          <a:ext cx="0" cy="0"/>
+          <a:chOff x="0" y="0"/>
+          <a:chExt cx="0" cy="0"/>
+        </a:xfrm>
+      </p:grpSpPr>
+      <p:sp>
+        <p:nvSpPr>
+          <p:cNvPr id="2" name="Espace réservé de l'image des diapositives 1"/>
+          <p:cNvSpPr>
+            <a:spLocks noGrp="1" noRot="1" noChangeAspect="1"/>
+          </p:cNvSpPr>
+          <p:nvPr>
+            <p:ph type="sldImg"/>
+          </p:nvPr>
+        </p:nvSpPr>
+        <p:spPr/>
+      </p:sp>
+      <p:sp>
+        <p:nvSpPr>
+          <p:cNvPr id="3" name="Espace réservé des commentaires 2"/>
+          <p:cNvSpPr>
+            <a:spLocks noGrp="1"/>
+          </p:cNvSpPr>
+          <p:nvPr>
+            <p:ph type="body" idx="1"/>
+          </p:nvPr>
+        </p:nvSpPr>
+        <p:spPr/>
+        <p:txBody>
+          <a:bodyPr/>
+          <a:lstStyle/>
+          <a:p>
+            <a:endParaRPr lang="fr-FR"/>
+          </a:p>
+        </p:txBody>
+      </p:sp>
+      <p:sp>
+        <p:nvSpPr>
+          <p:cNvPr id="4" name="Espace réservé du numéro de diapositive 3"/>
+          <p:cNvSpPr>
+            <a:spLocks noGrp="1"/>
+          </p:cNvSpPr>
+          <p:nvPr>
+            <p:ph type="sldNum" sz="quarter" idx="10"/>
+          </p:nvPr>
+        </p:nvSpPr>
+        <p:spPr/>
+        <p:txBody>
+          <a:bodyPr/>
+          <a:lstStyle/>
+          <a:p>
+            <a:fld id="{0C080E5F-76A7-426C-8874-1B043B738D2C}" type="slidenum">
+              <a:rPr lang="fr-FR" smtClean="0"/>
+              <a:pPr/>
+              <a:t>41</a:t>
+            </a:fld>
+            <a:endParaRPr lang="fr-FR"/>
+          </a:p>
+        </p:txBody>
+      </p:sp>
+    </p:spTree>
+    <p:extLst>
+      <p:ext uri="{BB962C8B-B14F-4D97-AF65-F5344CB8AC3E}">
+        <p14:creationId xmlns:p14="http://schemas.microsoft.com/office/powerpoint/2010/main" xmlns="" val="447969412"/>
+      </p:ext>
+    </p:extLst>
+  </p:cSld>
+  <p:clrMapOvr>
+    <a:masterClrMapping/>
+  </p:clrMapOvr>
+</p:notes>
+</file>
+
+<file path=ppt/notesSlides/notesSlide42.xml><?xml version="1.0" encoding="utf-8"?>
+<p:notes xmlns:a="http://schemas.openxmlformats.org/drawingml/2006/main" xmlns:r="http://schemas.openxmlformats.org/officeDocument/2006/relationships" xmlns:p="http://schemas.openxmlformats.org/presentationml/2006/main">
+  <p:cSld>
+    <p:spTree>
+      <p:nvGrpSpPr>
+        <p:cNvPr id="1" name=""/>
+        <p:cNvGrpSpPr/>
+        <p:nvPr/>
+      </p:nvGrpSpPr>
+      <p:grpSpPr>
+        <a:xfrm>
+          <a:off x="0" y="0"/>
+          <a:ext cx="0" cy="0"/>
+          <a:chOff x="0" y="0"/>
+          <a:chExt cx="0" cy="0"/>
+        </a:xfrm>
+      </p:grpSpPr>
+      <p:sp>
+        <p:nvSpPr>
+          <p:cNvPr id="2" name="Espace réservé de l'image des diapositives 1"/>
+          <p:cNvSpPr>
+            <a:spLocks noGrp="1" noRot="1" noChangeAspect="1"/>
+          </p:cNvSpPr>
+          <p:nvPr>
+            <p:ph type="sldImg"/>
+          </p:nvPr>
+        </p:nvSpPr>
+        <p:spPr/>
+      </p:sp>
+      <p:sp>
+        <p:nvSpPr>
+          <p:cNvPr id="3" name="Espace réservé des commentaires 2"/>
+          <p:cNvSpPr>
+            <a:spLocks noGrp="1"/>
+          </p:cNvSpPr>
+          <p:nvPr>
+            <p:ph type="body" idx="1"/>
+          </p:nvPr>
+        </p:nvSpPr>
+        <p:spPr/>
+        <p:txBody>
+          <a:bodyPr/>
+          <a:lstStyle/>
+          <a:p>
+            <a:endParaRPr lang="fr-FR"/>
+          </a:p>
+        </p:txBody>
+      </p:sp>
+      <p:sp>
+        <p:nvSpPr>
+          <p:cNvPr id="4" name="Espace réservé du numéro de diapositive 3"/>
+          <p:cNvSpPr>
+            <a:spLocks noGrp="1"/>
+          </p:cNvSpPr>
+          <p:nvPr>
+            <p:ph type="sldNum" sz="quarter" idx="10"/>
+          </p:nvPr>
+        </p:nvSpPr>
+        <p:spPr/>
+        <p:txBody>
+          <a:bodyPr/>
+          <a:lstStyle/>
+          <a:p>
+            <a:fld id="{0C080E5F-76A7-426C-8874-1B043B738D2C}" type="slidenum">
+              <a:rPr lang="fr-FR" smtClean="0"/>
+              <a:pPr/>
+              <a:t>42</a:t>
+            </a:fld>
+            <a:endParaRPr lang="fr-FR"/>
+          </a:p>
+        </p:txBody>
+      </p:sp>
+    </p:spTree>
+    <p:extLst>
+      <p:ext uri="{BB962C8B-B14F-4D97-AF65-F5344CB8AC3E}">
+        <p14:creationId xmlns:p14="http://schemas.microsoft.com/office/powerpoint/2010/main" xmlns="" val="447969412"/>
       </p:ext>
     </p:extLst>
   </p:cSld>
@@ -3435,6 +3729,7 @@
           <a:p>
             <a:fld id="{0C080E5F-76A7-426C-8874-1B043B738D2C}" type="slidenum">
               <a:rPr lang="fr-FR" smtClean="0"/>
+              <a:pPr/>
               <a:t>5</a:t>
             </a:fld>
             <a:endParaRPr lang="fr-FR"/>
@@ -3444,7 +3739,7 @@
     </p:spTree>
     <p:extLst>
       <p:ext uri="{BB962C8B-B14F-4D97-AF65-F5344CB8AC3E}">
-        <p14:creationId xmlns:p14="http://schemas.microsoft.com/office/powerpoint/2010/main" val="447969412"/>
+        <p14:creationId xmlns:p14="http://schemas.microsoft.com/office/powerpoint/2010/main" xmlns="" val="447969412"/>
       </p:ext>
     </p:extLst>
   </p:cSld>
@@ -3519,6 +3814,7 @@
           <a:p>
             <a:fld id="{0C080E5F-76A7-426C-8874-1B043B738D2C}" type="slidenum">
               <a:rPr lang="fr-FR" smtClean="0"/>
+              <a:pPr/>
               <a:t>6</a:t>
             </a:fld>
             <a:endParaRPr lang="fr-FR"/>
@@ -3528,7 +3824,7 @@
     </p:spTree>
     <p:extLst>
       <p:ext uri="{BB962C8B-B14F-4D97-AF65-F5344CB8AC3E}">
-        <p14:creationId xmlns:p14="http://schemas.microsoft.com/office/powerpoint/2010/main" val="447969412"/>
+        <p14:creationId xmlns:p14="http://schemas.microsoft.com/office/powerpoint/2010/main" xmlns="" val="447969412"/>
       </p:ext>
     </p:extLst>
   </p:cSld>
@@ -3603,6 +3899,7 @@
           <a:p>
             <a:fld id="{0C080E5F-76A7-426C-8874-1B043B738D2C}" type="slidenum">
               <a:rPr lang="fr-FR" smtClean="0"/>
+              <a:pPr/>
               <a:t>7</a:t>
             </a:fld>
             <a:endParaRPr lang="fr-FR"/>
@@ -3612,7 +3909,7 @@
     </p:spTree>
     <p:extLst>
       <p:ext uri="{BB962C8B-B14F-4D97-AF65-F5344CB8AC3E}">
-        <p14:creationId xmlns:p14="http://schemas.microsoft.com/office/powerpoint/2010/main" val="447969412"/>
+        <p14:creationId xmlns:p14="http://schemas.microsoft.com/office/powerpoint/2010/main" xmlns="" val="447969412"/>
       </p:ext>
     </p:extLst>
   </p:cSld>
@@ -3687,6 +3984,7 @@
           <a:p>
             <a:fld id="{0C080E5F-76A7-426C-8874-1B043B738D2C}" type="slidenum">
               <a:rPr lang="fr-FR" smtClean="0"/>
+              <a:pPr/>
               <a:t>8</a:t>
             </a:fld>
             <a:endParaRPr lang="fr-FR"/>
@@ -3696,7 +3994,7 @@
     </p:spTree>
     <p:extLst>
       <p:ext uri="{BB962C8B-B14F-4D97-AF65-F5344CB8AC3E}">
-        <p14:creationId xmlns:p14="http://schemas.microsoft.com/office/powerpoint/2010/main" val="447969412"/>
+        <p14:creationId xmlns:p14="http://schemas.microsoft.com/office/powerpoint/2010/main" xmlns="" val="447969412"/>
       </p:ext>
     </p:extLst>
   </p:cSld>
@@ -3771,6 +4069,7 @@
           <a:p>
             <a:fld id="{0C080E5F-76A7-426C-8874-1B043B738D2C}" type="slidenum">
               <a:rPr lang="fr-FR" smtClean="0"/>
+              <a:pPr/>
               <a:t>9</a:t>
             </a:fld>
             <a:endParaRPr lang="fr-FR"/>
@@ -3780,7 +4079,7 @@
     </p:spTree>
     <p:extLst>
       <p:ext uri="{BB962C8B-B14F-4D97-AF65-F5344CB8AC3E}">
-        <p14:creationId xmlns:p14="http://schemas.microsoft.com/office/powerpoint/2010/main" val="447969412"/>
+        <p14:creationId xmlns:p14="http://schemas.microsoft.com/office/powerpoint/2010/main" xmlns="" val="447969412"/>
       </p:ext>
     </p:extLst>
   </p:cSld>
@@ -3819,7 +4118,7 @@
           <a:blip r:embed="rId2" cstate="email">
             <a:extLst>
               <a:ext uri="{28A0092B-C50C-407E-A947-70E740481C1C}">
-                <a14:useLocalDpi xmlns:a14="http://schemas.microsoft.com/office/drawing/2010/main" val="0"/>
+                <a14:useLocalDpi xmlns:a14="http://schemas.microsoft.com/office/drawing/2010/main" xmlns="" val="0"/>
               </a:ext>
             </a:extLst>
           </a:blip>
@@ -3842,14 +4141,14 @@
           </a:ln>
           <a:extLst>
             <a:ext uri="{909E8E84-426E-40DD-AFC4-6F175D3DCCD1}">
-              <a14:hiddenFill xmlns:a14="http://schemas.microsoft.com/office/drawing/2010/main">
+              <a14:hiddenFill xmlns:a14="http://schemas.microsoft.com/office/drawing/2010/main" xmlns="">
                 <a:solidFill>
                   <a:schemeClr val="accent1"/>
                 </a:solidFill>
               </a14:hiddenFill>
             </a:ext>
             <a:ext uri="{91240B29-F687-4F45-9708-019B960494DF}">
-              <a14:hiddenLine xmlns:a14="http://schemas.microsoft.com/office/drawing/2010/main" w="9525">
+              <a14:hiddenLine xmlns:a14="http://schemas.microsoft.com/office/drawing/2010/main" xmlns="" w="9525">
                 <a:solidFill>
                   <a:schemeClr val="tx1"/>
                 </a:solidFill>
@@ -3985,7 +4284,7 @@
                 </a:solidFill>
               </a:rPr>
               <a:pPr/>
-              <a:t>20/06/2015</a:t>
+              <a:t>23/07/2015</a:t>
             </a:fld>
             <a:endParaRPr lang="fr-FR" b="1" dirty="0">
               <a:solidFill>
@@ -4132,7 +4431,7 @@
     </p:spTree>
     <p:extLst>
       <p:ext uri="{BB962C8B-B14F-4D97-AF65-F5344CB8AC3E}">
-        <p14:creationId xmlns:p14="http://schemas.microsoft.com/office/powerpoint/2010/main" val="2439187425"/>
+        <p14:creationId xmlns:p14="http://schemas.microsoft.com/office/powerpoint/2010/main" xmlns="" val="2439187425"/>
       </p:ext>
     </p:extLst>
   </p:cSld>
@@ -4258,7 +4557,8 @@
           <a:p>
             <a:fld id="{CE5A5207-E07B-4FCF-99F6-F8833A3BB3D7}" type="datetime1">
               <a:rPr lang="fr-FR" smtClean="0"/>
-              <a:t>20/06/2015</a:t>
+              <a:pPr/>
+              <a:t>23/07/2015</a:t>
             </a:fld>
             <a:endParaRPr lang="fr-FR"/>
           </a:p>
@@ -4300,6 +4600,7 @@
           <a:p>
             <a:fld id="{3120CB13-A045-4FF2-AF1A-D1AA5276D291}" type="slidenum">
               <a:rPr lang="fr-FR" smtClean="0"/>
+              <a:pPr/>
               <a:t>‹N°›</a:t>
             </a:fld>
             <a:endParaRPr lang="fr-FR"/>
@@ -4309,7 +4610,7 @@
     </p:spTree>
     <p:extLst>
       <p:ext uri="{BB962C8B-B14F-4D97-AF65-F5344CB8AC3E}">
-        <p14:creationId xmlns:p14="http://schemas.microsoft.com/office/powerpoint/2010/main" val="2277311567"/>
+        <p14:creationId xmlns:p14="http://schemas.microsoft.com/office/powerpoint/2010/main" xmlns="" val="2277311567"/>
       </p:ext>
     </p:extLst>
   </p:cSld>
@@ -4438,7 +4739,8 @@
           <a:p>
             <a:fld id="{D68965C6-0898-43EA-9A99-A4039BB22876}" type="datetime1">
               <a:rPr lang="fr-FR" smtClean="0"/>
-              <a:t>20/06/2015</a:t>
+              <a:pPr/>
+              <a:t>23/07/2015</a:t>
             </a:fld>
             <a:endParaRPr lang="fr-FR"/>
           </a:p>
@@ -4480,6 +4782,7 @@
           <a:p>
             <a:fld id="{3120CB13-A045-4FF2-AF1A-D1AA5276D291}" type="slidenum">
               <a:rPr lang="fr-FR" smtClean="0"/>
+              <a:pPr/>
               <a:t>‹N°›</a:t>
             </a:fld>
             <a:endParaRPr lang="fr-FR"/>
@@ -4489,7 +4792,7 @@
     </p:spTree>
     <p:extLst>
       <p:ext uri="{BB962C8B-B14F-4D97-AF65-F5344CB8AC3E}">
-        <p14:creationId xmlns:p14="http://schemas.microsoft.com/office/powerpoint/2010/main" val="1382734851"/>
+        <p14:creationId xmlns:p14="http://schemas.microsoft.com/office/powerpoint/2010/main" xmlns="" val="1382734851"/>
       </p:ext>
     </p:extLst>
   </p:cSld>
@@ -4608,7 +4911,8 @@
           <a:p>
             <a:fld id="{94B2F636-2596-4D20-BE75-DC7667EB0908}" type="datetime1">
               <a:rPr lang="fr-FR" smtClean="0"/>
-              <a:t>20/06/2015</a:t>
+              <a:pPr/>
+              <a:t>23/07/2015</a:t>
             </a:fld>
             <a:endParaRPr lang="fr-FR"/>
           </a:p>
@@ -4650,6 +4954,7 @@
           <a:p>
             <a:fld id="{3120CB13-A045-4FF2-AF1A-D1AA5276D291}" type="slidenum">
               <a:rPr lang="fr-FR" smtClean="0"/>
+              <a:pPr/>
               <a:t>‹N°›</a:t>
             </a:fld>
             <a:endParaRPr lang="fr-FR"/>
@@ -4659,7 +4964,7 @@
     </p:spTree>
     <p:extLst>
       <p:ext uri="{BB962C8B-B14F-4D97-AF65-F5344CB8AC3E}">
-        <p14:creationId xmlns:p14="http://schemas.microsoft.com/office/powerpoint/2010/main" val="1730161274"/>
+        <p14:creationId xmlns:p14="http://schemas.microsoft.com/office/powerpoint/2010/main" xmlns="" val="1730161274"/>
       </p:ext>
     </p:extLst>
   </p:cSld>
@@ -4854,7 +5159,8 @@
           <a:p>
             <a:fld id="{3941AF55-5B35-49D2-89B7-6A012C2F0023}" type="datetime1">
               <a:rPr lang="fr-FR" smtClean="0"/>
-              <a:t>20/06/2015</a:t>
+              <a:pPr/>
+              <a:t>23/07/2015</a:t>
             </a:fld>
             <a:endParaRPr lang="fr-FR"/>
           </a:p>
@@ -4896,6 +5202,7 @@
           <a:p>
             <a:fld id="{3120CB13-A045-4FF2-AF1A-D1AA5276D291}" type="slidenum">
               <a:rPr lang="fr-FR" smtClean="0"/>
+              <a:pPr/>
               <a:t>‹N°›</a:t>
             </a:fld>
             <a:endParaRPr lang="fr-FR"/>
@@ -4905,7 +5212,7 @@
     </p:spTree>
     <p:extLst>
       <p:ext uri="{BB962C8B-B14F-4D97-AF65-F5344CB8AC3E}">
-        <p14:creationId xmlns:p14="http://schemas.microsoft.com/office/powerpoint/2010/main" val="3623823994"/>
+        <p14:creationId xmlns:p14="http://schemas.microsoft.com/office/powerpoint/2010/main" xmlns="" val="3623823994"/>
       </p:ext>
     </p:extLst>
   </p:cSld>
@@ -5142,7 +5449,8 @@
           <a:p>
             <a:fld id="{B36C4D42-2F73-4BB2-8416-8B3A3DDD3EE7}" type="datetime1">
               <a:rPr lang="fr-FR" smtClean="0"/>
-              <a:t>20/06/2015</a:t>
+              <a:pPr/>
+              <a:t>23/07/2015</a:t>
             </a:fld>
             <a:endParaRPr lang="fr-FR"/>
           </a:p>
@@ -5184,6 +5492,7 @@
           <a:p>
             <a:fld id="{3120CB13-A045-4FF2-AF1A-D1AA5276D291}" type="slidenum">
               <a:rPr lang="fr-FR" smtClean="0"/>
+              <a:pPr/>
               <a:t>‹N°›</a:t>
             </a:fld>
             <a:endParaRPr lang="fr-FR"/>
@@ -5193,7 +5502,7 @@
     </p:spTree>
     <p:extLst>
       <p:ext uri="{BB962C8B-B14F-4D97-AF65-F5344CB8AC3E}">
-        <p14:creationId xmlns:p14="http://schemas.microsoft.com/office/powerpoint/2010/main" val="2477640779"/>
+        <p14:creationId xmlns:p14="http://schemas.microsoft.com/office/powerpoint/2010/main" xmlns="" val="2477640779"/>
       </p:ext>
     </p:extLst>
   </p:cSld>
@@ -5564,7 +5873,8 @@
           <a:p>
             <a:fld id="{E456F79D-CD5D-4224-B1FA-5F7F3BAA4104}" type="datetime1">
               <a:rPr lang="fr-FR" smtClean="0"/>
-              <a:t>20/06/2015</a:t>
+              <a:pPr/>
+              <a:t>23/07/2015</a:t>
             </a:fld>
             <a:endParaRPr lang="fr-FR"/>
           </a:p>
@@ -5606,6 +5916,7 @@
           <a:p>
             <a:fld id="{3120CB13-A045-4FF2-AF1A-D1AA5276D291}" type="slidenum">
               <a:rPr lang="fr-FR" smtClean="0"/>
+              <a:pPr/>
               <a:t>‹N°›</a:t>
             </a:fld>
             <a:endParaRPr lang="fr-FR"/>
@@ -5615,7 +5926,7 @@
     </p:spTree>
     <p:extLst>
       <p:ext uri="{BB962C8B-B14F-4D97-AF65-F5344CB8AC3E}">
-        <p14:creationId xmlns:p14="http://schemas.microsoft.com/office/powerpoint/2010/main" val="839060086"/>
+        <p14:creationId xmlns:p14="http://schemas.microsoft.com/office/powerpoint/2010/main" xmlns="" val="839060086"/>
       </p:ext>
     </p:extLst>
   </p:cSld>
@@ -5682,7 +5993,8 @@
           <a:p>
             <a:fld id="{0E910143-4D2C-4FF6-B0A6-06989F9BDBAC}" type="datetime1">
               <a:rPr lang="fr-FR" smtClean="0"/>
-              <a:t>20/06/2015</a:t>
+              <a:pPr/>
+              <a:t>23/07/2015</a:t>
             </a:fld>
             <a:endParaRPr lang="fr-FR"/>
           </a:p>
@@ -5724,6 +6036,7 @@
           <a:p>
             <a:fld id="{3120CB13-A045-4FF2-AF1A-D1AA5276D291}" type="slidenum">
               <a:rPr lang="fr-FR" smtClean="0"/>
+              <a:pPr/>
               <a:t>‹N°›</a:t>
             </a:fld>
             <a:endParaRPr lang="fr-FR"/>
@@ -5733,7 +6046,7 @@
     </p:spTree>
     <p:extLst>
       <p:ext uri="{BB962C8B-B14F-4D97-AF65-F5344CB8AC3E}">
-        <p14:creationId xmlns:p14="http://schemas.microsoft.com/office/powerpoint/2010/main" val="2000422401"/>
+        <p14:creationId xmlns:p14="http://schemas.microsoft.com/office/powerpoint/2010/main" xmlns="" val="2000422401"/>
       </p:ext>
     </p:extLst>
   </p:cSld>
@@ -5777,7 +6090,8 @@
           <a:p>
             <a:fld id="{1E0A4A73-C55A-4735-A06F-415E5CC28EBA}" type="datetime1">
               <a:rPr lang="fr-FR" smtClean="0"/>
-              <a:t>20/06/2015</a:t>
+              <a:pPr/>
+              <a:t>23/07/2015</a:t>
             </a:fld>
             <a:endParaRPr lang="fr-FR"/>
           </a:p>
@@ -5819,6 +6133,7 @@
           <a:p>
             <a:fld id="{3120CB13-A045-4FF2-AF1A-D1AA5276D291}" type="slidenum">
               <a:rPr lang="fr-FR" smtClean="0"/>
+              <a:pPr/>
               <a:t>‹N°›</a:t>
             </a:fld>
             <a:endParaRPr lang="fr-FR"/>
@@ -5828,7 +6143,7 @@
     </p:spTree>
     <p:extLst>
       <p:ext uri="{BB962C8B-B14F-4D97-AF65-F5344CB8AC3E}">
-        <p14:creationId xmlns:p14="http://schemas.microsoft.com/office/powerpoint/2010/main" val="1625092074"/>
+        <p14:creationId xmlns:p14="http://schemas.microsoft.com/office/powerpoint/2010/main" xmlns="" val="1625092074"/>
       </p:ext>
     </p:extLst>
   </p:cSld>
@@ -6054,7 +6369,8 @@
           <a:p>
             <a:fld id="{B73FC597-E398-43B4-BDF9-08A9085F6959}" type="datetime1">
               <a:rPr lang="fr-FR" smtClean="0"/>
-              <a:t>20/06/2015</a:t>
+              <a:pPr/>
+              <a:t>23/07/2015</a:t>
             </a:fld>
             <a:endParaRPr lang="fr-FR"/>
           </a:p>
@@ -6096,6 +6412,7 @@
           <a:p>
             <a:fld id="{3120CB13-A045-4FF2-AF1A-D1AA5276D291}" type="slidenum">
               <a:rPr lang="fr-FR" smtClean="0"/>
+              <a:pPr/>
               <a:t>‹N°›</a:t>
             </a:fld>
             <a:endParaRPr lang="fr-FR"/>
@@ -6105,7 +6422,7 @@
     </p:spTree>
     <p:extLst>
       <p:ext uri="{BB962C8B-B14F-4D97-AF65-F5344CB8AC3E}">
-        <p14:creationId xmlns:p14="http://schemas.microsoft.com/office/powerpoint/2010/main" val="1562112021"/>
+        <p14:creationId xmlns:p14="http://schemas.microsoft.com/office/powerpoint/2010/main" xmlns="" val="1562112021"/>
       </p:ext>
     </p:extLst>
   </p:cSld>
@@ -6307,7 +6624,8 @@
           <a:p>
             <a:fld id="{D6C9D74D-BD35-47D9-98F8-EE91FA02EBB2}" type="datetime1">
               <a:rPr lang="fr-FR" smtClean="0"/>
-              <a:t>20/06/2015</a:t>
+              <a:pPr/>
+              <a:t>23/07/2015</a:t>
             </a:fld>
             <a:endParaRPr lang="fr-FR"/>
           </a:p>
@@ -6349,6 +6667,7 @@
           <a:p>
             <a:fld id="{3120CB13-A045-4FF2-AF1A-D1AA5276D291}" type="slidenum">
               <a:rPr lang="fr-FR" smtClean="0"/>
+              <a:pPr/>
               <a:t>‹N°›</a:t>
             </a:fld>
             <a:endParaRPr lang="fr-FR"/>
@@ -6358,7 +6677,7 @@
     </p:spTree>
     <p:extLst>
       <p:ext uri="{BB962C8B-B14F-4D97-AF65-F5344CB8AC3E}">
-        <p14:creationId xmlns:p14="http://schemas.microsoft.com/office/powerpoint/2010/main" val="2251527463"/>
+        <p14:creationId xmlns:p14="http://schemas.microsoft.com/office/powerpoint/2010/main" xmlns="" val="2251527463"/>
       </p:ext>
     </p:extLst>
   </p:cSld>
@@ -6520,7 +6839,8 @@
           <a:p>
             <a:fld id="{C8E6BC2D-0CAC-4C60-B0A8-88D3FE659C6F}" type="datetime1">
               <a:rPr lang="fr-FR" smtClean="0"/>
-              <a:t>20/06/2015</a:t>
+              <a:pPr/>
+              <a:t>23/07/2015</a:t>
             </a:fld>
             <a:endParaRPr lang="fr-FR"/>
           </a:p>
@@ -6598,6 +6918,7 @@
           <a:p>
             <a:fld id="{3120CB13-A045-4FF2-AF1A-D1AA5276D291}" type="slidenum">
               <a:rPr lang="fr-FR" smtClean="0"/>
+              <a:pPr/>
               <a:t>‹N°›</a:t>
             </a:fld>
             <a:endParaRPr lang="fr-FR"/>
@@ -6607,7 +6928,7 @@
     </p:spTree>
     <p:extLst>
       <p:ext uri="{BB962C8B-B14F-4D97-AF65-F5344CB8AC3E}">
-        <p14:creationId xmlns:p14="http://schemas.microsoft.com/office/powerpoint/2010/main" val="689816528"/>
+        <p14:creationId xmlns:p14="http://schemas.microsoft.com/office/powerpoint/2010/main" xmlns="" val="689816528"/>
       </p:ext>
     </p:extLst>
   </p:cSld>
@@ -6979,7 +7300,7 @@
           <a:blip r:embed="rId3" cstate="email">
             <a:extLst>
               <a:ext uri="{28A0092B-C50C-407E-A947-70E740481C1C}">
-                <a14:useLocalDpi xmlns:a14="http://schemas.microsoft.com/office/drawing/2010/main" val="0"/>
+                <a14:useLocalDpi xmlns:a14="http://schemas.microsoft.com/office/drawing/2010/main" xmlns="" val="0"/>
               </a:ext>
             </a:extLst>
           </a:blip>
@@ -7000,14 +7321,14 @@
           </a:ln>
           <a:extLst>
             <a:ext uri="{909E8E84-426E-40DD-AFC4-6F175D3DCCD1}">
-              <a14:hiddenFill xmlns:a14="http://schemas.microsoft.com/office/drawing/2010/main">
+              <a14:hiddenFill xmlns:a14="http://schemas.microsoft.com/office/drawing/2010/main" xmlns="">
                 <a:solidFill>
                   <a:schemeClr val="accent1"/>
                 </a:solidFill>
               </a14:hiddenFill>
             </a:ext>
             <a:ext uri="{91240B29-F687-4F45-9708-019B960494DF}">
-              <a14:hiddenLine xmlns:a14="http://schemas.microsoft.com/office/drawing/2010/main" w="9525">
+              <a14:hiddenLine xmlns:a14="http://schemas.microsoft.com/office/drawing/2010/main" xmlns="" w="9525">
                 <a:solidFill>
                   <a:schemeClr val="tx1"/>
                 </a:solidFill>
@@ -7152,7 +7473,7 @@
     </p:spTree>
     <p:extLst>
       <p:ext uri="{BB962C8B-B14F-4D97-AF65-F5344CB8AC3E}">
-        <p14:creationId xmlns:p14="http://schemas.microsoft.com/office/powerpoint/2010/main" val="3506473687"/>
+        <p14:creationId xmlns:p14="http://schemas.microsoft.com/office/powerpoint/2010/main" xmlns="" val="3506473687"/>
       </p:ext>
     </p:extLst>
   </p:cSld>
@@ -7195,10 +7516,10 @@
           <p:nvPr/>
         </p:nvPicPr>
         <p:blipFill>
-          <a:blip r:embed="rId3">
+          <a:blip r:embed="rId3" cstate="screen">
             <a:extLst>
               <a:ext uri="{28A0092B-C50C-407E-A947-70E740481C1C}">
-                <a14:useLocalDpi xmlns:a14="http://schemas.microsoft.com/office/drawing/2010/main" val="0"/>
+                <a14:useLocalDpi xmlns:a14="http://schemas.microsoft.com/office/drawing/2010/main" xmlns="" val="0"/>
               </a:ext>
             </a:extLst>
           </a:blip>
@@ -7222,14 +7543,14 @@
           <a:effectLst/>
           <a:extLst>
             <a:ext uri="{909E8E84-426E-40DD-AFC4-6F175D3DCCD1}">
-              <a14:hiddenFill xmlns:a14="http://schemas.microsoft.com/office/drawing/2010/main">
+              <a14:hiddenFill xmlns:a14="http://schemas.microsoft.com/office/drawing/2010/main" xmlns="">
                 <a:solidFill>
                   <a:schemeClr val="accent1"/>
                 </a:solidFill>
               </a14:hiddenFill>
             </a:ext>
             <a:ext uri="{91240B29-F687-4F45-9708-019B960494DF}">
-              <a14:hiddenLine xmlns:a14="http://schemas.microsoft.com/office/drawing/2010/main" w="9525">
+              <a14:hiddenLine xmlns:a14="http://schemas.microsoft.com/office/drawing/2010/main" xmlns="" w="9525">
                 <a:solidFill>
                   <a:schemeClr val="tx1"/>
                 </a:solidFill>
@@ -7239,7 +7560,7 @@
               </a14:hiddenLine>
             </a:ext>
             <a:ext uri="{AF507438-7753-43E0-B8FC-AC1667EBCBE1}">
-              <a14:hiddenEffects xmlns:a14="http://schemas.microsoft.com/office/drawing/2010/main">
+              <a14:hiddenEffects xmlns:a14="http://schemas.microsoft.com/office/drawing/2010/main" xmlns="">
                 <a:effectLst>
                   <a:outerShdw dist="35921" dir="2700000" algn="ctr" rotWithShape="0">
                     <a:schemeClr val="bg2"/>
@@ -7872,7 +8193,7 @@
     </p:spTree>
     <p:extLst>
       <p:ext uri="{BB962C8B-B14F-4D97-AF65-F5344CB8AC3E}">
-        <p14:creationId xmlns:p14="http://schemas.microsoft.com/office/powerpoint/2010/main" val="2257530450"/>
+        <p14:creationId xmlns:p14="http://schemas.microsoft.com/office/powerpoint/2010/main" xmlns="" val="2257530450"/>
       </p:ext>
     </p:extLst>
   </p:cSld>
@@ -8331,10 +8652,10 @@
           <p:nvPr/>
         </p:nvPicPr>
         <p:blipFill>
-          <a:blip r:embed="rId3">
+          <a:blip r:embed="rId3" cstate="screen">
             <a:extLst>
               <a:ext uri="{28A0092B-C50C-407E-A947-70E740481C1C}">
-                <a14:useLocalDpi xmlns:a14="http://schemas.microsoft.com/office/drawing/2010/main" val="0"/>
+                <a14:useLocalDpi xmlns:a14="http://schemas.microsoft.com/office/drawing/2010/main" xmlns="" val="0"/>
               </a:ext>
             </a:extLst>
           </a:blip>
@@ -8358,14 +8679,14 @@
           <a:effectLst/>
           <a:extLst>
             <a:ext uri="{909E8E84-426E-40DD-AFC4-6F175D3DCCD1}">
-              <a14:hiddenFill xmlns:a14="http://schemas.microsoft.com/office/drawing/2010/main">
+              <a14:hiddenFill xmlns:a14="http://schemas.microsoft.com/office/drawing/2010/main" xmlns="">
                 <a:solidFill>
                   <a:schemeClr val="accent1"/>
                 </a:solidFill>
               </a14:hiddenFill>
             </a:ext>
             <a:ext uri="{91240B29-F687-4F45-9708-019B960494DF}">
-              <a14:hiddenLine xmlns:a14="http://schemas.microsoft.com/office/drawing/2010/main" w="9525">
+              <a14:hiddenLine xmlns:a14="http://schemas.microsoft.com/office/drawing/2010/main" xmlns="" w="9525">
                 <a:solidFill>
                   <a:schemeClr val="tx1"/>
                 </a:solidFill>
@@ -8375,7 +8696,7 @@
               </a14:hiddenLine>
             </a:ext>
             <a:ext uri="{AF507438-7753-43E0-B8FC-AC1667EBCBE1}">
-              <a14:hiddenEffects xmlns:a14="http://schemas.microsoft.com/office/drawing/2010/main">
+              <a14:hiddenEffects xmlns:a14="http://schemas.microsoft.com/office/drawing/2010/main" xmlns="">
                 <a:effectLst>
                   <a:outerShdw dist="35921" dir="2700000" algn="ctr" rotWithShape="0">
                     <a:schemeClr val="bg2"/>
@@ -8395,14 +8716,14 @@
           <p:nvPr/>
         </p:nvPicPr>
         <p:blipFill rotWithShape="1">
-          <a:blip r:embed="rId4">
+          <a:blip r:embed="rId4" cstate="screen">
             <a:extLst>
               <a:ext uri="{28A0092B-C50C-407E-A947-70E740481C1C}">
-                <a14:useLocalDpi xmlns:a14="http://schemas.microsoft.com/office/drawing/2010/main" val="0"/>
+                <a14:useLocalDpi xmlns:a14="http://schemas.microsoft.com/office/drawing/2010/main" xmlns="" val="0"/>
               </a:ext>
             </a:extLst>
           </a:blip>
-          <a:srcRect b="36957"/>
+          <a:srcRect/>
           <a:stretch/>
         </p:blipFill>
         <p:spPr bwMode="auto">
@@ -8420,14 +8741,14 @@
           <a:effectLst/>
           <a:extLst>
             <a:ext uri="{909E8E84-426E-40DD-AFC4-6F175D3DCCD1}">
-              <a14:hiddenFill xmlns:a14="http://schemas.microsoft.com/office/drawing/2010/main">
+              <a14:hiddenFill xmlns:a14="http://schemas.microsoft.com/office/drawing/2010/main" xmlns="">
                 <a:solidFill>
                   <a:schemeClr val="accent1"/>
                 </a:solidFill>
               </a14:hiddenFill>
             </a:ext>
             <a:ext uri="{91240B29-F687-4F45-9708-019B960494DF}">
-              <a14:hiddenLine xmlns:a14="http://schemas.microsoft.com/office/drawing/2010/main" w="9525">
+              <a14:hiddenLine xmlns:a14="http://schemas.microsoft.com/office/drawing/2010/main" xmlns="" w="9525">
                 <a:solidFill>
                   <a:schemeClr val="tx1"/>
                 </a:solidFill>
@@ -8437,7 +8758,7 @@
               </a14:hiddenLine>
             </a:ext>
             <a:ext uri="{AF507438-7753-43E0-B8FC-AC1667EBCBE1}">
-              <a14:hiddenEffects xmlns:a14="http://schemas.microsoft.com/office/drawing/2010/main">
+              <a14:hiddenEffects xmlns:a14="http://schemas.microsoft.com/office/drawing/2010/main" xmlns="">
                 <a:effectLst>
                   <a:outerShdw dist="35921" dir="2700000" algn="ctr" rotWithShape="0">
                     <a:schemeClr val="bg2"/>
@@ -8496,7 +8817,7 @@
     </p:spTree>
     <p:extLst>
       <p:ext uri="{BB962C8B-B14F-4D97-AF65-F5344CB8AC3E}">
-        <p14:creationId xmlns:p14="http://schemas.microsoft.com/office/powerpoint/2010/main" val="3173827871"/>
+        <p14:creationId xmlns:p14="http://schemas.microsoft.com/office/powerpoint/2010/main" xmlns="" val="3173827871"/>
       </p:ext>
     </p:extLst>
   </p:cSld>
@@ -8737,10 +9058,10 @@
           <p:nvPr/>
         </p:nvPicPr>
         <p:blipFill>
-          <a:blip r:embed="rId3">
+          <a:blip r:embed="rId3" cstate="screen">
             <a:extLst>
               <a:ext uri="{28A0092B-C50C-407E-A947-70E740481C1C}">
-                <a14:useLocalDpi xmlns:a14="http://schemas.microsoft.com/office/drawing/2010/main" val="0"/>
+                <a14:useLocalDpi xmlns:a14="http://schemas.microsoft.com/office/drawing/2010/main" xmlns="" val="0"/>
               </a:ext>
             </a:extLst>
           </a:blip>
@@ -8764,14 +9085,14 @@
           <a:effectLst/>
           <a:extLst>
             <a:ext uri="{909E8E84-426E-40DD-AFC4-6F175D3DCCD1}">
-              <a14:hiddenFill xmlns:a14="http://schemas.microsoft.com/office/drawing/2010/main">
+              <a14:hiddenFill xmlns:a14="http://schemas.microsoft.com/office/drawing/2010/main" xmlns="">
                 <a:solidFill>
                   <a:schemeClr val="accent1"/>
                 </a:solidFill>
               </a14:hiddenFill>
             </a:ext>
             <a:ext uri="{91240B29-F687-4F45-9708-019B960494DF}">
-              <a14:hiddenLine xmlns:a14="http://schemas.microsoft.com/office/drawing/2010/main" w="9525">
+              <a14:hiddenLine xmlns:a14="http://schemas.microsoft.com/office/drawing/2010/main" xmlns="" w="9525">
                 <a:solidFill>
                   <a:schemeClr val="tx1"/>
                 </a:solidFill>
@@ -8781,7 +9102,7 @@
               </a14:hiddenLine>
             </a:ext>
             <a:ext uri="{AF507438-7753-43E0-B8FC-AC1667EBCBE1}">
-              <a14:hiddenEffects xmlns:a14="http://schemas.microsoft.com/office/drawing/2010/main">
+              <a14:hiddenEffects xmlns:a14="http://schemas.microsoft.com/office/drawing/2010/main" xmlns="">
                 <a:effectLst>
                   <a:outerShdw dist="35921" dir="2700000" algn="ctr" rotWithShape="0">
                     <a:schemeClr val="bg2"/>
@@ -9051,10 +9372,10 @@
           <p:nvPr/>
         </p:nvPicPr>
         <p:blipFill>
-          <a:blip r:embed="rId5">
+          <a:blip r:embed="rId5" cstate="screen">
             <a:extLst>
               <a:ext uri="{28A0092B-C50C-407E-A947-70E740481C1C}">
-                <a14:useLocalDpi xmlns:a14="http://schemas.microsoft.com/office/drawing/2010/main" val="0"/>
+                <a14:useLocalDpi xmlns:a14="http://schemas.microsoft.com/office/drawing/2010/main" xmlns="" val="0"/>
               </a:ext>
             </a:extLst>
           </a:blip>
@@ -9078,14 +9399,14 @@
           <a:effectLst/>
           <a:extLst>
             <a:ext uri="{909E8E84-426E-40DD-AFC4-6F175D3DCCD1}">
-              <a14:hiddenFill xmlns:a14="http://schemas.microsoft.com/office/drawing/2010/main">
+              <a14:hiddenFill xmlns:a14="http://schemas.microsoft.com/office/drawing/2010/main" xmlns="">
                 <a:solidFill>
                   <a:schemeClr val="accent1"/>
                 </a:solidFill>
               </a14:hiddenFill>
             </a:ext>
             <a:ext uri="{91240B29-F687-4F45-9708-019B960494DF}">
-              <a14:hiddenLine xmlns:a14="http://schemas.microsoft.com/office/drawing/2010/main" w="9525">
+              <a14:hiddenLine xmlns:a14="http://schemas.microsoft.com/office/drawing/2010/main" xmlns="" w="9525">
                 <a:solidFill>
                   <a:schemeClr val="tx1"/>
                 </a:solidFill>
@@ -9095,7 +9416,7 @@
               </a14:hiddenLine>
             </a:ext>
             <a:ext uri="{AF507438-7753-43E0-B8FC-AC1667EBCBE1}">
-              <a14:hiddenEffects xmlns:a14="http://schemas.microsoft.com/office/drawing/2010/main">
+              <a14:hiddenEffects xmlns:a14="http://schemas.microsoft.com/office/drawing/2010/main" xmlns="">
                 <a:effectLst>
                   <a:outerShdw dist="35921" dir="2700000" algn="ctr" rotWithShape="0">
                     <a:schemeClr val="bg2"/>
@@ -9115,10 +9436,10 @@
           <p:nvPr/>
         </p:nvPicPr>
         <p:blipFill>
-          <a:blip r:embed="rId6">
+          <a:blip r:embed="rId6" cstate="screen">
             <a:extLst>
               <a:ext uri="{28A0092B-C50C-407E-A947-70E740481C1C}">
-                <a14:useLocalDpi xmlns:a14="http://schemas.microsoft.com/office/drawing/2010/main" val="0"/>
+                <a14:useLocalDpi xmlns:a14="http://schemas.microsoft.com/office/drawing/2010/main" xmlns="" val="0"/>
               </a:ext>
             </a:extLst>
           </a:blip>
@@ -9142,14 +9463,14 @@
           <a:effectLst/>
           <a:extLst>
             <a:ext uri="{909E8E84-426E-40DD-AFC4-6F175D3DCCD1}">
-              <a14:hiddenFill xmlns:a14="http://schemas.microsoft.com/office/drawing/2010/main">
+              <a14:hiddenFill xmlns:a14="http://schemas.microsoft.com/office/drawing/2010/main" xmlns="">
                 <a:solidFill>
                   <a:schemeClr val="accent1"/>
                 </a:solidFill>
               </a14:hiddenFill>
             </a:ext>
             <a:ext uri="{91240B29-F687-4F45-9708-019B960494DF}">
-              <a14:hiddenLine xmlns:a14="http://schemas.microsoft.com/office/drawing/2010/main" w="9525">
+              <a14:hiddenLine xmlns:a14="http://schemas.microsoft.com/office/drawing/2010/main" xmlns="" w="9525">
                 <a:solidFill>
                   <a:schemeClr val="tx1"/>
                 </a:solidFill>
@@ -9159,7 +9480,7 @@
               </a14:hiddenLine>
             </a:ext>
             <a:ext uri="{AF507438-7753-43E0-B8FC-AC1667EBCBE1}">
-              <a14:hiddenEffects xmlns:a14="http://schemas.microsoft.com/office/drawing/2010/main">
+              <a14:hiddenEffects xmlns:a14="http://schemas.microsoft.com/office/drawing/2010/main" xmlns="">
                 <a:effectLst>
                   <a:outerShdw dist="35921" dir="2700000" algn="ctr" rotWithShape="0">
                     <a:schemeClr val="bg2"/>
@@ -9219,7 +9540,7 @@
     </p:spTree>
     <p:extLst>
       <p:ext uri="{BB962C8B-B14F-4D97-AF65-F5344CB8AC3E}">
-        <p14:creationId xmlns:p14="http://schemas.microsoft.com/office/powerpoint/2010/main" val="2963532413"/>
+        <p14:creationId xmlns:p14="http://schemas.microsoft.com/office/powerpoint/2010/main" xmlns="" val="2963532413"/>
       </p:ext>
     </p:extLst>
   </p:cSld>
@@ -9497,10 +9818,10 @@
           <p:nvPr/>
         </p:nvPicPr>
         <p:blipFill>
-          <a:blip r:embed="rId3">
+          <a:blip r:embed="rId3" cstate="screen">
             <a:extLst>
               <a:ext uri="{28A0092B-C50C-407E-A947-70E740481C1C}">
-                <a14:useLocalDpi xmlns:a14="http://schemas.microsoft.com/office/drawing/2010/main" val="0"/>
+                <a14:useLocalDpi xmlns:a14="http://schemas.microsoft.com/office/drawing/2010/main" xmlns="" val="0"/>
               </a:ext>
             </a:extLst>
           </a:blip>
@@ -9524,14 +9845,14 @@
           <a:effectLst/>
           <a:extLst>
             <a:ext uri="{909E8E84-426E-40DD-AFC4-6F175D3DCCD1}">
-              <a14:hiddenFill xmlns:a14="http://schemas.microsoft.com/office/drawing/2010/main">
+              <a14:hiddenFill xmlns:a14="http://schemas.microsoft.com/office/drawing/2010/main" xmlns="">
                 <a:solidFill>
                   <a:schemeClr val="accent1"/>
                 </a:solidFill>
               </a14:hiddenFill>
             </a:ext>
             <a:ext uri="{91240B29-F687-4F45-9708-019B960494DF}">
-              <a14:hiddenLine xmlns:a14="http://schemas.microsoft.com/office/drawing/2010/main" w="9525">
+              <a14:hiddenLine xmlns:a14="http://schemas.microsoft.com/office/drawing/2010/main" xmlns="" w="9525">
                 <a:solidFill>
                   <a:schemeClr val="tx1"/>
                 </a:solidFill>
@@ -9541,7 +9862,7 @@
               </a14:hiddenLine>
             </a:ext>
             <a:ext uri="{AF507438-7753-43E0-B8FC-AC1667EBCBE1}">
-              <a14:hiddenEffects xmlns:a14="http://schemas.microsoft.com/office/drawing/2010/main">
+              <a14:hiddenEffects xmlns:a14="http://schemas.microsoft.com/office/drawing/2010/main" xmlns="">
                 <a:effectLst>
                   <a:outerShdw dist="35921" dir="2700000" algn="ctr" rotWithShape="0">
                     <a:schemeClr val="bg2"/>
@@ -9859,7 +10180,7 @@
     </p:spTree>
     <p:extLst>
       <p:ext uri="{BB962C8B-B14F-4D97-AF65-F5344CB8AC3E}">
-        <p14:creationId xmlns:p14="http://schemas.microsoft.com/office/powerpoint/2010/main" val="3629923001"/>
+        <p14:creationId xmlns:p14="http://schemas.microsoft.com/office/powerpoint/2010/main" xmlns="" val="3629923001"/>
       </p:ext>
     </p:extLst>
   </p:cSld>
@@ -10035,7 +10356,7 @@
     </p:spTree>
     <p:extLst>
       <p:ext uri="{BB962C8B-B14F-4D97-AF65-F5344CB8AC3E}">
-        <p14:creationId xmlns:p14="http://schemas.microsoft.com/office/powerpoint/2010/main" val="1312942210"/>
+        <p14:creationId xmlns:p14="http://schemas.microsoft.com/office/powerpoint/2010/main" xmlns="" val="1312942210"/>
       </p:ext>
     </p:extLst>
   </p:cSld>
@@ -10638,7 +10959,7 @@
     </p:spTree>
     <p:extLst>
       <p:ext uri="{BB962C8B-B14F-4D97-AF65-F5344CB8AC3E}">
-        <p14:creationId xmlns:p14="http://schemas.microsoft.com/office/powerpoint/2010/main" val="1591592910"/>
+        <p14:creationId xmlns:p14="http://schemas.microsoft.com/office/powerpoint/2010/main" xmlns="" val="1591592910"/>
       </p:ext>
     </p:extLst>
   </p:cSld>
@@ -11054,7 +11375,7 @@
     </p:spTree>
     <p:extLst>
       <p:ext uri="{BB962C8B-B14F-4D97-AF65-F5344CB8AC3E}">
-        <p14:creationId xmlns:p14="http://schemas.microsoft.com/office/powerpoint/2010/main" val="1102800070"/>
+        <p14:creationId xmlns:p14="http://schemas.microsoft.com/office/powerpoint/2010/main" xmlns="" val="1102800070"/>
       </p:ext>
     </p:extLst>
   </p:cSld>
@@ -11372,10 +11693,10 @@
           <p:nvPr/>
         </p:nvPicPr>
         <p:blipFill>
-          <a:blip r:embed="rId6">
+          <a:blip r:embed="rId6" cstate="screen">
             <a:extLst>
               <a:ext uri="{28A0092B-C50C-407E-A947-70E740481C1C}">
-                <a14:useLocalDpi xmlns:a14="http://schemas.microsoft.com/office/drawing/2010/main" val="0"/>
+                <a14:useLocalDpi xmlns:a14="http://schemas.microsoft.com/office/drawing/2010/main" xmlns="" val="0"/>
               </a:ext>
             </a:extLst>
           </a:blip>
@@ -11398,14 +11719,14 @@
           </a:ln>
           <a:extLst>
             <a:ext uri="{909E8E84-426E-40DD-AFC4-6F175D3DCCD1}">
-              <a14:hiddenFill xmlns:a14="http://schemas.microsoft.com/office/drawing/2010/main">
+              <a14:hiddenFill xmlns:a14="http://schemas.microsoft.com/office/drawing/2010/main" xmlns="">
                 <a:solidFill>
                   <a:schemeClr val="accent1"/>
                 </a:solidFill>
               </a14:hiddenFill>
             </a:ext>
             <a:ext uri="{91240B29-F687-4F45-9708-019B960494DF}">
-              <a14:hiddenLine xmlns:a14="http://schemas.microsoft.com/office/drawing/2010/main" w="9525">
+              <a14:hiddenLine xmlns:a14="http://schemas.microsoft.com/office/drawing/2010/main" xmlns="" w="9525">
                 <a:solidFill>
                   <a:schemeClr val="tx1"/>
                 </a:solidFill>
@@ -11508,7 +11829,7 @@
     </p:spTree>
     <p:extLst>
       <p:ext uri="{BB962C8B-B14F-4D97-AF65-F5344CB8AC3E}">
-        <p14:creationId xmlns:p14="http://schemas.microsoft.com/office/powerpoint/2010/main" val="4167430854"/>
+        <p14:creationId xmlns:p14="http://schemas.microsoft.com/office/powerpoint/2010/main" xmlns="" val="4167430854"/>
       </p:ext>
     </p:extLst>
   </p:cSld>
@@ -11705,10 +12026,10 @@
           <p:nvPr/>
         </p:nvPicPr>
         <p:blipFill>
-          <a:blip r:embed="rId3">
+          <a:blip r:embed="rId3" cstate="screen">
             <a:extLst>
               <a:ext uri="{28A0092B-C50C-407E-A947-70E740481C1C}">
-                <a14:useLocalDpi xmlns:a14="http://schemas.microsoft.com/office/drawing/2010/main" val="0"/>
+                <a14:useLocalDpi xmlns:a14="http://schemas.microsoft.com/office/drawing/2010/main" xmlns="" val="0"/>
               </a:ext>
             </a:extLst>
           </a:blip>
@@ -11731,14 +12052,14 @@
           </a:ln>
           <a:extLst>
             <a:ext uri="{909E8E84-426E-40DD-AFC4-6F175D3DCCD1}">
-              <a14:hiddenFill xmlns:a14="http://schemas.microsoft.com/office/drawing/2010/main">
+              <a14:hiddenFill xmlns:a14="http://schemas.microsoft.com/office/drawing/2010/main" xmlns="">
                 <a:solidFill>
                   <a:schemeClr val="accent1"/>
                 </a:solidFill>
               </a14:hiddenFill>
             </a:ext>
             <a:ext uri="{91240B29-F687-4F45-9708-019B960494DF}">
-              <a14:hiddenLine xmlns:a14="http://schemas.microsoft.com/office/drawing/2010/main" w="9525">
+              <a14:hiddenLine xmlns:a14="http://schemas.microsoft.com/office/drawing/2010/main" xmlns="" w="9525">
                 <a:solidFill>
                   <a:schemeClr val="tx1"/>
                 </a:solidFill>
@@ -11787,10 +12108,10 @@
           <p:nvPr/>
         </p:nvPicPr>
         <p:blipFill>
-          <a:blip r:embed="rId4">
+          <a:blip r:embed="rId4" cstate="screen">
             <a:extLst>
               <a:ext uri="{28A0092B-C50C-407E-A947-70E740481C1C}">
-                <a14:useLocalDpi xmlns:a14="http://schemas.microsoft.com/office/drawing/2010/main" val="0"/>
+                <a14:useLocalDpi xmlns:a14="http://schemas.microsoft.com/office/drawing/2010/main" xmlns="" val="0"/>
               </a:ext>
             </a:extLst>
           </a:blip>
@@ -11813,14 +12134,14 @@
           </a:ln>
           <a:extLst>
             <a:ext uri="{909E8E84-426E-40DD-AFC4-6F175D3DCCD1}">
-              <a14:hiddenFill xmlns:a14="http://schemas.microsoft.com/office/drawing/2010/main">
+              <a14:hiddenFill xmlns:a14="http://schemas.microsoft.com/office/drawing/2010/main" xmlns="">
                 <a:solidFill>
                   <a:schemeClr val="accent1"/>
                 </a:solidFill>
               </a14:hiddenFill>
             </a:ext>
             <a:ext uri="{91240B29-F687-4F45-9708-019B960494DF}">
-              <a14:hiddenLine xmlns:a14="http://schemas.microsoft.com/office/drawing/2010/main" w="9525">
+              <a14:hiddenLine xmlns:a14="http://schemas.microsoft.com/office/drawing/2010/main" xmlns="" w="9525">
                 <a:solidFill>
                   <a:schemeClr val="tx1"/>
                 </a:solidFill>
@@ -12031,7 +12352,7 @@
     </p:spTree>
     <p:extLst>
       <p:ext uri="{BB962C8B-B14F-4D97-AF65-F5344CB8AC3E}">
-        <p14:creationId xmlns:p14="http://schemas.microsoft.com/office/powerpoint/2010/main" val="248018395"/>
+        <p14:creationId xmlns:p14="http://schemas.microsoft.com/office/powerpoint/2010/main" xmlns="" val="248018395"/>
       </p:ext>
     </p:extLst>
   </p:cSld>
@@ -12350,10 +12671,10 @@
           <p:nvPr/>
         </p:nvPicPr>
         <p:blipFill>
-          <a:blip r:embed="rId3">
+          <a:blip r:embed="rId3" cstate="screen">
             <a:extLst>
               <a:ext uri="{28A0092B-C50C-407E-A947-70E740481C1C}">
-                <a14:useLocalDpi xmlns:a14="http://schemas.microsoft.com/office/drawing/2010/main" val="0"/>
+                <a14:useLocalDpi xmlns:a14="http://schemas.microsoft.com/office/drawing/2010/main" xmlns="" val="0"/>
               </a:ext>
             </a:extLst>
           </a:blip>
@@ -12377,14 +12698,14 @@
           <a:effectLst/>
           <a:extLst>
             <a:ext uri="{909E8E84-426E-40DD-AFC4-6F175D3DCCD1}">
-              <a14:hiddenFill xmlns:a14="http://schemas.microsoft.com/office/drawing/2010/main">
+              <a14:hiddenFill xmlns:a14="http://schemas.microsoft.com/office/drawing/2010/main" xmlns="">
                 <a:solidFill>
                   <a:schemeClr val="accent1"/>
                 </a:solidFill>
               </a14:hiddenFill>
             </a:ext>
             <a:ext uri="{91240B29-F687-4F45-9708-019B960494DF}">
-              <a14:hiddenLine xmlns:a14="http://schemas.microsoft.com/office/drawing/2010/main" w="9525">
+              <a14:hiddenLine xmlns:a14="http://schemas.microsoft.com/office/drawing/2010/main" xmlns="" w="9525">
                 <a:solidFill>
                   <a:schemeClr val="tx1"/>
                 </a:solidFill>
@@ -12394,7 +12715,7 @@
               </a14:hiddenLine>
             </a:ext>
             <a:ext uri="{AF507438-7753-43E0-B8FC-AC1667EBCBE1}">
-              <a14:hiddenEffects xmlns:a14="http://schemas.microsoft.com/office/drawing/2010/main">
+              <a14:hiddenEffects xmlns:a14="http://schemas.microsoft.com/office/drawing/2010/main" xmlns="">
                 <a:effectLst>
                   <a:outerShdw dist="35921" dir="2700000" algn="ctr" rotWithShape="0">
                     <a:schemeClr val="bg2"/>
@@ -12536,7 +12857,7 @@
     </p:spTree>
     <p:extLst>
       <p:ext uri="{BB962C8B-B14F-4D97-AF65-F5344CB8AC3E}">
-        <p14:creationId xmlns:p14="http://schemas.microsoft.com/office/powerpoint/2010/main" val="3765132369"/>
+        <p14:creationId xmlns:p14="http://schemas.microsoft.com/office/powerpoint/2010/main" xmlns="" val="3765132369"/>
       </p:ext>
     </p:extLst>
   </p:cSld>
@@ -12617,7 +12938,7 @@
     </p:spTree>
     <p:extLst>
       <p:ext uri="{BB962C8B-B14F-4D97-AF65-F5344CB8AC3E}">
-        <p14:creationId xmlns:p14="http://schemas.microsoft.com/office/powerpoint/2010/main" val="3949703253"/>
+        <p14:creationId xmlns:p14="http://schemas.microsoft.com/office/powerpoint/2010/main" xmlns="" val="3949703253"/>
       </p:ext>
     </p:extLst>
   </p:cSld>
@@ -12886,10 +13207,10 @@
           <p:nvPr/>
         </p:nvPicPr>
         <p:blipFill>
-          <a:blip r:embed="rId3">
+          <a:blip r:embed="rId3" cstate="screen">
             <a:extLst>
               <a:ext uri="{28A0092B-C50C-407E-A947-70E740481C1C}">
-                <a14:useLocalDpi xmlns:a14="http://schemas.microsoft.com/office/drawing/2010/main" val="0"/>
+                <a14:useLocalDpi xmlns:a14="http://schemas.microsoft.com/office/drawing/2010/main" xmlns="" val="0"/>
               </a:ext>
             </a:extLst>
           </a:blip>
@@ -12913,14 +13234,14 @@
           <a:effectLst/>
           <a:extLst>
             <a:ext uri="{909E8E84-426E-40DD-AFC4-6F175D3DCCD1}">
-              <a14:hiddenFill xmlns:a14="http://schemas.microsoft.com/office/drawing/2010/main">
+              <a14:hiddenFill xmlns:a14="http://schemas.microsoft.com/office/drawing/2010/main" xmlns="">
                 <a:solidFill>
                   <a:schemeClr val="accent1"/>
                 </a:solidFill>
               </a14:hiddenFill>
             </a:ext>
             <a:ext uri="{91240B29-F687-4F45-9708-019B960494DF}">
-              <a14:hiddenLine xmlns:a14="http://schemas.microsoft.com/office/drawing/2010/main" w="9525">
+              <a14:hiddenLine xmlns:a14="http://schemas.microsoft.com/office/drawing/2010/main" xmlns="" w="9525">
                 <a:solidFill>
                   <a:schemeClr val="tx1"/>
                 </a:solidFill>
@@ -12930,7 +13251,7 @@
               </a14:hiddenLine>
             </a:ext>
             <a:ext uri="{AF507438-7753-43E0-B8FC-AC1667EBCBE1}">
-              <a14:hiddenEffects xmlns:a14="http://schemas.microsoft.com/office/drawing/2010/main">
+              <a14:hiddenEffects xmlns:a14="http://schemas.microsoft.com/office/drawing/2010/main" xmlns="">
                 <a:effectLst>
                   <a:outerShdw dist="35921" dir="2700000" algn="ctr" rotWithShape="0">
                     <a:schemeClr val="bg2"/>
@@ -12978,10 +13299,10 @@
           <p:nvPr/>
         </p:nvPicPr>
         <p:blipFill>
-          <a:blip r:embed="rId4">
+          <a:blip r:embed="rId4" cstate="screen">
             <a:extLst>
               <a:ext uri="{28A0092B-C50C-407E-A947-70E740481C1C}">
-                <a14:useLocalDpi xmlns:a14="http://schemas.microsoft.com/office/drawing/2010/main" val="0"/>
+                <a14:useLocalDpi xmlns:a14="http://schemas.microsoft.com/office/drawing/2010/main" xmlns="" val="0"/>
               </a:ext>
             </a:extLst>
           </a:blip>
@@ -13005,14 +13326,14 @@
           <a:effectLst/>
           <a:extLst>
             <a:ext uri="{909E8E84-426E-40DD-AFC4-6F175D3DCCD1}">
-              <a14:hiddenFill xmlns:a14="http://schemas.microsoft.com/office/drawing/2010/main">
+              <a14:hiddenFill xmlns:a14="http://schemas.microsoft.com/office/drawing/2010/main" xmlns="">
                 <a:solidFill>
                   <a:schemeClr val="accent1"/>
                 </a:solidFill>
               </a14:hiddenFill>
             </a:ext>
             <a:ext uri="{91240B29-F687-4F45-9708-019B960494DF}">
-              <a14:hiddenLine xmlns:a14="http://schemas.microsoft.com/office/drawing/2010/main" w="9525">
+              <a14:hiddenLine xmlns:a14="http://schemas.microsoft.com/office/drawing/2010/main" xmlns="" w="9525">
                 <a:solidFill>
                   <a:schemeClr val="tx1"/>
                 </a:solidFill>
@@ -13022,7 +13343,7 @@
               </a14:hiddenLine>
             </a:ext>
             <a:ext uri="{AF507438-7753-43E0-B8FC-AC1667EBCBE1}">
-              <a14:hiddenEffects xmlns:a14="http://schemas.microsoft.com/office/drawing/2010/main">
+              <a14:hiddenEffects xmlns:a14="http://schemas.microsoft.com/office/drawing/2010/main" xmlns="">
                 <a:effectLst>
                   <a:outerShdw dist="35921" dir="2700000" algn="ctr" rotWithShape="0">
                     <a:schemeClr val="bg2"/>
@@ -13042,10 +13363,10 @@
           <p:nvPr/>
         </p:nvPicPr>
         <p:blipFill>
-          <a:blip r:embed="rId5">
+          <a:blip r:embed="rId5" cstate="screen">
             <a:extLst>
               <a:ext uri="{28A0092B-C50C-407E-A947-70E740481C1C}">
-                <a14:useLocalDpi xmlns:a14="http://schemas.microsoft.com/office/drawing/2010/main" val="0"/>
+                <a14:useLocalDpi xmlns:a14="http://schemas.microsoft.com/office/drawing/2010/main" xmlns="" val="0"/>
               </a:ext>
             </a:extLst>
           </a:blip>
@@ -13069,14 +13390,14 @@
           <a:effectLst/>
           <a:extLst>
             <a:ext uri="{909E8E84-426E-40DD-AFC4-6F175D3DCCD1}">
-              <a14:hiddenFill xmlns:a14="http://schemas.microsoft.com/office/drawing/2010/main">
+              <a14:hiddenFill xmlns:a14="http://schemas.microsoft.com/office/drawing/2010/main" xmlns="">
                 <a:solidFill>
                   <a:schemeClr val="accent1"/>
                 </a:solidFill>
               </a14:hiddenFill>
             </a:ext>
             <a:ext uri="{91240B29-F687-4F45-9708-019B960494DF}">
-              <a14:hiddenLine xmlns:a14="http://schemas.microsoft.com/office/drawing/2010/main" w="9525">
+              <a14:hiddenLine xmlns:a14="http://schemas.microsoft.com/office/drawing/2010/main" xmlns="" w="9525">
                 <a:solidFill>
                   <a:schemeClr val="tx1"/>
                 </a:solidFill>
@@ -13086,7 +13407,7 @@
               </a14:hiddenLine>
             </a:ext>
             <a:ext uri="{AF507438-7753-43E0-B8FC-AC1667EBCBE1}">
-              <a14:hiddenEffects xmlns:a14="http://schemas.microsoft.com/office/drawing/2010/main">
+              <a14:hiddenEffects xmlns:a14="http://schemas.microsoft.com/office/drawing/2010/main" xmlns="">
                 <a:effectLst>
                   <a:outerShdw dist="35921" dir="2700000" algn="ctr" rotWithShape="0">
                     <a:schemeClr val="bg2"/>
@@ -13128,7 +13449,7 @@
     </p:spTree>
     <p:extLst>
       <p:ext uri="{BB962C8B-B14F-4D97-AF65-F5344CB8AC3E}">
-        <p14:creationId xmlns:p14="http://schemas.microsoft.com/office/powerpoint/2010/main" val="3601389167"/>
+        <p14:creationId xmlns:p14="http://schemas.microsoft.com/office/powerpoint/2010/main" xmlns="" val="3601389167"/>
       </p:ext>
     </p:extLst>
   </p:cSld>
@@ -13397,10 +13718,10 @@
           <p:nvPr/>
         </p:nvPicPr>
         <p:blipFill>
-          <a:blip r:embed="rId3">
+          <a:blip r:embed="rId3" cstate="screen">
             <a:extLst>
               <a:ext uri="{28A0092B-C50C-407E-A947-70E740481C1C}">
-                <a14:useLocalDpi xmlns:a14="http://schemas.microsoft.com/office/drawing/2010/main" val="0"/>
+                <a14:useLocalDpi xmlns:a14="http://schemas.microsoft.com/office/drawing/2010/main" xmlns="" val="0"/>
               </a:ext>
             </a:extLst>
           </a:blip>
@@ -13424,14 +13745,14 @@
           <a:effectLst/>
           <a:extLst>
             <a:ext uri="{909E8E84-426E-40DD-AFC4-6F175D3DCCD1}">
-              <a14:hiddenFill xmlns:a14="http://schemas.microsoft.com/office/drawing/2010/main">
+              <a14:hiddenFill xmlns:a14="http://schemas.microsoft.com/office/drawing/2010/main" xmlns="">
                 <a:solidFill>
                   <a:schemeClr val="accent1"/>
                 </a:solidFill>
               </a14:hiddenFill>
             </a:ext>
             <a:ext uri="{91240B29-F687-4F45-9708-019B960494DF}">
-              <a14:hiddenLine xmlns:a14="http://schemas.microsoft.com/office/drawing/2010/main" w="9525">
+              <a14:hiddenLine xmlns:a14="http://schemas.microsoft.com/office/drawing/2010/main" xmlns="" w="9525">
                 <a:solidFill>
                   <a:schemeClr val="tx1"/>
                 </a:solidFill>
@@ -13441,7 +13762,7 @@
               </a14:hiddenLine>
             </a:ext>
             <a:ext uri="{AF507438-7753-43E0-B8FC-AC1667EBCBE1}">
-              <a14:hiddenEffects xmlns:a14="http://schemas.microsoft.com/office/drawing/2010/main">
+              <a14:hiddenEffects xmlns:a14="http://schemas.microsoft.com/office/drawing/2010/main" xmlns="">
                 <a:effectLst>
                   <a:outerShdw dist="35921" dir="2700000" algn="ctr" rotWithShape="0">
                     <a:schemeClr val="bg2"/>
@@ -13505,10 +13826,10 @@
           <p:nvPr/>
         </p:nvPicPr>
         <p:blipFill>
-          <a:blip r:embed="rId4">
+          <a:blip r:embed="rId4" cstate="screen">
             <a:extLst>
               <a:ext uri="{28A0092B-C50C-407E-A947-70E740481C1C}">
-                <a14:useLocalDpi xmlns:a14="http://schemas.microsoft.com/office/drawing/2010/main" val="0"/>
+                <a14:useLocalDpi xmlns:a14="http://schemas.microsoft.com/office/drawing/2010/main" xmlns="" val="0"/>
               </a:ext>
             </a:extLst>
           </a:blip>
@@ -13532,14 +13853,14 @@
           <a:effectLst/>
           <a:extLst>
             <a:ext uri="{909E8E84-426E-40DD-AFC4-6F175D3DCCD1}">
-              <a14:hiddenFill xmlns:a14="http://schemas.microsoft.com/office/drawing/2010/main">
+              <a14:hiddenFill xmlns:a14="http://schemas.microsoft.com/office/drawing/2010/main" xmlns="">
                 <a:solidFill>
                   <a:schemeClr val="accent1"/>
                 </a:solidFill>
               </a14:hiddenFill>
             </a:ext>
             <a:ext uri="{91240B29-F687-4F45-9708-019B960494DF}">
-              <a14:hiddenLine xmlns:a14="http://schemas.microsoft.com/office/drawing/2010/main" w="9525">
+              <a14:hiddenLine xmlns:a14="http://schemas.microsoft.com/office/drawing/2010/main" xmlns="" w="9525">
                 <a:solidFill>
                   <a:schemeClr val="tx1"/>
                 </a:solidFill>
@@ -13549,7 +13870,7 @@
               </a14:hiddenLine>
             </a:ext>
             <a:ext uri="{AF507438-7753-43E0-B8FC-AC1667EBCBE1}">
-              <a14:hiddenEffects xmlns:a14="http://schemas.microsoft.com/office/drawing/2010/main">
+              <a14:hiddenEffects xmlns:a14="http://schemas.microsoft.com/office/drawing/2010/main" xmlns="">
                 <a:effectLst>
                   <a:outerShdw dist="35921" dir="2700000" algn="ctr" rotWithShape="0">
                     <a:schemeClr val="bg2"/>
@@ -13563,7 +13884,7 @@
     </p:spTree>
     <p:extLst>
       <p:ext uri="{BB962C8B-B14F-4D97-AF65-F5344CB8AC3E}">
-        <p14:creationId xmlns:p14="http://schemas.microsoft.com/office/powerpoint/2010/main" val="3601389167"/>
+        <p14:creationId xmlns:p14="http://schemas.microsoft.com/office/powerpoint/2010/main" xmlns="" val="3601389167"/>
       </p:ext>
     </p:extLst>
   </p:cSld>
@@ -13838,10 +14159,10 @@
           <p:nvPr/>
         </p:nvPicPr>
         <p:blipFill>
-          <a:blip r:embed="rId3">
+          <a:blip r:embed="rId3" cstate="screen">
             <a:extLst>
               <a:ext uri="{28A0092B-C50C-407E-A947-70E740481C1C}">
-                <a14:useLocalDpi xmlns:a14="http://schemas.microsoft.com/office/drawing/2010/main" val="0"/>
+                <a14:useLocalDpi xmlns:a14="http://schemas.microsoft.com/office/drawing/2010/main" xmlns="" val="0"/>
               </a:ext>
             </a:extLst>
           </a:blip>
@@ -13865,14 +14186,14 @@
           <a:effectLst/>
           <a:extLst>
             <a:ext uri="{909E8E84-426E-40DD-AFC4-6F175D3DCCD1}">
-              <a14:hiddenFill xmlns:a14="http://schemas.microsoft.com/office/drawing/2010/main">
+              <a14:hiddenFill xmlns:a14="http://schemas.microsoft.com/office/drawing/2010/main" xmlns="">
                 <a:solidFill>
                   <a:schemeClr val="accent1"/>
                 </a:solidFill>
               </a14:hiddenFill>
             </a:ext>
             <a:ext uri="{91240B29-F687-4F45-9708-019B960494DF}">
-              <a14:hiddenLine xmlns:a14="http://schemas.microsoft.com/office/drawing/2010/main" w="9525">
+              <a14:hiddenLine xmlns:a14="http://schemas.microsoft.com/office/drawing/2010/main" xmlns="" w="9525">
                 <a:solidFill>
                   <a:schemeClr val="tx1"/>
                 </a:solidFill>
@@ -13882,7 +14203,7 @@
               </a14:hiddenLine>
             </a:ext>
             <a:ext uri="{AF507438-7753-43E0-B8FC-AC1667EBCBE1}">
-              <a14:hiddenEffects xmlns:a14="http://schemas.microsoft.com/office/drawing/2010/main">
+              <a14:hiddenEffects xmlns:a14="http://schemas.microsoft.com/office/drawing/2010/main" xmlns="">
                 <a:effectLst>
                   <a:outerShdw dist="35921" dir="2700000" algn="ctr" rotWithShape="0">
                     <a:schemeClr val="bg2"/>
@@ -13936,10 +14257,10 @@
           <p:nvPr/>
         </p:nvPicPr>
         <p:blipFill>
-          <a:blip r:embed="rId4">
+          <a:blip r:embed="rId4" cstate="screen">
             <a:extLst>
               <a:ext uri="{28A0092B-C50C-407E-A947-70E740481C1C}">
-                <a14:useLocalDpi xmlns:a14="http://schemas.microsoft.com/office/drawing/2010/main" val="0"/>
+                <a14:useLocalDpi xmlns:a14="http://schemas.microsoft.com/office/drawing/2010/main" xmlns="" val="0"/>
               </a:ext>
             </a:extLst>
           </a:blip>
@@ -13963,14 +14284,14 @@
           <a:effectLst/>
           <a:extLst>
             <a:ext uri="{909E8E84-426E-40DD-AFC4-6F175D3DCCD1}">
-              <a14:hiddenFill xmlns:a14="http://schemas.microsoft.com/office/drawing/2010/main">
+              <a14:hiddenFill xmlns:a14="http://schemas.microsoft.com/office/drawing/2010/main" xmlns="">
                 <a:solidFill>
                   <a:schemeClr val="accent1"/>
                 </a:solidFill>
               </a14:hiddenFill>
             </a:ext>
             <a:ext uri="{91240B29-F687-4F45-9708-019B960494DF}">
-              <a14:hiddenLine xmlns:a14="http://schemas.microsoft.com/office/drawing/2010/main" w="9525">
+              <a14:hiddenLine xmlns:a14="http://schemas.microsoft.com/office/drawing/2010/main" xmlns="" w="9525">
                 <a:solidFill>
                   <a:schemeClr val="tx1"/>
                 </a:solidFill>
@@ -13980,7 +14301,7 @@
               </a14:hiddenLine>
             </a:ext>
             <a:ext uri="{AF507438-7753-43E0-B8FC-AC1667EBCBE1}">
-              <a14:hiddenEffects xmlns:a14="http://schemas.microsoft.com/office/drawing/2010/main">
+              <a14:hiddenEffects xmlns:a14="http://schemas.microsoft.com/office/drawing/2010/main" xmlns="">
                 <a:effectLst>
                   <a:outerShdw dist="35921" dir="2700000" algn="ctr" rotWithShape="0">
                     <a:schemeClr val="bg2"/>
@@ -14024,7 +14345,7 @@
     </p:spTree>
     <p:extLst>
       <p:ext uri="{BB962C8B-B14F-4D97-AF65-F5344CB8AC3E}">
-        <p14:creationId xmlns:p14="http://schemas.microsoft.com/office/powerpoint/2010/main" val="3601389167"/>
+        <p14:creationId xmlns:p14="http://schemas.microsoft.com/office/powerpoint/2010/main" xmlns="" val="3601389167"/>
       </p:ext>
     </p:extLst>
   </p:cSld>
@@ -14311,10 +14632,10 @@
           <p:nvPr/>
         </p:nvPicPr>
         <p:blipFill>
-          <a:blip r:embed="rId3">
+          <a:blip r:embed="rId3" cstate="screen">
             <a:extLst>
               <a:ext uri="{28A0092B-C50C-407E-A947-70E740481C1C}">
-                <a14:useLocalDpi xmlns:a14="http://schemas.microsoft.com/office/drawing/2010/main" val="0"/>
+                <a14:useLocalDpi xmlns:a14="http://schemas.microsoft.com/office/drawing/2010/main" xmlns="" val="0"/>
               </a:ext>
             </a:extLst>
           </a:blip>
@@ -14338,14 +14659,14 @@
           <a:effectLst/>
           <a:extLst>
             <a:ext uri="{909E8E84-426E-40DD-AFC4-6F175D3DCCD1}">
-              <a14:hiddenFill xmlns:a14="http://schemas.microsoft.com/office/drawing/2010/main">
+              <a14:hiddenFill xmlns:a14="http://schemas.microsoft.com/office/drawing/2010/main" xmlns="">
                 <a:solidFill>
                   <a:schemeClr val="accent1"/>
                 </a:solidFill>
               </a14:hiddenFill>
             </a:ext>
             <a:ext uri="{91240B29-F687-4F45-9708-019B960494DF}">
-              <a14:hiddenLine xmlns:a14="http://schemas.microsoft.com/office/drawing/2010/main" w="9525">
+              <a14:hiddenLine xmlns:a14="http://schemas.microsoft.com/office/drawing/2010/main" xmlns="" w="9525">
                 <a:solidFill>
                   <a:schemeClr val="tx1"/>
                 </a:solidFill>
@@ -14355,7 +14676,7 @@
               </a14:hiddenLine>
             </a:ext>
             <a:ext uri="{AF507438-7753-43E0-B8FC-AC1667EBCBE1}">
-              <a14:hiddenEffects xmlns:a14="http://schemas.microsoft.com/office/drawing/2010/main">
+              <a14:hiddenEffects xmlns:a14="http://schemas.microsoft.com/office/drawing/2010/main" xmlns="">
                 <a:effectLst>
                   <a:outerShdw dist="35921" dir="2700000" algn="ctr" rotWithShape="0">
                     <a:schemeClr val="bg2"/>
@@ -14420,10 +14741,10 @@
           <p:nvPr/>
         </p:nvPicPr>
         <p:blipFill>
-          <a:blip r:embed="rId4">
+          <a:blip r:embed="rId4" cstate="screen">
             <a:extLst>
               <a:ext uri="{28A0092B-C50C-407E-A947-70E740481C1C}">
-                <a14:useLocalDpi xmlns:a14="http://schemas.microsoft.com/office/drawing/2010/main" val="0"/>
+                <a14:useLocalDpi xmlns:a14="http://schemas.microsoft.com/office/drawing/2010/main" xmlns="" val="0"/>
               </a:ext>
             </a:extLst>
           </a:blip>
@@ -14447,14 +14768,14 @@
           <a:effectLst/>
           <a:extLst>
             <a:ext uri="{909E8E84-426E-40DD-AFC4-6F175D3DCCD1}">
-              <a14:hiddenFill xmlns:a14="http://schemas.microsoft.com/office/drawing/2010/main">
+              <a14:hiddenFill xmlns:a14="http://schemas.microsoft.com/office/drawing/2010/main" xmlns="">
                 <a:solidFill>
                   <a:schemeClr val="accent1"/>
                 </a:solidFill>
               </a14:hiddenFill>
             </a:ext>
             <a:ext uri="{91240B29-F687-4F45-9708-019B960494DF}">
-              <a14:hiddenLine xmlns:a14="http://schemas.microsoft.com/office/drawing/2010/main" w="9525">
+              <a14:hiddenLine xmlns:a14="http://schemas.microsoft.com/office/drawing/2010/main" xmlns="" w="9525">
                 <a:solidFill>
                   <a:schemeClr val="tx1"/>
                 </a:solidFill>
@@ -14464,7 +14785,7 @@
               </a14:hiddenLine>
             </a:ext>
             <a:ext uri="{AF507438-7753-43E0-B8FC-AC1667EBCBE1}">
-              <a14:hiddenEffects xmlns:a14="http://schemas.microsoft.com/office/drawing/2010/main">
+              <a14:hiddenEffects xmlns:a14="http://schemas.microsoft.com/office/drawing/2010/main" xmlns="">
                 <a:effectLst>
                   <a:outerShdw dist="35921" dir="2700000" algn="ctr" rotWithShape="0">
                     <a:schemeClr val="bg2"/>
@@ -14478,7 +14799,7 @@
     </p:spTree>
     <p:extLst>
       <p:ext uri="{BB962C8B-B14F-4D97-AF65-F5344CB8AC3E}">
-        <p14:creationId xmlns:p14="http://schemas.microsoft.com/office/powerpoint/2010/main" val="3601389167"/>
+        <p14:creationId xmlns:p14="http://schemas.microsoft.com/office/powerpoint/2010/main" xmlns="" val="3601389167"/>
       </p:ext>
     </p:extLst>
   </p:cSld>
@@ -14773,10 +15094,10 @@
           <p:nvPr/>
         </p:nvPicPr>
         <p:blipFill>
-          <a:blip r:embed="rId3">
+          <a:blip r:embed="rId3" cstate="screen">
             <a:extLst>
               <a:ext uri="{28A0092B-C50C-407E-A947-70E740481C1C}">
-                <a14:useLocalDpi xmlns:a14="http://schemas.microsoft.com/office/drawing/2010/main" val="0"/>
+                <a14:useLocalDpi xmlns:a14="http://schemas.microsoft.com/office/drawing/2010/main" xmlns="" val="0"/>
               </a:ext>
             </a:extLst>
           </a:blip>
@@ -14800,14 +15121,14 @@
           <a:effectLst/>
           <a:extLst>
             <a:ext uri="{909E8E84-426E-40DD-AFC4-6F175D3DCCD1}">
-              <a14:hiddenFill xmlns:a14="http://schemas.microsoft.com/office/drawing/2010/main">
+              <a14:hiddenFill xmlns:a14="http://schemas.microsoft.com/office/drawing/2010/main" xmlns="">
                 <a:solidFill>
                   <a:schemeClr val="accent1"/>
                 </a:solidFill>
               </a14:hiddenFill>
             </a:ext>
             <a:ext uri="{91240B29-F687-4F45-9708-019B960494DF}">
-              <a14:hiddenLine xmlns:a14="http://schemas.microsoft.com/office/drawing/2010/main" w="9525">
+              <a14:hiddenLine xmlns:a14="http://schemas.microsoft.com/office/drawing/2010/main" xmlns="" w="9525">
                 <a:solidFill>
                   <a:schemeClr val="tx1"/>
                 </a:solidFill>
@@ -14817,7 +15138,7 @@
               </a14:hiddenLine>
             </a:ext>
             <a:ext uri="{AF507438-7753-43E0-B8FC-AC1667EBCBE1}">
-              <a14:hiddenEffects xmlns:a14="http://schemas.microsoft.com/office/drawing/2010/main">
+              <a14:hiddenEffects xmlns:a14="http://schemas.microsoft.com/office/drawing/2010/main" xmlns="">
                 <a:effectLst>
                   <a:outerShdw dist="35921" dir="2700000" algn="ctr" rotWithShape="0">
                     <a:schemeClr val="bg2"/>
@@ -14866,10 +15187,10 @@
           <p:nvPr/>
         </p:nvPicPr>
         <p:blipFill>
-          <a:blip r:embed="rId4">
+          <a:blip r:embed="rId4" cstate="screen">
             <a:extLst>
               <a:ext uri="{28A0092B-C50C-407E-A947-70E740481C1C}">
-                <a14:useLocalDpi xmlns:a14="http://schemas.microsoft.com/office/drawing/2010/main" val="0"/>
+                <a14:useLocalDpi xmlns:a14="http://schemas.microsoft.com/office/drawing/2010/main" xmlns="" val="0"/>
               </a:ext>
             </a:extLst>
           </a:blip>
@@ -14893,14 +15214,14 @@
           <a:effectLst/>
           <a:extLst>
             <a:ext uri="{909E8E84-426E-40DD-AFC4-6F175D3DCCD1}">
-              <a14:hiddenFill xmlns:a14="http://schemas.microsoft.com/office/drawing/2010/main">
+              <a14:hiddenFill xmlns:a14="http://schemas.microsoft.com/office/drawing/2010/main" xmlns="">
                 <a:solidFill>
                   <a:schemeClr val="accent1"/>
                 </a:solidFill>
               </a14:hiddenFill>
             </a:ext>
             <a:ext uri="{91240B29-F687-4F45-9708-019B960494DF}">
-              <a14:hiddenLine xmlns:a14="http://schemas.microsoft.com/office/drawing/2010/main" w="9525">
+              <a14:hiddenLine xmlns:a14="http://schemas.microsoft.com/office/drawing/2010/main" xmlns="" w="9525">
                 <a:solidFill>
                   <a:schemeClr val="tx1"/>
                 </a:solidFill>
@@ -14910,7 +15231,7 @@
               </a14:hiddenLine>
             </a:ext>
             <a:ext uri="{AF507438-7753-43E0-B8FC-AC1667EBCBE1}">
-              <a14:hiddenEffects xmlns:a14="http://schemas.microsoft.com/office/drawing/2010/main">
+              <a14:hiddenEffects xmlns:a14="http://schemas.microsoft.com/office/drawing/2010/main" xmlns="">
                 <a:effectLst>
                   <a:outerShdw dist="35921" dir="2700000" algn="ctr" rotWithShape="0">
                     <a:schemeClr val="bg2"/>
@@ -14930,10 +15251,10 @@
           <p:nvPr/>
         </p:nvPicPr>
         <p:blipFill>
-          <a:blip r:embed="rId5">
+          <a:blip r:embed="rId5" cstate="screen">
             <a:extLst>
               <a:ext uri="{28A0092B-C50C-407E-A947-70E740481C1C}">
-                <a14:useLocalDpi xmlns:a14="http://schemas.microsoft.com/office/drawing/2010/main" val="0"/>
+                <a14:useLocalDpi xmlns:a14="http://schemas.microsoft.com/office/drawing/2010/main" xmlns="" val="0"/>
               </a:ext>
             </a:extLst>
           </a:blip>
@@ -14957,14 +15278,14 @@
           <a:effectLst/>
           <a:extLst>
             <a:ext uri="{909E8E84-426E-40DD-AFC4-6F175D3DCCD1}">
-              <a14:hiddenFill xmlns:a14="http://schemas.microsoft.com/office/drawing/2010/main">
+              <a14:hiddenFill xmlns:a14="http://schemas.microsoft.com/office/drawing/2010/main" xmlns="">
                 <a:solidFill>
                   <a:schemeClr val="accent1"/>
                 </a:solidFill>
               </a14:hiddenFill>
             </a:ext>
             <a:ext uri="{91240B29-F687-4F45-9708-019B960494DF}">
-              <a14:hiddenLine xmlns:a14="http://schemas.microsoft.com/office/drawing/2010/main" w="9525">
+              <a14:hiddenLine xmlns:a14="http://schemas.microsoft.com/office/drawing/2010/main" xmlns="" w="9525">
                 <a:solidFill>
                   <a:schemeClr val="tx1"/>
                 </a:solidFill>
@@ -14974,7 +15295,7 @@
               </a14:hiddenLine>
             </a:ext>
             <a:ext uri="{AF507438-7753-43E0-B8FC-AC1667EBCBE1}">
-              <a14:hiddenEffects xmlns:a14="http://schemas.microsoft.com/office/drawing/2010/main">
+              <a14:hiddenEffects xmlns:a14="http://schemas.microsoft.com/office/drawing/2010/main" xmlns="">
                 <a:effectLst>
                   <a:outerShdw dist="35921" dir="2700000" algn="ctr" rotWithShape="0">
                     <a:schemeClr val="bg2"/>
@@ -15017,7 +15338,7 @@
     </p:spTree>
     <p:extLst>
       <p:ext uri="{BB962C8B-B14F-4D97-AF65-F5344CB8AC3E}">
-        <p14:creationId xmlns:p14="http://schemas.microsoft.com/office/powerpoint/2010/main" val="3601389167"/>
+        <p14:creationId xmlns:p14="http://schemas.microsoft.com/office/powerpoint/2010/main" xmlns="" val="3601389167"/>
       </p:ext>
     </p:extLst>
   </p:cSld>
@@ -15403,10 +15724,10 @@
             <p:nvPr/>
           </p:nvPicPr>
           <p:blipFill>
-            <a:blip r:embed="rId3">
+            <a:blip r:embed="rId3" cstate="screen">
               <a:extLst>
                 <a:ext uri="{28A0092B-C50C-407E-A947-70E740481C1C}">
-                  <a14:useLocalDpi xmlns:a14="http://schemas.microsoft.com/office/drawing/2010/main" val="0"/>
+                  <a14:useLocalDpi xmlns:a14="http://schemas.microsoft.com/office/drawing/2010/main" xmlns="" val="0"/>
                 </a:ext>
               </a:extLst>
             </a:blip>
@@ -15430,14 +15751,14 @@
             <a:effectLst/>
             <a:extLst>
               <a:ext uri="{909E8E84-426E-40DD-AFC4-6F175D3DCCD1}">
-                <a14:hiddenFill xmlns:a14="http://schemas.microsoft.com/office/drawing/2010/main">
+                <a14:hiddenFill xmlns:a14="http://schemas.microsoft.com/office/drawing/2010/main" xmlns="">
                   <a:solidFill>
                     <a:schemeClr val="accent1"/>
                   </a:solidFill>
                 </a14:hiddenFill>
               </a:ext>
               <a:ext uri="{91240B29-F687-4F45-9708-019B960494DF}">
-                <a14:hiddenLine xmlns:a14="http://schemas.microsoft.com/office/drawing/2010/main" w="9525">
+                <a14:hiddenLine xmlns:a14="http://schemas.microsoft.com/office/drawing/2010/main" xmlns="" w="9525">
                   <a:solidFill>
                     <a:schemeClr val="tx1"/>
                   </a:solidFill>
@@ -15447,7 +15768,7 @@
                 </a14:hiddenLine>
               </a:ext>
               <a:ext uri="{AF507438-7753-43E0-B8FC-AC1667EBCBE1}">
-                <a14:hiddenEffects xmlns:a14="http://schemas.microsoft.com/office/drawing/2010/main">
+                <a14:hiddenEffects xmlns:a14="http://schemas.microsoft.com/office/drawing/2010/main" xmlns="">
                   <a:effectLst>
                     <a:outerShdw dist="35921" dir="2700000" algn="ctr" rotWithShape="0">
                       <a:schemeClr val="bg2"/>
@@ -15587,7 +15908,7 @@
     </p:spTree>
     <p:extLst>
       <p:ext uri="{BB962C8B-B14F-4D97-AF65-F5344CB8AC3E}">
-        <p14:creationId xmlns:p14="http://schemas.microsoft.com/office/powerpoint/2010/main" val="3601389167"/>
+        <p14:creationId xmlns:p14="http://schemas.microsoft.com/office/powerpoint/2010/main" xmlns="" val="3601389167"/>
       </p:ext>
     </p:extLst>
   </p:cSld>
@@ -15926,10 +16247,10 @@
           <p:nvPr/>
         </p:nvPicPr>
         <p:blipFill>
-          <a:blip r:embed="rId4">
+          <a:blip r:embed="rId4" cstate="screen">
             <a:extLst>
               <a:ext uri="{28A0092B-C50C-407E-A947-70E740481C1C}">
-                <a14:useLocalDpi xmlns:a14="http://schemas.microsoft.com/office/drawing/2010/main" val="0"/>
+                <a14:useLocalDpi xmlns:a14="http://schemas.microsoft.com/office/drawing/2010/main" xmlns="" val="0"/>
               </a:ext>
             </a:extLst>
           </a:blip>
@@ -15953,14 +16274,14 @@
           <a:effectLst/>
           <a:extLst>
             <a:ext uri="{909E8E84-426E-40DD-AFC4-6F175D3DCCD1}">
-              <a14:hiddenFill xmlns:a14="http://schemas.microsoft.com/office/drawing/2010/main">
+              <a14:hiddenFill xmlns:a14="http://schemas.microsoft.com/office/drawing/2010/main" xmlns="">
                 <a:solidFill>
                   <a:schemeClr val="accent1"/>
                 </a:solidFill>
               </a14:hiddenFill>
             </a:ext>
             <a:ext uri="{91240B29-F687-4F45-9708-019B960494DF}">
-              <a14:hiddenLine xmlns:a14="http://schemas.microsoft.com/office/drawing/2010/main" w="9525">
+              <a14:hiddenLine xmlns:a14="http://schemas.microsoft.com/office/drawing/2010/main" xmlns="" w="9525">
                 <a:solidFill>
                   <a:schemeClr val="tx1"/>
                 </a:solidFill>
@@ -15970,7 +16291,7 @@
               </a14:hiddenLine>
             </a:ext>
             <a:ext uri="{AF507438-7753-43E0-B8FC-AC1667EBCBE1}">
-              <a14:hiddenEffects xmlns:a14="http://schemas.microsoft.com/office/drawing/2010/main">
+              <a14:hiddenEffects xmlns:a14="http://schemas.microsoft.com/office/drawing/2010/main" xmlns="">
                 <a:effectLst>
                   <a:outerShdw dist="35921" dir="2700000" algn="ctr" rotWithShape="0">
                     <a:schemeClr val="bg2"/>
@@ -15984,7 +16305,7 @@
     </p:spTree>
     <p:extLst>
       <p:ext uri="{BB962C8B-B14F-4D97-AF65-F5344CB8AC3E}">
-        <p14:creationId xmlns:p14="http://schemas.microsoft.com/office/powerpoint/2010/main" val="3601389167"/>
+        <p14:creationId xmlns:p14="http://schemas.microsoft.com/office/powerpoint/2010/main" xmlns="" val="3601389167"/>
       </p:ext>
     </p:extLst>
   </p:cSld>
@@ -16225,10 +16546,10 @@
           <p:nvPr/>
         </p:nvPicPr>
         <p:blipFill>
-          <a:blip r:embed="rId3">
+          <a:blip r:embed="rId3" cstate="screen">
             <a:extLst>
               <a:ext uri="{28A0092B-C50C-407E-A947-70E740481C1C}">
-                <a14:useLocalDpi xmlns:a14="http://schemas.microsoft.com/office/drawing/2010/main" val="0"/>
+                <a14:useLocalDpi xmlns:a14="http://schemas.microsoft.com/office/drawing/2010/main" xmlns="" val="0"/>
               </a:ext>
             </a:extLst>
           </a:blip>
@@ -16252,14 +16573,14 @@
           <a:effectLst/>
           <a:extLst>
             <a:ext uri="{909E8E84-426E-40DD-AFC4-6F175D3DCCD1}">
-              <a14:hiddenFill xmlns:a14="http://schemas.microsoft.com/office/drawing/2010/main">
+              <a14:hiddenFill xmlns:a14="http://schemas.microsoft.com/office/drawing/2010/main" xmlns="">
                 <a:solidFill>
                   <a:schemeClr val="accent1"/>
                 </a:solidFill>
               </a14:hiddenFill>
             </a:ext>
             <a:ext uri="{91240B29-F687-4F45-9708-019B960494DF}">
-              <a14:hiddenLine xmlns:a14="http://schemas.microsoft.com/office/drawing/2010/main" w="9525">
+              <a14:hiddenLine xmlns:a14="http://schemas.microsoft.com/office/drawing/2010/main" xmlns="" w="9525">
                 <a:solidFill>
                   <a:schemeClr val="tx1"/>
                 </a:solidFill>
@@ -16269,7 +16590,7 @@
               </a14:hiddenLine>
             </a:ext>
             <a:ext uri="{AF507438-7753-43E0-B8FC-AC1667EBCBE1}">
-              <a14:hiddenEffects xmlns:a14="http://schemas.microsoft.com/office/drawing/2010/main">
+              <a14:hiddenEffects xmlns:a14="http://schemas.microsoft.com/office/drawing/2010/main" xmlns="">
                 <a:effectLst>
                   <a:outerShdw dist="35921" dir="2700000" algn="ctr" rotWithShape="0">
                     <a:schemeClr val="bg2"/>
@@ -16376,10 +16697,10 @@
             <p:nvPr/>
           </p:nvPicPr>
           <p:blipFill>
-            <a:blip r:embed="rId4">
+            <a:blip r:embed="rId4" cstate="screen">
               <a:extLst>
                 <a:ext uri="{28A0092B-C50C-407E-A947-70E740481C1C}">
-                  <a14:useLocalDpi xmlns:a14="http://schemas.microsoft.com/office/drawing/2010/main" val="0"/>
+                  <a14:useLocalDpi xmlns:a14="http://schemas.microsoft.com/office/drawing/2010/main" xmlns="" val="0"/>
                 </a:ext>
               </a:extLst>
             </a:blip>
@@ -16403,14 +16724,14 @@
             <a:effectLst/>
             <a:extLst>
               <a:ext uri="{909E8E84-426E-40DD-AFC4-6F175D3DCCD1}">
-                <a14:hiddenFill xmlns:a14="http://schemas.microsoft.com/office/drawing/2010/main">
+                <a14:hiddenFill xmlns:a14="http://schemas.microsoft.com/office/drawing/2010/main" xmlns="">
                   <a:solidFill>
                     <a:schemeClr val="accent1"/>
                   </a:solidFill>
                 </a14:hiddenFill>
               </a:ext>
               <a:ext uri="{91240B29-F687-4F45-9708-019B960494DF}">
-                <a14:hiddenLine xmlns:a14="http://schemas.microsoft.com/office/drawing/2010/main" w="9525">
+                <a14:hiddenLine xmlns:a14="http://schemas.microsoft.com/office/drawing/2010/main" xmlns="" w="9525">
                   <a:solidFill>
                     <a:schemeClr val="tx1"/>
                   </a:solidFill>
@@ -16420,7 +16741,7 @@
                 </a14:hiddenLine>
               </a:ext>
               <a:ext uri="{AF507438-7753-43E0-B8FC-AC1667EBCBE1}">
-                <a14:hiddenEffects xmlns:a14="http://schemas.microsoft.com/office/drawing/2010/main">
+                <a14:hiddenEffects xmlns:a14="http://schemas.microsoft.com/office/drawing/2010/main" xmlns="">
                   <a:effectLst>
                     <a:outerShdw dist="35921" dir="2700000" algn="ctr" rotWithShape="0">
                       <a:schemeClr val="bg2"/>
@@ -16560,7 +16881,7 @@
     </p:spTree>
     <p:extLst>
       <p:ext uri="{BB962C8B-B14F-4D97-AF65-F5344CB8AC3E}">
-        <p14:creationId xmlns:p14="http://schemas.microsoft.com/office/powerpoint/2010/main" val="2811394399"/>
+        <p14:creationId xmlns:p14="http://schemas.microsoft.com/office/powerpoint/2010/main" xmlns="" val="2811394399"/>
       </p:ext>
     </p:extLst>
   </p:cSld>
@@ -16947,10 +17268,10 @@
           <p:nvPr/>
         </p:nvPicPr>
         <p:blipFill>
-          <a:blip r:embed="rId4">
+          <a:blip r:embed="rId4" cstate="screen">
             <a:extLst>
               <a:ext uri="{28A0092B-C50C-407E-A947-70E740481C1C}">
-                <a14:useLocalDpi xmlns:a14="http://schemas.microsoft.com/office/drawing/2010/main" val="0"/>
+                <a14:useLocalDpi xmlns:a14="http://schemas.microsoft.com/office/drawing/2010/main" xmlns="" val="0"/>
               </a:ext>
             </a:extLst>
           </a:blip>
@@ -16974,14 +17295,14 @@
           <a:effectLst/>
           <a:extLst>
             <a:ext uri="{909E8E84-426E-40DD-AFC4-6F175D3DCCD1}">
-              <a14:hiddenFill xmlns:a14="http://schemas.microsoft.com/office/drawing/2010/main">
+              <a14:hiddenFill xmlns:a14="http://schemas.microsoft.com/office/drawing/2010/main" xmlns="">
                 <a:solidFill>
                   <a:schemeClr val="accent1"/>
                 </a:solidFill>
               </a14:hiddenFill>
             </a:ext>
             <a:ext uri="{91240B29-F687-4F45-9708-019B960494DF}">
-              <a14:hiddenLine xmlns:a14="http://schemas.microsoft.com/office/drawing/2010/main" w="9525">
+              <a14:hiddenLine xmlns:a14="http://schemas.microsoft.com/office/drawing/2010/main" xmlns="" w="9525">
                 <a:solidFill>
                   <a:schemeClr val="tx1"/>
                 </a:solidFill>
@@ -16991,7 +17312,7 @@
               </a14:hiddenLine>
             </a:ext>
             <a:ext uri="{AF507438-7753-43E0-B8FC-AC1667EBCBE1}">
-              <a14:hiddenEffects xmlns:a14="http://schemas.microsoft.com/office/drawing/2010/main">
+              <a14:hiddenEffects xmlns:a14="http://schemas.microsoft.com/office/drawing/2010/main" xmlns="">
                 <a:effectLst>
                   <a:outerShdw dist="35921" dir="2700000" algn="ctr" rotWithShape="0">
                     <a:schemeClr val="bg2"/>
@@ -17005,7 +17326,7 @@
     </p:spTree>
     <p:extLst>
       <p:ext uri="{BB962C8B-B14F-4D97-AF65-F5344CB8AC3E}">
-        <p14:creationId xmlns:p14="http://schemas.microsoft.com/office/powerpoint/2010/main" val="3601389167"/>
+        <p14:creationId xmlns:p14="http://schemas.microsoft.com/office/powerpoint/2010/main" xmlns="" val="3601389167"/>
       </p:ext>
     </p:extLst>
   </p:cSld>
@@ -17282,10 +17603,10 @@
           <p:nvPr/>
         </p:nvPicPr>
         <p:blipFill>
-          <a:blip r:embed="rId3">
+          <a:blip r:embed="rId3" cstate="screen">
             <a:extLst>
               <a:ext uri="{28A0092B-C50C-407E-A947-70E740481C1C}">
-                <a14:useLocalDpi xmlns:a14="http://schemas.microsoft.com/office/drawing/2010/main" val="0"/>
+                <a14:useLocalDpi xmlns:a14="http://schemas.microsoft.com/office/drawing/2010/main" xmlns="" val="0"/>
               </a:ext>
             </a:extLst>
           </a:blip>
@@ -17308,14 +17629,14 @@
           </a:ln>
           <a:extLst>
             <a:ext uri="{909E8E84-426E-40DD-AFC4-6F175D3DCCD1}">
-              <a14:hiddenFill xmlns:a14="http://schemas.microsoft.com/office/drawing/2010/main">
+              <a14:hiddenFill xmlns:a14="http://schemas.microsoft.com/office/drawing/2010/main" xmlns="">
                 <a:solidFill>
                   <a:schemeClr val="accent1"/>
                 </a:solidFill>
               </a14:hiddenFill>
             </a:ext>
             <a:ext uri="{91240B29-F687-4F45-9708-019B960494DF}">
-              <a14:hiddenLine xmlns:a14="http://schemas.microsoft.com/office/drawing/2010/main" w="9525">
+              <a14:hiddenLine xmlns:a14="http://schemas.microsoft.com/office/drawing/2010/main" xmlns="" w="9525">
                 <a:solidFill>
                   <a:schemeClr val="tx1"/>
                 </a:solidFill>
@@ -17372,10 +17693,10 @@
           <p:nvPr/>
         </p:nvPicPr>
         <p:blipFill>
-          <a:blip r:embed="rId4">
+          <a:blip r:embed="rId4" cstate="screen">
             <a:extLst>
               <a:ext uri="{28A0092B-C50C-407E-A947-70E740481C1C}">
-                <a14:useLocalDpi xmlns:a14="http://schemas.microsoft.com/office/drawing/2010/main" val="0"/>
+                <a14:useLocalDpi xmlns:a14="http://schemas.microsoft.com/office/drawing/2010/main" xmlns="" val="0"/>
               </a:ext>
             </a:extLst>
           </a:blip>
@@ -17398,14 +17719,14 @@
           </a:ln>
           <a:extLst>
             <a:ext uri="{909E8E84-426E-40DD-AFC4-6F175D3DCCD1}">
-              <a14:hiddenFill xmlns:a14="http://schemas.microsoft.com/office/drawing/2010/main">
+              <a14:hiddenFill xmlns:a14="http://schemas.microsoft.com/office/drawing/2010/main" xmlns="">
                 <a:solidFill>
                   <a:schemeClr val="accent1"/>
                 </a:solidFill>
               </a14:hiddenFill>
             </a:ext>
             <a:ext uri="{91240B29-F687-4F45-9708-019B960494DF}">
-              <a14:hiddenLine xmlns:a14="http://schemas.microsoft.com/office/drawing/2010/main" w="9525">
+              <a14:hiddenLine xmlns:a14="http://schemas.microsoft.com/office/drawing/2010/main" xmlns="" w="9525">
                 <a:solidFill>
                   <a:schemeClr val="tx1"/>
                 </a:solidFill>
@@ -17420,7 +17741,7 @@
     </p:spTree>
     <p:extLst>
       <p:ext uri="{BB962C8B-B14F-4D97-AF65-F5344CB8AC3E}">
-        <p14:creationId xmlns:p14="http://schemas.microsoft.com/office/powerpoint/2010/main" val="3601389167"/>
+        <p14:creationId xmlns:p14="http://schemas.microsoft.com/office/powerpoint/2010/main" xmlns="" val="3601389167"/>
       </p:ext>
     </p:extLst>
   </p:cSld>
@@ -17678,7 +17999,7 @@
     </p:spTree>
     <p:extLst>
       <p:ext uri="{BB962C8B-B14F-4D97-AF65-F5344CB8AC3E}">
-        <p14:creationId xmlns:p14="http://schemas.microsoft.com/office/powerpoint/2010/main" val="3884696437"/>
+        <p14:creationId xmlns:p14="http://schemas.microsoft.com/office/powerpoint/2010/main" xmlns="" val="3884696437"/>
       </p:ext>
     </p:extLst>
   </p:cSld>
@@ -18021,10 +18342,10 @@
           <p:nvPr/>
         </p:nvPicPr>
         <p:blipFill>
-          <a:blip r:embed="rId3">
+          <a:blip r:embed="rId3" cstate="screen">
             <a:extLst>
               <a:ext uri="{28A0092B-C50C-407E-A947-70E740481C1C}">
-                <a14:useLocalDpi xmlns:a14="http://schemas.microsoft.com/office/drawing/2010/main" val="0"/>
+                <a14:useLocalDpi xmlns:a14="http://schemas.microsoft.com/office/drawing/2010/main" xmlns="" val="0"/>
               </a:ext>
             </a:extLst>
           </a:blip>
@@ -18047,14 +18368,14 @@
           </a:ln>
           <a:extLst>
             <a:ext uri="{909E8E84-426E-40DD-AFC4-6F175D3DCCD1}">
-              <a14:hiddenFill xmlns:a14="http://schemas.microsoft.com/office/drawing/2010/main">
+              <a14:hiddenFill xmlns:a14="http://schemas.microsoft.com/office/drawing/2010/main" xmlns="">
                 <a:solidFill>
                   <a:schemeClr val="accent1"/>
                 </a:solidFill>
               </a14:hiddenFill>
             </a:ext>
             <a:ext uri="{91240B29-F687-4F45-9708-019B960494DF}">
-              <a14:hiddenLine xmlns:a14="http://schemas.microsoft.com/office/drawing/2010/main" w="9525">
+              <a14:hiddenLine xmlns:a14="http://schemas.microsoft.com/office/drawing/2010/main" xmlns="" w="9525">
                 <a:solidFill>
                   <a:schemeClr val="tx1"/>
                 </a:solidFill>
@@ -18181,7 +18502,7 @@
           <p:nvPr/>
         </p:nvPicPr>
         <p:blipFill>
-          <a:blip r:embed="rId4"/>
+          <a:blip r:embed="rId4" cstate="screen"/>
           <a:stretch>
             <a:fillRect/>
           </a:stretch>
@@ -18291,7 +18612,7 @@
     </p:spTree>
     <p:extLst>
       <p:ext uri="{BB962C8B-B14F-4D97-AF65-F5344CB8AC3E}">
-        <p14:creationId xmlns:p14="http://schemas.microsoft.com/office/powerpoint/2010/main" val="1924415414"/>
+        <p14:creationId xmlns:p14="http://schemas.microsoft.com/office/powerpoint/2010/main" xmlns="" val="1924415414"/>
       </p:ext>
     </p:extLst>
   </p:cSld>
@@ -18532,10 +18853,10 @@
           <p:nvPr/>
         </p:nvPicPr>
         <p:blipFill>
-          <a:blip r:embed="rId3">
+          <a:blip r:embed="rId3" cstate="screen">
             <a:extLst>
               <a:ext uri="{28A0092B-C50C-407E-A947-70E740481C1C}">
-                <a14:useLocalDpi xmlns:a14="http://schemas.microsoft.com/office/drawing/2010/main" val="0"/>
+                <a14:useLocalDpi xmlns:a14="http://schemas.microsoft.com/office/drawing/2010/main" xmlns="" val="0"/>
               </a:ext>
             </a:extLst>
           </a:blip>
@@ -18558,14 +18879,14 @@
           </a:ln>
           <a:extLst>
             <a:ext uri="{909E8E84-426E-40DD-AFC4-6F175D3DCCD1}">
-              <a14:hiddenFill xmlns:a14="http://schemas.microsoft.com/office/drawing/2010/main">
+              <a14:hiddenFill xmlns:a14="http://schemas.microsoft.com/office/drawing/2010/main" xmlns="">
                 <a:solidFill>
                   <a:schemeClr val="accent1"/>
                 </a:solidFill>
               </a14:hiddenFill>
             </a:ext>
             <a:ext uri="{91240B29-F687-4F45-9708-019B960494DF}">
-              <a14:hiddenLine xmlns:a14="http://schemas.microsoft.com/office/drawing/2010/main" w="9525">
+              <a14:hiddenLine xmlns:a14="http://schemas.microsoft.com/office/drawing/2010/main" xmlns="" w="9525">
                 <a:solidFill>
                   <a:schemeClr val="tx1"/>
                 </a:solidFill>
@@ -18695,10 +19016,10 @@
           <p:nvPr/>
         </p:nvPicPr>
         <p:blipFill>
-          <a:blip r:embed="rId4" cstate="print">
+          <a:blip r:embed="rId4" cstate="screen">
             <a:extLst>
               <a:ext uri="{28A0092B-C50C-407E-A947-70E740481C1C}">
-                <a14:useLocalDpi xmlns:a14="http://schemas.microsoft.com/office/drawing/2010/main" val="0"/>
+                <a14:useLocalDpi xmlns:a14="http://schemas.microsoft.com/office/drawing/2010/main" xmlns="" val="0"/>
               </a:ext>
             </a:extLst>
           </a:blip>
@@ -18718,7 +19039,7 @@
           <a:noFill/>
           <a:extLst>
             <a:ext uri="{909E8E84-426E-40DD-AFC4-6F175D3DCCD1}">
-              <a14:hiddenFill xmlns:a14="http://schemas.microsoft.com/office/drawing/2010/main">
+              <a14:hiddenFill xmlns:a14="http://schemas.microsoft.com/office/drawing/2010/main" xmlns="">
                 <a:solidFill>
                   <a:srgbClr val="FFFFFF"/>
                 </a:solidFill>
@@ -18730,7 +19051,7 @@
     </p:spTree>
     <p:extLst>
       <p:ext uri="{BB962C8B-B14F-4D97-AF65-F5344CB8AC3E}">
-        <p14:creationId xmlns:p14="http://schemas.microsoft.com/office/powerpoint/2010/main" val="3444440392"/>
+        <p14:creationId xmlns:p14="http://schemas.microsoft.com/office/powerpoint/2010/main" xmlns="" val="3444440392"/>
       </p:ext>
     </p:extLst>
   </p:cSld>
@@ -19257,7 +19578,7 @@
           <p:nvPr/>
         </p:nvPicPr>
         <p:blipFill>
-          <a:blip r:embed="rId3"/>
+          <a:blip r:embed="rId3" cstate="screen"/>
           <a:stretch>
             <a:fillRect/>
           </a:stretch>
@@ -19281,7 +19602,7 @@
           <p:nvPr/>
         </p:nvPicPr>
         <p:blipFill>
-          <a:blip r:embed="rId4"/>
+          <a:blip r:embed="rId4" cstate="screen"/>
           <a:stretch>
             <a:fillRect/>
           </a:stretch>
@@ -19299,7 +19620,7 @@
     </p:spTree>
     <p:extLst>
       <p:ext uri="{BB962C8B-B14F-4D97-AF65-F5344CB8AC3E}">
-        <p14:creationId xmlns:p14="http://schemas.microsoft.com/office/powerpoint/2010/main" val="308545997"/>
+        <p14:creationId xmlns:p14="http://schemas.microsoft.com/office/powerpoint/2010/main" xmlns="" val="308545997"/>
       </p:ext>
     </p:extLst>
   </p:cSld>
@@ -19470,7 +19791,7 @@
           <p:nvPr>
             <p:extLst>
               <p:ext uri="{D42A27DB-BD31-4B8C-83A1-F6EECF244321}">
-                <p14:modId xmlns:p14="http://schemas.microsoft.com/office/powerpoint/2010/main" val="3900112848"/>
+                <p14:modId xmlns:p14="http://schemas.microsoft.com/office/powerpoint/2010/main" xmlns="" val="3900112848"/>
               </p:ext>
             </p:extLst>
           </p:nvPr>
@@ -20132,7 +20453,7 @@
     </p:spTree>
     <p:extLst>
       <p:ext uri="{BB962C8B-B14F-4D97-AF65-F5344CB8AC3E}">
-        <p14:creationId xmlns:p14="http://schemas.microsoft.com/office/powerpoint/2010/main" val="4167430854"/>
+        <p14:creationId xmlns:p14="http://schemas.microsoft.com/office/powerpoint/2010/main" xmlns="" val="4167430854"/>
       </p:ext>
     </p:extLst>
   </p:cSld>
@@ -20264,7 +20585,7 @@
     </p:spTree>
     <p:extLst>
       <p:ext uri="{BB962C8B-B14F-4D97-AF65-F5344CB8AC3E}">
-        <p14:creationId xmlns:p14="http://schemas.microsoft.com/office/powerpoint/2010/main" val="942112409"/>
+        <p14:creationId xmlns:p14="http://schemas.microsoft.com/office/powerpoint/2010/main" xmlns="" val="942112409"/>
       </p:ext>
     </p:extLst>
   </p:cSld>
@@ -20521,10 +20842,10 @@
           <p:nvPr/>
         </p:nvPicPr>
         <p:blipFill>
-          <a:blip r:embed="rId4">
+          <a:blip r:embed="rId4" cstate="screen">
             <a:extLst>
               <a:ext uri="{28A0092B-C50C-407E-A947-70E740481C1C}">
-                <a14:useLocalDpi xmlns:a14="http://schemas.microsoft.com/office/drawing/2010/main" val="0"/>
+                <a14:useLocalDpi xmlns:a14="http://schemas.microsoft.com/office/drawing/2010/main" xmlns="" val="0"/>
               </a:ext>
             </a:extLst>
           </a:blip>
@@ -20547,14 +20868,14 @@
           </a:ln>
           <a:extLst>
             <a:ext uri="{909E8E84-426E-40DD-AFC4-6F175D3DCCD1}">
-              <a14:hiddenFill xmlns:a14="http://schemas.microsoft.com/office/drawing/2010/main">
+              <a14:hiddenFill xmlns:a14="http://schemas.microsoft.com/office/drawing/2010/main" xmlns="">
                 <a:solidFill>
                   <a:schemeClr val="accent1"/>
                 </a:solidFill>
               </a14:hiddenFill>
             </a:ext>
             <a:ext uri="{91240B29-F687-4F45-9708-019B960494DF}">
-              <a14:hiddenLine xmlns:a14="http://schemas.microsoft.com/office/drawing/2010/main" w="9525">
+              <a14:hiddenLine xmlns:a14="http://schemas.microsoft.com/office/drawing/2010/main" xmlns="" w="9525">
                 <a:solidFill>
                   <a:schemeClr val="tx1"/>
                 </a:solidFill>
@@ -20575,10 +20896,10 @@
           <p:nvPr/>
         </p:nvPicPr>
         <p:blipFill>
-          <a:blip r:embed="rId5">
+          <a:blip r:embed="rId5" cstate="screen">
             <a:extLst>
               <a:ext uri="{28A0092B-C50C-407E-A947-70E740481C1C}">
-                <a14:useLocalDpi xmlns:a14="http://schemas.microsoft.com/office/drawing/2010/main" val="0"/>
+                <a14:useLocalDpi xmlns:a14="http://schemas.microsoft.com/office/drawing/2010/main" xmlns="" val="0"/>
               </a:ext>
             </a:extLst>
           </a:blip>
@@ -20601,14 +20922,14 @@
           </a:ln>
           <a:extLst>
             <a:ext uri="{909E8E84-426E-40DD-AFC4-6F175D3DCCD1}">
-              <a14:hiddenFill xmlns:a14="http://schemas.microsoft.com/office/drawing/2010/main">
+              <a14:hiddenFill xmlns:a14="http://schemas.microsoft.com/office/drawing/2010/main" xmlns="">
                 <a:solidFill>
                   <a:schemeClr val="accent1"/>
                 </a:solidFill>
               </a14:hiddenFill>
             </a:ext>
             <a:ext uri="{91240B29-F687-4F45-9708-019B960494DF}">
-              <a14:hiddenLine xmlns:a14="http://schemas.microsoft.com/office/drawing/2010/main" w="9525">
+              <a14:hiddenLine xmlns:a14="http://schemas.microsoft.com/office/drawing/2010/main" xmlns="" w="9525">
                 <a:solidFill>
                   <a:schemeClr val="tx1"/>
                 </a:solidFill>
@@ -20846,7 +21167,7 @@
     </p:spTree>
     <p:extLst>
       <p:ext uri="{BB962C8B-B14F-4D97-AF65-F5344CB8AC3E}">
-        <p14:creationId xmlns:p14="http://schemas.microsoft.com/office/powerpoint/2010/main" val="3566518766"/>
+        <p14:creationId xmlns:p14="http://schemas.microsoft.com/office/powerpoint/2010/main" xmlns="" val="3566518766"/>
       </p:ext>
     </p:extLst>
   </p:cSld>
@@ -21266,7 +21587,7 @@
     </p:spTree>
     <p:extLst>
       <p:ext uri="{BB962C8B-B14F-4D97-AF65-F5344CB8AC3E}">
-        <p14:creationId xmlns:p14="http://schemas.microsoft.com/office/powerpoint/2010/main" val="3566518766"/>
+        <p14:creationId xmlns:p14="http://schemas.microsoft.com/office/powerpoint/2010/main" xmlns="" val="3566518766"/>
       </p:ext>
     </p:extLst>
   </p:cSld>
@@ -21309,7 +21630,7 @@
         <p:spPr>
           <a:xfrm>
             <a:off x="1296174" y="2348880"/>
-            <a:ext cx="6984776" cy="707886"/>
+            <a:ext cx="6984776" cy="2554545"/>
           </a:xfrm>
           <a:prstGeom prst="rect">
             <a:avLst/>
@@ -21338,16 +21659,81 @@
             <a:pPr algn="ctr"/>
             <a:r>
               <a:rPr lang="fr-FR" sz="4000" dirty="0" smtClean="0"/>
-              <a:t>LE MOT DE LA FIN…</a:t>
-            </a:r>
-            <a:endParaRPr lang="fr-FR" sz="4000" dirty="0"/>
+              <a:t>INSTALLATION &amp; CONFIGURATION DE </a:t>
+            </a:r>
+          </a:p>
+          <a:p>
+            <a:pPr lvl="0" algn="ctr"/>
+            <a:r>
+              <a:rPr lang="fr-FR" sz="4000" dirty="0" smtClean="0">
+                <a:solidFill>
+                  <a:srgbClr val="FFFFFF"/>
+                </a:solidFill>
+                <a:latin typeface="Calibri" pitchFamily="18"/>
+                <a:ea typeface="Microsoft YaHei" pitchFamily="2"/>
+                <a:cs typeface="Mangal" pitchFamily="2"/>
+              </a:rPr>
+              <a:t>SQL Server Data Tools Business Intelligence (SSDT BI)</a:t>
+            </a:r>
+            <a:endParaRPr lang="fr-FR" sz="4000" dirty="0">
+              <a:solidFill>
+                <a:srgbClr val="FFFFFF"/>
+              </a:solidFill>
+              <a:latin typeface="Calibri" pitchFamily="18"/>
+              <a:ea typeface="Microsoft YaHei" pitchFamily="2"/>
+              <a:cs typeface="Mangal" pitchFamily="2"/>
+            </a:endParaRPr>
+          </a:p>
+        </p:txBody>
+      </p:sp>
+      <p:sp>
+        <p:nvSpPr>
+          <p:cNvPr id="5" name="Rectangle 4"/>
+          <p:cNvSpPr/>
+          <p:nvPr/>
+        </p:nvSpPr>
+        <p:spPr>
+          <a:xfrm>
+            <a:off x="6876256" y="188640"/>
+            <a:ext cx="2016224" cy="432048"/>
+          </a:xfrm>
+          <a:prstGeom prst="rect">
+            <a:avLst/>
+          </a:prstGeom>
+        </p:spPr>
+        <p:style>
+          <a:lnRef idx="2">
+            <a:schemeClr val="accent2">
+              <a:shade val="50000"/>
+            </a:schemeClr>
+          </a:lnRef>
+          <a:fillRef idx="1">
+            <a:schemeClr val="accent2"/>
+          </a:fillRef>
+          <a:effectRef idx="0">
+            <a:schemeClr val="accent2"/>
+          </a:effectRef>
+          <a:fontRef idx="minor">
+            <a:schemeClr val="lt1"/>
+          </a:fontRef>
+        </p:style>
+        <p:txBody>
+          <a:bodyPr rtlCol="0" anchor="ctr"/>
+          <a:lstStyle/>
+          <a:p>
+            <a:pPr algn="ctr"/>
+            <a:r>
+              <a:rPr lang="fr-FR" dirty="0" smtClean="0"/>
+              <a:t>Equipe 2</a:t>
+            </a:r>
+            <a:endParaRPr lang="fr-FR" dirty="0"/>
           </a:p>
         </p:txBody>
       </p:sp>
     </p:spTree>
     <p:extLst>
       <p:ext uri="{BB962C8B-B14F-4D97-AF65-F5344CB8AC3E}">
-        <p14:creationId xmlns:p14="http://schemas.microsoft.com/office/powerpoint/2010/main" val="1451352722"/>
+        <p14:creationId xmlns:p14="http://schemas.microsoft.com/office/powerpoint/2010/main" xmlns="" val="942112409"/>
       </p:ext>
     </p:extLst>
   </p:cSld>
@@ -21381,491 +21767,578 @@
           <a:chExt cx="0" cy="0"/>
         </a:xfrm>
       </p:grpSpPr>
+      <p:sp>
+        <p:nvSpPr>
+          <p:cNvPr id="3" name="Rectangle 2"/>
+          <p:cNvSpPr/>
+          <p:nvPr/>
+        </p:nvSpPr>
+        <p:spPr>
+          <a:xfrm>
+            <a:off x="6876256" y="90205"/>
+            <a:ext cx="1008112" cy="432048"/>
+          </a:xfrm>
+          <a:prstGeom prst="rect">
+            <a:avLst/>
+          </a:prstGeom>
+        </p:spPr>
+        <p:style>
+          <a:lnRef idx="2">
+            <a:schemeClr val="accent1">
+              <a:shade val="50000"/>
+            </a:schemeClr>
+          </a:lnRef>
+          <a:fillRef idx="1">
+            <a:schemeClr val="accent1"/>
+          </a:fillRef>
+          <a:effectRef idx="0">
+            <a:schemeClr val="accent1"/>
+          </a:effectRef>
+          <a:fontRef idx="minor">
+            <a:schemeClr val="lt1"/>
+          </a:fontRef>
+        </p:style>
+        <p:txBody>
+          <a:bodyPr rtlCol="0" anchor="ctr"/>
+          <a:lstStyle/>
+          <a:p>
+            <a:pPr algn="ctr"/>
+            <a:r>
+              <a:rPr lang="fr-FR" dirty="0" smtClean="0"/>
+              <a:t>Equipe 1</a:t>
+            </a:r>
+            <a:endParaRPr lang="fr-FR" dirty="0"/>
+          </a:p>
+        </p:txBody>
+      </p:sp>
+      <p:sp>
+        <p:nvSpPr>
+          <p:cNvPr id="5" name="Rectangle 4"/>
+          <p:cNvSpPr/>
+          <p:nvPr/>
+        </p:nvSpPr>
+        <p:spPr>
+          <a:xfrm>
+            <a:off x="7975758" y="90205"/>
+            <a:ext cx="1008112" cy="432048"/>
+          </a:xfrm>
+          <a:prstGeom prst="rect">
+            <a:avLst/>
+          </a:prstGeom>
+        </p:spPr>
+        <p:style>
+          <a:lnRef idx="2">
+            <a:schemeClr val="accent2">
+              <a:shade val="50000"/>
+            </a:schemeClr>
+          </a:lnRef>
+          <a:fillRef idx="1">
+            <a:schemeClr val="accent2"/>
+          </a:fillRef>
+          <a:effectRef idx="0">
+            <a:schemeClr val="accent2"/>
+          </a:effectRef>
+          <a:fontRef idx="minor">
+            <a:schemeClr val="lt1"/>
+          </a:fontRef>
+        </p:style>
+        <p:txBody>
+          <a:bodyPr rtlCol="0" anchor="ctr"/>
+          <a:lstStyle/>
+          <a:p>
+            <a:pPr algn="ctr"/>
+            <a:r>
+              <a:rPr lang="fr-FR" dirty="0" smtClean="0"/>
+              <a:t>Equipe 2</a:t>
+            </a:r>
+            <a:endParaRPr lang="fr-FR" dirty="0"/>
+          </a:p>
+        </p:txBody>
+      </p:sp>
+      <p:sp>
+        <p:nvSpPr>
+          <p:cNvPr id="6" name="ZoneTexte 3"/>
+          <p:cNvSpPr/>
+          <p:nvPr/>
+        </p:nvSpPr>
+        <p:spPr>
+          <a:xfrm>
+            <a:off x="107640" y="116640"/>
+            <a:ext cx="1692360" cy="364679"/>
+          </a:xfrm>
+          <a:custGeom>
+            <a:avLst/>
+            <a:gdLst>
+              <a:gd name="f0" fmla="val 0"/>
+              <a:gd name="f1" fmla="val 21600"/>
+            </a:gdLst>
+            <a:ahLst/>
+            <a:cxnLst>
+              <a:cxn ang="3cd4">
+                <a:pos x="hc" y="t"/>
+              </a:cxn>
+              <a:cxn ang="0">
+                <a:pos x="r" y="vc"/>
+              </a:cxn>
+              <a:cxn ang="cd4">
+                <a:pos x="hc" y="b"/>
+              </a:cxn>
+              <a:cxn ang="cd2">
+                <a:pos x="l" y="vc"/>
+              </a:cxn>
+            </a:cxnLst>
+            <a:rect l="l" t="t" r="r" b="b"/>
+            <a:pathLst>
+              <a:path w="21600" h="21600">
+                <a:moveTo>
+                  <a:pt x="f0" y="f0"/>
+                </a:moveTo>
+                <a:lnTo>
+                  <a:pt x="f1" y="f0"/>
+                </a:lnTo>
+                <a:lnTo>
+                  <a:pt x="f1" y="f1"/>
+                </a:lnTo>
+                <a:lnTo>
+                  <a:pt x="f0" y="f1"/>
+                </a:lnTo>
+                <a:lnTo>
+                  <a:pt x="f0" y="f0"/>
+                </a:lnTo>
+                <a:close/>
+              </a:path>
+            </a:pathLst>
+          </a:custGeom>
+          <a:gradFill>
+            <a:gsLst>
+              <a:gs pos="0">
+                <a:srgbClr val="A4C1FF"/>
+              </a:gs>
+              <a:gs pos="100000">
+                <a:srgbClr val="E5EFFF"/>
+              </a:gs>
+            </a:gsLst>
+            <a:lin ang="16200000"/>
+          </a:gradFill>
+          <a:ln w="9360">
+            <a:solidFill>
+              <a:srgbClr val="4A7EBB"/>
+            </a:solidFill>
+            <a:prstDash val="solid"/>
+          </a:ln>
+        </p:spPr>
+        <p:txBody>
+          <a:bodyPr vert="horz" wrap="square" lIns="90000" tIns="45000" rIns="90000" bIns="45000" anchor="t" anchorCtr="0" compatLnSpc="0">
+            <a:spAutoFit/>
+          </a:bodyPr>
+          <a:lstStyle>
+            <a:defPPr lvl="0">
+              <a:buSzPct val="45000"/>
+              <a:buFont typeface="StarSymbol"/>
+              <a:buNone/>
+            </a:defPPr>
+            <a:lvl1pPr lvl="0">
+              <a:buSzPct val="45000"/>
+              <a:buFont typeface="StarSymbol"/>
+              <a:buChar char="●"/>
+            </a:lvl1pPr>
+            <a:lvl2pPr lvl="1">
+              <a:buSzPct val="45000"/>
+              <a:buFont typeface="StarSymbol"/>
+              <a:buChar char="●"/>
+            </a:lvl2pPr>
+            <a:lvl3pPr lvl="2">
+              <a:buSzPct val="45000"/>
+              <a:buFont typeface="StarSymbol"/>
+              <a:buChar char="●"/>
+            </a:lvl3pPr>
+            <a:lvl4pPr lvl="3">
+              <a:buSzPct val="45000"/>
+              <a:buFont typeface="StarSymbol"/>
+              <a:buChar char="●"/>
+            </a:lvl4pPr>
+            <a:lvl5pPr lvl="4">
+              <a:buSzPct val="45000"/>
+              <a:buFont typeface="StarSymbol"/>
+              <a:buChar char="●"/>
+            </a:lvl5pPr>
+            <a:lvl6pPr lvl="5">
+              <a:buSzPct val="45000"/>
+              <a:buFont typeface="StarSymbol"/>
+              <a:buChar char="●"/>
+            </a:lvl6pPr>
+            <a:lvl7pPr lvl="6">
+              <a:buSzPct val="45000"/>
+              <a:buFont typeface="StarSymbol"/>
+              <a:buChar char="●"/>
+            </a:lvl7pPr>
+            <a:lvl8pPr lvl="7">
+              <a:buSzPct val="45000"/>
+              <a:buFont typeface="StarSymbol"/>
+              <a:buChar char="●"/>
+            </a:lvl8pPr>
+            <a:lvl9pPr lvl="8">
+              <a:buSzPct val="45000"/>
+              <a:buFont typeface="StarSymbol"/>
+              <a:buChar char="●"/>
+            </a:lvl9pPr>
+          </a:lstStyle>
+          <a:p>
+            <a:pPr marL="0" marR="0" lvl="0" indent="0" algn="l" rtl="0" hangingPunct="1">
+              <a:lnSpc>
+                <a:spcPct val="100000"/>
+              </a:lnSpc>
+              <a:spcBef>
+                <a:spcPts val="0"/>
+              </a:spcBef>
+              <a:spcAft>
+                <a:spcPts val="0"/>
+              </a:spcAft>
+              <a:buNone/>
+              <a:tabLst/>
+            </a:pPr>
+            <a:r>
+              <a:rPr lang="fr-FR" sz="1800" b="0" i="0" u="none" strike="noStrike" kern="1200" spc="0">
+                <a:ln>
+                  <a:noFill/>
+                </a:ln>
+                <a:solidFill>
+                  <a:srgbClr val="000000"/>
+                </a:solidFill>
+                <a:latin typeface="Calibri" pitchFamily="18"/>
+                <a:ea typeface="Microsoft YaHei" pitchFamily="2"/>
+                <a:cs typeface="Mangal" pitchFamily="2"/>
+              </a:rPr>
+              <a:t>Téléchargement</a:t>
+            </a:r>
+          </a:p>
+        </p:txBody>
+      </p:sp>
+      <p:sp>
+        <p:nvSpPr>
+          <p:cNvPr id="8" name="Rectangle 5"/>
+          <p:cNvSpPr/>
+          <p:nvPr/>
+        </p:nvSpPr>
+        <p:spPr>
+          <a:xfrm>
+            <a:off x="539552" y="1052736"/>
+            <a:ext cx="7776801" cy="1090191"/>
+          </a:xfrm>
+          <a:custGeom>
+            <a:avLst/>
+            <a:gdLst>
+              <a:gd name="f0" fmla="val 0"/>
+              <a:gd name="f1" fmla="val 21600"/>
+            </a:gdLst>
+            <a:ahLst/>
+            <a:cxnLst>
+              <a:cxn ang="3cd4">
+                <a:pos x="hc" y="t"/>
+              </a:cxn>
+              <a:cxn ang="0">
+                <a:pos x="r" y="vc"/>
+              </a:cxn>
+              <a:cxn ang="cd4">
+                <a:pos x="hc" y="b"/>
+              </a:cxn>
+              <a:cxn ang="cd2">
+                <a:pos x="l" y="vc"/>
+              </a:cxn>
+            </a:cxnLst>
+            <a:rect l="l" t="t" r="r" b="b"/>
+            <a:pathLst>
+              <a:path w="21600" h="21600">
+                <a:moveTo>
+                  <a:pt x="f0" y="f0"/>
+                </a:moveTo>
+                <a:lnTo>
+                  <a:pt x="f1" y="f0"/>
+                </a:lnTo>
+                <a:lnTo>
+                  <a:pt x="f1" y="f1"/>
+                </a:lnTo>
+                <a:lnTo>
+                  <a:pt x="f0" y="f1"/>
+                </a:lnTo>
+                <a:lnTo>
+                  <a:pt x="f0" y="f0"/>
+                </a:lnTo>
+                <a:close/>
+              </a:path>
+            </a:pathLst>
+          </a:custGeom>
+          <a:noFill/>
+          <a:ln>
+            <a:noFill/>
+            <a:prstDash val="solid"/>
+          </a:ln>
+        </p:spPr>
+        <p:txBody>
+          <a:bodyPr vert="horz" wrap="square" lIns="90000" tIns="45000" rIns="90000" bIns="45000" anchor="t" anchorCtr="0" compatLnSpc="0">
+            <a:spAutoFit/>
+          </a:bodyPr>
+          <a:lstStyle>
+            <a:defPPr lvl="0">
+              <a:buSzPct val="45000"/>
+              <a:buFont typeface="StarSymbol"/>
+              <a:buNone/>
+            </a:defPPr>
+            <a:lvl1pPr lvl="0">
+              <a:buSzPct val="45000"/>
+              <a:buFont typeface="StarSymbol"/>
+              <a:buChar char="●"/>
+            </a:lvl1pPr>
+            <a:lvl2pPr lvl="1">
+              <a:buSzPct val="45000"/>
+              <a:buFont typeface="StarSymbol"/>
+              <a:buChar char="●"/>
+            </a:lvl2pPr>
+            <a:lvl3pPr lvl="2">
+              <a:buSzPct val="45000"/>
+              <a:buFont typeface="StarSymbol"/>
+              <a:buChar char="●"/>
+            </a:lvl3pPr>
+            <a:lvl4pPr lvl="3">
+              <a:buSzPct val="45000"/>
+              <a:buFont typeface="StarSymbol"/>
+              <a:buChar char="●"/>
+            </a:lvl4pPr>
+            <a:lvl5pPr lvl="4">
+              <a:buSzPct val="45000"/>
+              <a:buFont typeface="StarSymbol"/>
+              <a:buChar char="●"/>
+            </a:lvl5pPr>
+            <a:lvl6pPr lvl="5">
+              <a:buSzPct val="45000"/>
+              <a:buFont typeface="StarSymbol"/>
+              <a:buChar char="●"/>
+            </a:lvl6pPr>
+            <a:lvl7pPr lvl="6">
+              <a:buSzPct val="45000"/>
+              <a:buFont typeface="StarSymbol"/>
+              <a:buChar char="●"/>
+            </a:lvl7pPr>
+            <a:lvl8pPr lvl="7">
+              <a:buSzPct val="45000"/>
+              <a:buFont typeface="StarSymbol"/>
+              <a:buChar char="●"/>
+            </a:lvl8pPr>
+            <a:lvl9pPr lvl="8">
+              <a:buSzPct val="45000"/>
+              <a:buFont typeface="StarSymbol"/>
+              <a:buChar char="●"/>
+            </a:lvl9pPr>
+          </a:lstStyle>
+          <a:p>
+            <a:pPr marL="0" marR="0" lvl="0" indent="0" algn="l" rtl="0" hangingPunct="1">
+              <a:lnSpc>
+                <a:spcPct val="100000"/>
+              </a:lnSpc>
+              <a:spcBef>
+                <a:spcPts val="300"/>
+              </a:spcBef>
+              <a:spcAft>
+                <a:spcPts val="300"/>
+              </a:spcAft>
+              <a:buNone/>
+              <a:tabLst/>
+            </a:pPr>
+            <a:r>
+              <a:rPr lang="fr-FR" sz="1800" b="0" i="0" u="none" strike="noStrike" kern="1200" spc="0" dirty="0">
+                <a:ln>
+                  <a:noFill/>
+                </a:ln>
+                <a:solidFill>
+                  <a:srgbClr val="000000"/>
+                </a:solidFill>
+                <a:latin typeface="Calibri" pitchFamily="18"/>
+                <a:ea typeface="Microsoft YaHei" pitchFamily="2"/>
+                <a:cs typeface="Mangal" pitchFamily="2"/>
+              </a:rPr>
+              <a:t>Ouvrez le lien : </a:t>
+            </a:r>
+            <a:r>
+              <a:rPr lang="fr-FR" sz="1800" b="0" i="0" u="none" strike="noStrike" kern="1200" spc="0" dirty="0">
+                <a:ln>
+                  <a:noFill/>
+                </a:ln>
+                <a:solidFill>
+                  <a:srgbClr val="000000"/>
+                </a:solidFill>
+                <a:latin typeface="Calibri" pitchFamily="18"/>
+                <a:ea typeface="Microsoft YaHei" pitchFamily="2"/>
+                <a:cs typeface="Mangal" pitchFamily="2"/>
+                <a:hlinkClick r:id="rId3"/>
+              </a:rPr>
+              <a:t>https://msdn.microsoft.com/en-us/library/mt204009.aspx</a:t>
+            </a:r>
+          </a:p>
+          <a:p>
+            <a:pPr marL="0" marR="0" lvl="0" indent="0" algn="l" rtl="0" hangingPunct="1">
+              <a:lnSpc>
+                <a:spcPct val="100000"/>
+              </a:lnSpc>
+              <a:spcBef>
+                <a:spcPts val="300"/>
+              </a:spcBef>
+              <a:spcAft>
+                <a:spcPts val="300"/>
+              </a:spcAft>
+              <a:buNone/>
+              <a:tabLst/>
+            </a:pPr>
+            <a:endParaRPr lang="fr-FR" sz="1800" b="0" i="0" u="none" strike="noStrike" kern="1200" spc="0" dirty="0">
+              <a:ln>
+                <a:noFill/>
+              </a:ln>
+              <a:solidFill>
+                <a:srgbClr val="000000"/>
+              </a:solidFill>
+              <a:latin typeface="Calibri" pitchFamily="18"/>
+              <a:ea typeface="Microsoft YaHei" pitchFamily="2"/>
+              <a:cs typeface="Mangal" pitchFamily="2"/>
+            </a:endParaRPr>
+          </a:p>
+          <a:p>
+            <a:pPr marL="0" marR="0" lvl="0" indent="0" algn="l" rtl="0" hangingPunct="1">
+              <a:lnSpc>
+                <a:spcPct val="100000"/>
+              </a:lnSpc>
+              <a:spcBef>
+                <a:spcPts val="300"/>
+              </a:spcBef>
+              <a:spcAft>
+                <a:spcPts val="300"/>
+              </a:spcAft>
+              <a:buNone/>
+              <a:tabLst/>
+            </a:pPr>
+            <a:r>
+              <a:rPr lang="fr-FR" sz="1800" b="0" i="0" u="none" strike="noStrike" kern="1200" spc="0" dirty="0">
+                <a:ln>
+                  <a:noFill/>
+                </a:ln>
+                <a:solidFill>
+                  <a:srgbClr val="000000"/>
+                </a:solidFill>
+                <a:latin typeface="Calibri" pitchFamily="18"/>
+                <a:ea typeface="Microsoft YaHei" pitchFamily="2"/>
+                <a:cs typeface="Mangal" pitchFamily="2"/>
+              </a:rPr>
+              <a:t>En bas de page téléchargez </a:t>
+            </a:r>
+            <a:r>
+              <a:rPr lang="fr-FR" sz="1800" b="0" i="0" u="none" strike="noStrike" kern="1200" spc="0" dirty="0" smtClean="0">
+                <a:ln>
+                  <a:noFill/>
+                </a:ln>
+                <a:solidFill>
+                  <a:srgbClr val="000000"/>
+                </a:solidFill>
+                <a:latin typeface="Calibri" pitchFamily="18"/>
+                <a:ea typeface="Microsoft YaHei" pitchFamily="2"/>
+                <a:cs typeface="Mangal" pitchFamily="2"/>
+              </a:rPr>
+              <a:t>« </a:t>
+            </a:r>
+            <a:r>
+              <a:rPr lang="fr-FR" sz="1800" b="1" i="0" u="none" strike="noStrike" kern="1200" spc="0" dirty="0" smtClean="0">
+                <a:ln>
+                  <a:noFill/>
+                </a:ln>
+                <a:solidFill>
+                  <a:srgbClr val="000000"/>
+                </a:solidFill>
+                <a:latin typeface="Calibri" pitchFamily="18"/>
+                <a:ea typeface="Microsoft YaHei" pitchFamily="2"/>
+                <a:cs typeface="Mangal" pitchFamily="2"/>
+              </a:rPr>
+              <a:t>SSDT BI </a:t>
+            </a:r>
+            <a:r>
+              <a:rPr lang="fr-FR" sz="1800" i="0" u="none" strike="noStrike" kern="1200" spc="0" dirty="0" smtClean="0">
+                <a:ln>
+                  <a:noFill/>
+                </a:ln>
+                <a:solidFill>
+                  <a:srgbClr val="000000"/>
+                </a:solidFill>
+                <a:latin typeface="Calibri" pitchFamily="18"/>
+                <a:ea typeface="Microsoft YaHei" pitchFamily="2"/>
+                <a:cs typeface="Mangal" pitchFamily="2"/>
+              </a:rPr>
+              <a:t>»</a:t>
+            </a:r>
+            <a:r>
+              <a:rPr lang="fr-FR" sz="1800" b="1" i="0" u="none" strike="noStrike" kern="1200" spc="0" dirty="0" smtClean="0">
+                <a:ln>
+                  <a:noFill/>
+                </a:ln>
+                <a:solidFill>
+                  <a:srgbClr val="000000"/>
+                </a:solidFill>
+                <a:latin typeface="Calibri" pitchFamily="18"/>
+                <a:ea typeface="Microsoft YaHei" pitchFamily="2"/>
+                <a:cs typeface="Mangal" pitchFamily="2"/>
+              </a:rPr>
+              <a:t> (Et non « SSDT »)</a:t>
+            </a:r>
+            <a:r>
+              <a:rPr lang="fr-FR" sz="1800" b="1" i="0" u="none" strike="noStrike" kern="1200" spc="0" dirty="0">
+                <a:ln>
+                  <a:noFill/>
+                </a:ln>
+                <a:solidFill>
+                  <a:srgbClr val="000000"/>
+                </a:solidFill>
+                <a:latin typeface="Calibri" pitchFamily="18"/>
+                <a:ea typeface="Microsoft YaHei" pitchFamily="2"/>
+                <a:cs typeface="Mangal" pitchFamily="2"/>
+              </a:rPr>
+              <a:t> :</a:t>
+            </a:r>
+          </a:p>
+        </p:txBody>
+      </p:sp>
       <p:pic>
         <p:nvPicPr>
-          <p:cNvPr id="1026" name="Picture 2" descr="http://www.google.fr/url?source=imglanding&amp;ct=img&amp;q=http://img.clubic.com/05523479-photo-logo-skype.jpg&amp;sa=X&amp;ei=6eJ2Va_FOIGyUrWggYgI&amp;ved=0CAkQ8wc&amp;usg=AFQjCNFwjUn1OuhULWDsziDudvxM-9K4XA"/>
+          <p:cNvPr id="9" name="Image 8"/>
           <p:cNvPicPr>
-            <a:picLocks noChangeAspect="1" noChangeArrowheads="1"/>
+            <a:picLocks noChangeAspect="1"/>
           </p:cNvPicPr>
           <p:nvPr/>
         </p:nvPicPr>
         <p:blipFill>
-          <a:blip r:embed="rId3" cstate="print">
-            <a:extLst>
-              <a:ext uri="{28A0092B-C50C-407E-A947-70E740481C1C}">
-                <a14:useLocalDpi xmlns:a14="http://schemas.microsoft.com/office/drawing/2010/main" val="0"/>
-              </a:ext>
-            </a:extLst>
+          <a:blip r:embed="rId4" cstate="screen">
+            <a:alphaModFix/>
+            <a:lum/>
           </a:blip>
           <a:srcRect/>
           <a:stretch>
             <a:fillRect/>
           </a:stretch>
         </p:blipFill>
-        <p:spPr bwMode="auto">
-          <a:xfrm>
-            <a:off x="7307922" y="768797"/>
-            <a:ext cx="1063253" cy="1063253"/>
+        <p:spPr>
+          <a:xfrm>
+            <a:off x="611560" y="2466176"/>
+            <a:ext cx="8404184" cy="3555112"/>
           </a:xfrm>
           <a:prstGeom prst="rect">
             <a:avLst/>
           </a:prstGeom>
           <a:noFill/>
-          <a:extLst>
-            <a:ext uri="{909E8E84-426E-40DD-AFC4-6F175D3DCCD1}">
-              <a14:hiddenFill xmlns:a14="http://schemas.microsoft.com/office/drawing/2010/main">
-                <a:solidFill>
-                  <a:srgbClr val="FFFFFF"/>
-                </a:solidFill>
-              </a14:hiddenFill>
-            </a:ext>
-          </a:extLst>
-        </p:spPr>
-      </p:pic>
-      <p:pic>
-        <p:nvPicPr>
-          <p:cNvPr id="1028" name="Picture 4" descr="stinkbug2"/>
-          <p:cNvPicPr>
-            <a:picLocks noChangeAspect="1" noChangeArrowheads="1"/>
-          </p:cNvPicPr>
-          <p:nvPr/>
-        </p:nvPicPr>
-        <p:blipFill>
-          <a:blip r:embed="rId4" cstate="print">
-            <a:extLst>
-              <a:ext uri="{28A0092B-C50C-407E-A947-70E740481C1C}">
-                <a14:useLocalDpi xmlns:a14="http://schemas.microsoft.com/office/drawing/2010/main" val="0"/>
-              </a:ext>
-            </a:extLst>
-          </a:blip>
-          <a:srcRect/>
-          <a:stretch>
-            <a:fillRect/>
-          </a:stretch>
-        </p:blipFill>
-        <p:spPr bwMode="auto">
-          <a:xfrm>
-            <a:off x="7032918" y="5169871"/>
-            <a:ext cx="1613262" cy="1211457"/>
-          </a:xfrm>
-          <a:prstGeom prst="rect">
-            <a:avLst/>
-          </a:prstGeom>
-          <a:noFill/>
-          <a:extLst>
-            <a:ext uri="{909E8E84-426E-40DD-AFC4-6F175D3DCCD1}">
-              <a14:hiddenFill xmlns:a14="http://schemas.microsoft.com/office/drawing/2010/main">
-                <a:solidFill>
-                  <a:srgbClr val="FFFFFF"/>
-                </a:solidFill>
-              </a14:hiddenFill>
-            </a:ext>
-          </a:extLst>
-        </p:spPr>
-      </p:pic>
-      <p:sp>
-        <p:nvSpPr>
-          <p:cNvPr id="8" name="ZoneTexte 7"/>
-          <p:cNvSpPr txBox="1"/>
-          <p:nvPr/>
-        </p:nvSpPr>
-        <p:spPr>
-          <a:xfrm>
-            <a:off x="129238" y="98167"/>
-            <a:ext cx="2282522" cy="369332"/>
-          </a:xfrm>
-          <a:prstGeom prst="rect">
-            <a:avLst/>
-          </a:prstGeom>
-        </p:spPr>
-        <p:style>
-          <a:lnRef idx="1">
-            <a:schemeClr val="accent1"/>
-          </a:lnRef>
-          <a:fillRef idx="2">
-            <a:schemeClr val="accent1"/>
-          </a:fillRef>
-          <a:effectRef idx="1">
-            <a:schemeClr val="accent1"/>
-          </a:effectRef>
-          <a:fontRef idx="minor">
-            <a:schemeClr val="dk1"/>
-          </a:fontRef>
-        </p:style>
-        <p:txBody>
-          <a:bodyPr wrap="square" rtlCol="0">
-            <a:spAutoFit/>
-          </a:bodyPr>
-          <a:lstStyle>
-            <a:defPPr>
-              <a:defRPr lang="fr-FR"/>
-            </a:defPPr>
-            <a:lvl1pPr>
-              <a:defRPr>
-                <a:solidFill>
-                  <a:schemeClr val="dk1"/>
-                </a:solidFill>
-              </a:defRPr>
-            </a:lvl1pPr>
-            <a:lvl2pPr>
-              <a:defRPr>
-                <a:solidFill>
-                  <a:schemeClr val="dk1"/>
-                </a:solidFill>
-              </a:defRPr>
-            </a:lvl2pPr>
-            <a:lvl3pPr>
-              <a:defRPr>
-                <a:solidFill>
-                  <a:schemeClr val="dk1"/>
-                </a:solidFill>
-              </a:defRPr>
-            </a:lvl3pPr>
-            <a:lvl4pPr>
-              <a:defRPr>
-                <a:solidFill>
-                  <a:schemeClr val="dk1"/>
-                </a:solidFill>
-              </a:defRPr>
-            </a:lvl4pPr>
-            <a:lvl5pPr>
-              <a:defRPr>
-                <a:solidFill>
-                  <a:schemeClr val="dk1"/>
-                </a:solidFill>
-              </a:defRPr>
-            </a:lvl5pPr>
-            <a:lvl6pPr>
-              <a:defRPr>
-                <a:solidFill>
-                  <a:schemeClr val="dk1"/>
-                </a:solidFill>
-              </a:defRPr>
-            </a:lvl6pPr>
-            <a:lvl7pPr>
-              <a:defRPr>
-                <a:solidFill>
-                  <a:schemeClr val="dk1"/>
-                </a:solidFill>
-              </a:defRPr>
-            </a:lvl7pPr>
-            <a:lvl8pPr>
-              <a:defRPr>
-                <a:solidFill>
-                  <a:schemeClr val="dk1"/>
-                </a:solidFill>
-              </a:defRPr>
-            </a:lvl8pPr>
-            <a:lvl9pPr>
-              <a:defRPr>
-                <a:solidFill>
-                  <a:schemeClr val="dk1"/>
-                </a:solidFill>
-              </a:defRPr>
-            </a:lvl9pPr>
-          </a:lstStyle>
-          <a:p>
-            <a:r>
-              <a:rPr lang="fr-FR" dirty="0" smtClean="0"/>
-              <a:t>Côté communication</a:t>
-            </a:r>
-            <a:endParaRPr lang="fr-FR" dirty="0"/>
-          </a:p>
-        </p:txBody>
-      </p:sp>
-      <p:sp>
-        <p:nvSpPr>
-          <p:cNvPr id="3" name="Rectangle 2"/>
-          <p:cNvSpPr/>
-          <p:nvPr/>
-        </p:nvSpPr>
-        <p:spPr>
-          <a:xfrm>
-            <a:off x="302970" y="692696"/>
-            <a:ext cx="6933326" cy="1354217"/>
-          </a:xfrm>
-          <a:prstGeom prst="rect">
-            <a:avLst/>
-          </a:prstGeom>
-        </p:spPr>
-        <p:txBody>
-          <a:bodyPr wrap="square">
-            <a:spAutoFit/>
-          </a:bodyPr>
-          <a:lstStyle/>
-          <a:p>
-            <a:pPr>
-              <a:spcBef>
-                <a:spcPts val="300"/>
-              </a:spcBef>
-              <a:spcAft>
-                <a:spcPts val="300"/>
-              </a:spcAft>
-            </a:pPr>
-            <a:r>
-              <a:rPr lang="fr-FR" b="1" dirty="0"/>
-              <a:t>Communication d’équipe</a:t>
-            </a:r>
-          </a:p>
-          <a:p>
-            <a:pPr>
-              <a:spcBef>
-                <a:spcPts val="300"/>
-              </a:spcBef>
-              <a:spcAft>
-                <a:spcPts val="300"/>
-              </a:spcAft>
-            </a:pPr>
-            <a:r>
-              <a:rPr lang="fr-FR" dirty="0"/>
-              <a:t>Nous allons </a:t>
-            </a:r>
-            <a:r>
-              <a:rPr lang="fr-FR" dirty="0" smtClean="0"/>
-              <a:t>privilégier </a:t>
-            </a:r>
-            <a:r>
-              <a:rPr lang="fr-FR" dirty="0"/>
-              <a:t>SKYPE pour </a:t>
-            </a:r>
-            <a:r>
-              <a:rPr lang="fr-FR" dirty="0" smtClean="0"/>
-              <a:t>les visio-conférences hebdomadaires</a:t>
-            </a:r>
-          </a:p>
-          <a:p>
-            <a:pPr>
-              <a:spcBef>
-                <a:spcPts val="300"/>
-              </a:spcBef>
-              <a:spcAft>
-                <a:spcPts val="300"/>
-              </a:spcAft>
-            </a:pPr>
-            <a:r>
-              <a:rPr lang="fr-FR" dirty="0" smtClean="0"/>
-              <a:t>Entre-temps, vous </a:t>
-            </a:r>
-            <a:r>
-              <a:rPr lang="fr-FR" dirty="0"/>
-              <a:t>pouvez m’envoyer un mail à </a:t>
-            </a:r>
-            <a:r>
-              <a:rPr lang="fr-FR" u="sng" dirty="0" err="1">
-                <a:solidFill>
-                  <a:schemeClr val="tx2"/>
-                </a:solidFill>
-              </a:rPr>
-              <a:t>olivier.essner</a:t>
-            </a:r>
-            <a:r>
-              <a:rPr lang="fr-FR" u="sng" dirty="0">
-                <a:solidFill>
-                  <a:schemeClr val="tx2"/>
-                </a:solidFill>
-              </a:rPr>
-              <a:t> (at) </a:t>
-            </a:r>
-            <a:r>
-              <a:rPr lang="fr-FR" u="sng" dirty="0" smtClean="0">
-                <a:solidFill>
-                  <a:schemeClr val="tx2"/>
-                </a:solidFill>
-              </a:rPr>
-              <a:t>free.fr </a:t>
-            </a:r>
-            <a:r>
-              <a:rPr lang="fr-FR" dirty="0" smtClean="0"/>
-              <a:t>Penser à mettre tout le monde en copie des échanges de mails ! </a:t>
-            </a:r>
-            <a:endParaRPr lang="fr-FR" dirty="0"/>
-          </a:p>
-        </p:txBody>
-      </p:sp>
-      <p:sp>
-        <p:nvSpPr>
-          <p:cNvPr id="4" name="Rectangle 3"/>
-          <p:cNvSpPr/>
-          <p:nvPr/>
-        </p:nvSpPr>
-        <p:spPr>
-          <a:xfrm>
-            <a:off x="4572000" y="2738824"/>
-            <a:ext cx="4572000" cy="1554272"/>
-          </a:xfrm>
-          <a:prstGeom prst="rect">
-            <a:avLst/>
-          </a:prstGeom>
-        </p:spPr>
-        <p:txBody>
-          <a:bodyPr>
-            <a:spAutoFit/>
-          </a:bodyPr>
-          <a:lstStyle/>
-          <a:p>
-            <a:pPr>
-              <a:spcBef>
-                <a:spcPts val="300"/>
-              </a:spcBef>
-              <a:spcAft>
-                <a:spcPts val="300"/>
-              </a:spcAft>
-            </a:pPr>
-            <a:r>
-              <a:rPr lang="fr-FR" b="1" dirty="0" err="1" smtClean="0"/>
-              <a:t>Keep</a:t>
-            </a:r>
-            <a:r>
-              <a:rPr lang="fr-FR" b="1" dirty="0" smtClean="0"/>
-              <a:t> </a:t>
-            </a:r>
-            <a:r>
-              <a:rPr lang="fr-FR" b="1" dirty="0" err="1" smtClean="0"/>
-              <a:t>it</a:t>
-            </a:r>
-            <a:r>
-              <a:rPr lang="fr-FR" b="1" dirty="0" smtClean="0"/>
-              <a:t> simple </a:t>
-            </a:r>
-            <a:r>
-              <a:rPr lang="fr-FR" b="1" dirty="0"/>
-              <a:t>!</a:t>
-            </a:r>
-          </a:p>
-          <a:p>
-            <a:pPr>
-              <a:spcBef>
-                <a:spcPts val="300"/>
-              </a:spcBef>
-              <a:spcAft>
-                <a:spcPts val="300"/>
-              </a:spcAft>
-            </a:pPr>
-            <a:r>
-              <a:rPr lang="fr-FR" dirty="0"/>
-              <a:t>En 3 mois de travail, les enseignants du Master ne nous demandent pas un projet « techniquement  parfait  » mais « un projet qui marche </a:t>
-            </a:r>
-            <a:r>
-              <a:rPr lang="fr-FR" dirty="0" smtClean="0"/>
-              <a:t>»…</a:t>
-            </a:r>
-            <a:endParaRPr lang="fr-FR" dirty="0"/>
-          </a:p>
-        </p:txBody>
-      </p:sp>
-      <p:sp>
-        <p:nvSpPr>
-          <p:cNvPr id="5" name="Rectangle 4"/>
-          <p:cNvSpPr/>
-          <p:nvPr/>
-        </p:nvSpPr>
-        <p:spPr>
-          <a:xfrm>
-            <a:off x="323528" y="5104055"/>
-            <a:ext cx="6709390" cy="1277273"/>
-          </a:xfrm>
-          <a:prstGeom prst="rect">
-            <a:avLst/>
-          </a:prstGeom>
-        </p:spPr>
-        <p:txBody>
-          <a:bodyPr wrap="square">
-            <a:spAutoFit/>
-          </a:bodyPr>
-          <a:lstStyle/>
-          <a:p>
-            <a:pPr>
-              <a:spcBef>
-                <a:spcPts val="300"/>
-              </a:spcBef>
-              <a:spcAft>
-                <a:spcPts val="300"/>
-              </a:spcAft>
-            </a:pPr>
-            <a:r>
-              <a:rPr lang="fr-FR" b="1" dirty="0"/>
-              <a:t>En cas de blocage ou de bug récalcitrant</a:t>
-            </a:r>
-          </a:p>
-          <a:p>
-            <a:pPr>
-              <a:spcBef>
-                <a:spcPts val="300"/>
-              </a:spcBef>
-              <a:spcAft>
-                <a:spcPts val="300"/>
-              </a:spcAft>
-            </a:pPr>
-            <a:r>
-              <a:rPr lang="fr-FR" dirty="0"/>
-              <a:t>N’hésitez pas à demander de l’aide aux autres membres de notre équipe. Nos compétences &amp; expériences pro sont variées, il est donc très probable que l’un d’entre nous ai déjà votre solution </a:t>
-            </a:r>
-            <a:r>
-              <a:rPr lang="fr-FR" dirty="0" smtClean="0"/>
-              <a:t>!</a:t>
-            </a:r>
-            <a:endParaRPr lang="fr-FR" dirty="0"/>
-          </a:p>
-        </p:txBody>
-      </p:sp>
-      <p:pic>
-        <p:nvPicPr>
-          <p:cNvPr id="1030" name="Picture 6"/>
-          <p:cNvPicPr>
-            <a:picLocks noChangeAspect="1" noChangeArrowheads="1"/>
-          </p:cNvPicPr>
-          <p:nvPr/>
-        </p:nvPicPr>
-        <p:blipFill>
-          <a:blip r:embed="rId5">
-            <a:extLst>
-              <a:ext uri="{28A0092B-C50C-407E-A947-70E740481C1C}">
-                <a14:useLocalDpi xmlns:a14="http://schemas.microsoft.com/office/drawing/2010/main" val="0"/>
-              </a:ext>
-            </a:extLst>
-          </a:blip>
-          <a:srcRect/>
-          <a:stretch>
-            <a:fillRect/>
-          </a:stretch>
-        </p:blipFill>
-        <p:spPr bwMode="auto">
-          <a:xfrm>
-            <a:off x="379884" y="2239543"/>
-            <a:ext cx="4120108" cy="2557609"/>
-          </a:xfrm>
-          <a:prstGeom prst="rect">
-            <a:avLst/>
-          </a:prstGeom>
-          <a:noFill/>
-          <a:ln>
-            <a:noFill/>
+          <a:ln w="3175">
+            <a:solidFill>
+              <a:schemeClr val="tx1"/>
+            </a:solidFill>
           </a:ln>
-          <a:extLst>
-            <a:ext uri="{909E8E84-426E-40DD-AFC4-6F175D3DCCD1}">
-              <a14:hiddenFill xmlns:a14="http://schemas.microsoft.com/office/drawing/2010/main">
-                <a:solidFill>
-                  <a:schemeClr val="accent1"/>
-                </a:solidFill>
-              </a14:hiddenFill>
-            </a:ext>
-            <a:ext uri="{91240B29-F687-4F45-9708-019B960494DF}">
-              <a14:hiddenLine xmlns:a14="http://schemas.microsoft.com/office/drawing/2010/main" w="9525">
-                <a:solidFill>
-                  <a:schemeClr val="tx1"/>
-                </a:solidFill>
-                <a:miter lim="800000"/>
-                <a:headEnd/>
-                <a:tailEnd/>
-              </a14:hiddenLine>
-            </a:ext>
-          </a:extLst>
         </p:spPr>
       </p:pic>
     </p:spTree>
     <p:extLst>
       <p:ext uri="{BB962C8B-B14F-4D97-AF65-F5344CB8AC3E}">
-        <p14:creationId xmlns:p14="http://schemas.microsoft.com/office/powerpoint/2010/main" val="1381163136"/>
+        <p14:creationId xmlns:p14="http://schemas.microsoft.com/office/powerpoint/2010/main" xmlns="" val="1451352722"/>
       </p:ext>
     </p:extLst>
   </p:cSld>
@@ -21901,27 +22374,29 @@
       </p:grpSpPr>
       <p:sp>
         <p:nvSpPr>
-          <p:cNvPr id="4" name="ZoneTexte 3"/>
-          <p:cNvSpPr txBox="1"/>
+          <p:cNvPr id="2" name="Rectangle 1"/>
+          <p:cNvSpPr/>
           <p:nvPr/>
         </p:nvSpPr>
         <p:spPr>
           <a:xfrm>
-            <a:off x="1296174" y="2348880"/>
-            <a:ext cx="6984776" cy="1323439"/>
+            <a:off x="6876256" y="90205"/>
+            <a:ext cx="1008112" cy="432048"/>
           </a:xfrm>
           <a:prstGeom prst="rect">
             <a:avLst/>
           </a:prstGeom>
         </p:spPr>
         <p:style>
-          <a:lnRef idx="0">
-            <a:schemeClr val="accent1"/>
+          <a:lnRef idx="2">
+            <a:schemeClr val="accent1">
+              <a:shade val="50000"/>
+            </a:schemeClr>
           </a:lnRef>
-          <a:fillRef idx="3">
+          <a:fillRef idx="1">
             <a:schemeClr val="accent1"/>
           </a:fillRef>
-          <a:effectRef idx="3">
+          <a:effectRef idx="0">
             <a:schemeClr val="accent1"/>
           </a:effectRef>
           <a:fontRef idx="minor">
@@ -21929,174 +22404,404 @@
           </a:fontRef>
         </p:style>
         <p:txBody>
-          <a:bodyPr wrap="square" rtlCol="0">
+          <a:bodyPr rtlCol="0" anchor="ctr"/>
+          <a:lstStyle/>
+          <a:p>
+            <a:pPr algn="ctr"/>
+            <a:r>
+              <a:rPr lang="fr-FR" dirty="0" smtClean="0"/>
+              <a:t>Equipe 1</a:t>
+            </a:r>
+            <a:endParaRPr lang="fr-FR" dirty="0"/>
+          </a:p>
+        </p:txBody>
+      </p:sp>
+      <p:sp>
+        <p:nvSpPr>
+          <p:cNvPr id="3" name="Rectangle 2"/>
+          <p:cNvSpPr/>
+          <p:nvPr/>
+        </p:nvSpPr>
+        <p:spPr>
+          <a:xfrm>
+            <a:off x="7975758" y="90205"/>
+            <a:ext cx="1008112" cy="432048"/>
+          </a:xfrm>
+          <a:prstGeom prst="rect">
+            <a:avLst/>
+          </a:prstGeom>
+        </p:spPr>
+        <p:style>
+          <a:lnRef idx="2">
+            <a:schemeClr val="accent2">
+              <a:shade val="50000"/>
+            </a:schemeClr>
+          </a:lnRef>
+          <a:fillRef idx="1">
+            <a:schemeClr val="accent2"/>
+          </a:fillRef>
+          <a:effectRef idx="0">
+            <a:schemeClr val="accent2"/>
+          </a:effectRef>
+          <a:fontRef idx="minor">
+            <a:schemeClr val="lt1"/>
+          </a:fontRef>
+        </p:style>
+        <p:txBody>
+          <a:bodyPr rtlCol="0" anchor="ctr"/>
+          <a:lstStyle/>
+          <a:p>
+            <a:pPr algn="ctr"/>
+            <a:r>
+              <a:rPr lang="fr-FR" dirty="0" smtClean="0"/>
+              <a:t>Equipe 2</a:t>
+            </a:r>
+            <a:endParaRPr lang="fr-FR" dirty="0"/>
+          </a:p>
+        </p:txBody>
+      </p:sp>
+      <p:sp>
+        <p:nvSpPr>
+          <p:cNvPr id="4" name="ZoneTexte 3"/>
+          <p:cNvSpPr/>
+          <p:nvPr/>
+        </p:nvSpPr>
+        <p:spPr>
+          <a:xfrm>
+            <a:off x="107640" y="116640"/>
+            <a:ext cx="1692360" cy="364679"/>
+          </a:xfrm>
+          <a:custGeom>
+            <a:avLst/>
+            <a:gdLst>
+              <a:gd name="f0" fmla="val 0"/>
+              <a:gd name="f1" fmla="val 21600"/>
+            </a:gdLst>
+            <a:ahLst/>
+            <a:cxnLst>
+              <a:cxn ang="3cd4">
+                <a:pos x="hc" y="t"/>
+              </a:cxn>
+              <a:cxn ang="0">
+                <a:pos x="r" y="vc"/>
+              </a:cxn>
+              <a:cxn ang="cd4">
+                <a:pos x="hc" y="b"/>
+              </a:cxn>
+              <a:cxn ang="cd2">
+                <a:pos x="l" y="vc"/>
+              </a:cxn>
+            </a:cxnLst>
+            <a:rect l="l" t="t" r="r" b="b"/>
+            <a:pathLst>
+              <a:path w="21600" h="21600">
+                <a:moveTo>
+                  <a:pt x="f0" y="f0"/>
+                </a:moveTo>
+                <a:lnTo>
+                  <a:pt x="f1" y="f0"/>
+                </a:lnTo>
+                <a:lnTo>
+                  <a:pt x="f1" y="f1"/>
+                </a:lnTo>
+                <a:lnTo>
+                  <a:pt x="f0" y="f1"/>
+                </a:lnTo>
+                <a:lnTo>
+                  <a:pt x="f0" y="f0"/>
+                </a:lnTo>
+                <a:close/>
+              </a:path>
+            </a:pathLst>
+          </a:custGeom>
+          <a:gradFill>
+            <a:gsLst>
+              <a:gs pos="0">
+                <a:srgbClr val="A4C1FF"/>
+              </a:gs>
+              <a:gs pos="100000">
+                <a:srgbClr val="E5EFFF"/>
+              </a:gs>
+            </a:gsLst>
+            <a:lin ang="16200000"/>
+          </a:gradFill>
+          <a:ln w="9360">
+            <a:solidFill>
+              <a:srgbClr val="4A7EBB"/>
+            </a:solidFill>
+            <a:prstDash val="solid"/>
+          </a:ln>
+        </p:spPr>
+        <p:txBody>
+          <a:bodyPr vert="horz" wrap="square" lIns="90000" tIns="45000" rIns="90000" bIns="45000" anchor="t" anchorCtr="0" compatLnSpc="0">
             <a:spAutoFit/>
           </a:bodyPr>
-          <a:lstStyle/>
-          <a:p>
-            <a:pPr algn="ctr"/>
-            <a:r>
-              <a:rPr lang="fr-FR" sz="4000" dirty="0" smtClean="0"/>
-              <a:t>Début du projet le lundi 22/06/2015</a:t>
-            </a:r>
-            <a:endParaRPr lang="fr-FR" sz="4000" dirty="0"/>
-          </a:p>
-        </p:txBody>
-      </p:sp>
-      <p:sp>
-        <p:nvSpPr>
-          <p:cNvPr id="3" name="Rectangle 2"/>
+          <a:lstStyle>
+            <a:defPPr lvl="0">
+              <a:buSzPct val="45000"/>
+              <a:buFont typeface="StarSymbol"/>
+              <a:buNone/>
+            </a:defPPr>
+            <a:lvl1pPr lvl="0">
+              <a:buSzPct val="45000"/>
+              <a:buFont typeface="StarSymbol"/>
+              <a:buChar char="●"/>
+            </a:lvl1pPr>
+            <a:lvl2pPr lvl="1">
+              <a:buSzPct val="45000"/>
+              <a:buFont typeface="StarSymbol"/>
+              <a:buChar char="●"/>
+            </a:lvl2pPr>
+            <a:lvl3pPr lvl="2">
+              <a:buSzPct val="45000"/>
+              <a:buFont typeface="StarSymbol"/>
+              <a:buChar char="●"/>
+            </a:lvl3pPr>
+            <a:lvl4pPr lvl="3">
+              <a:buSzPct val="45000"/>
+              <a:buFont typeface="StarSymbol"/>
+              <a:buChar char="●"/>
+            </a:lvl4pPr>
+            <a:lvl5pPr lvl="4">
+              <a:buSzPct val="45000"/>
+              <a:buFont typeface="StarSymbol"/>
+              <a:buChar char="●"/>
+            </a:lvl5pPr>
+            <a:lvl6pPr lvl="5">
+              <a:buSzPct val="45000"/>
+              <a:buFont typeface="StarSymbol"/>
+              <a:buChar char="●"/>
+            </a:lvl6pPr>
+            <a:lvl7pPr lvl="6">
+              <a:buSzPct val="45000"/>
+              <a:buFont typeface="StarSymbol"/>
+              <a:buChar char="●"/>
+            </a:lvl7pPr>
+            <a:lvl8pPr lvl="7">
+              <a:buSzPct val="45000"/>
+              <a:buFont typeface="StarSymbol"/>
+              <a:buChar char="●"/>
+            </a:lvl8pPr>
+            <a:lvl9pPr lvl="8">
+              <a:buSzPct val="45000"/>
+              <a:buFont typeface="StarSymbol"/>
+              <a:buChar char="●"/>
+            </a:lvl9pPr>
+          </a:lstStyle>
+          <a:p>
+            <a:pPr marL="0" marR="0" lvl="0" indent="0" algn="l" rtl="0" hangingPunct="1">
+              <a:lnSpc>
+                <a:spcPct val="100000"/>
+              </a:lnSpc>
+              <a:spcBef>
+                <a:spcPts val="0"/>
+              </a:spcBef>
+              <a:spcAft>
+                <a:spcPts val="0"/>
+              </a:spcAft>
+              <a:buNone/>
+              <a:tabLst/>
+            </a:pPr>
+            <a:r>
+              <a:rPr lang="fr-FR" sz="1800" b="0" i="0" u="none" strike="noStrike" kern="1200" spc="0">
+                <a:ln>
+                  <a:noFill/>
+                </a:ln>
+                <a:solidFill>
+                  <a:srgbClr val="000000"/>
+                </a:solidFill>
+                <a:latin typeface="Calibri" pitchFamily="18"/>
+                <a:ea typeface="Microsoft YaHei" pitchFamily="2"/>
+                <a:cs typeface="Mangal" pitchFamily="2"/>
+              </a:rPr>
+              <a:t>Installation</a:t>
+            </a:r>
+          </a:p>
+        </p:txBody>
+      </p:sp>
+      <p:sp>
+        <p:nvSpPr>
+          <p:cNvPr id="6" name="Rectangle 5"/>
           <p:cNvSpPr/>
           <p:nvPr/>
         </p:nvSpPr>
         <p:spPr>
           <a:xfrm>
-            <a:off x="2315153" y="4365104"/>
-            <a:ext cx="4946818" cy="369332"/>
-          </a:xfrm>
-          <a:prstGeom prst="rect">
-            <a:avLst/>
-          </a:prstGeom>
-        </p:spPr>
-        <p:txBody>
-          <a:bodyPr wrap="square">
+            <a:off x="755639" y="635760"/>
+            <a:ext cx="6174000" cy="364679"/>
+          </a:xfrm>
+          <a:custGeom>
+            <a:avLst/>
+            <a:gdLst>
+              <a:gd name="f0" fmla="val 0"/>
+              <a:gd name="f1" fmla="val 21600"/>
+            </a:gdLst>
+            <a:ahLst/>
+            <a:cxnLst>
+              <a:cxn ang="3cd4">
+                <a:pos x="hc" y="t"/>
+              </a:cxn>
+              <a:cxn ang="0">
+                <a:pos x="r" y="vc"/>
+              </a:cxn>
+              <a:cxn ang="cd4">
+                <a:pos x="hc" y="b"/>
+              </a:cxn>
+              <a:cxn ang="cd2">
+                <a:pos x="l" y="vc"/>
+              </a:cxn>
+            </a:cxnLst>
+            <a:rect l="l" t="t" r="r" b="b"/>
+            <a:pathLst>
+              <a:path w="21600" h="21600">
+                <a:moveTo>
+                  <a:pt x="f0" y="f0"/>
+                </a:moveTo>
+                <a:lnTo>
+                  <a:pt x="f1" y="f0"/>
+                </a:lnTo>
+                <a:lnTo>
+                  <a:pt x="f1" y="f1"/>
+                </a:lnTo>
+                <a:lnTo>
+                  <a:pt x="f0" y="f1"/>
+                </a:lnTo>
+                <a:lnTo>
+                  <a:pt x="f0" y="f0"/>
+                </a:lnTo>
+                <a:close/>
+              </a:path>
+            </a:pathLst>
+          </a:custGeom>
+          <a:noFill/>
+          <a:ln>
+            <a:noFill/>
+            <a:prstDash val="solid"/>
+          </a:ln>
+        </p:spPr>
+        <p:txBody>
+          <a:bodyPr vert="horz" wrap="square" lIns="90000" tIns="45000" rIns="90000" bIns="45000" anchor="t" anchorCtr="0" compatLnSpc="0">
             <a:spAutoFit/>
           </a:bodyPr>
-          <a:lstStyle/>
-          <a:p>
-            <a:r>
-              <a:rPr lang="fr-FR" b="1" dirty="0" smtClean="0"/>
-              <a:t>D’ici là, bonne chance pour les examens de Juin !</a:t>
-            </a:r>
-            <a:endParaRPr lang="fr-FR" dirty="0" smtClean="0"/>
+          <a:lstStyle>
+            <a:defPPr lvl="0">
+              <a:buSzPct val="45000"/>
+              <a:buFont typeface="StarSymbol"/>
+              <a:buNone/>
+            </a:defPPr>
+            <a:lvl1pPr lvl="0">
+              <a:buSzPct val="45000"/>
+              <a:buFont typeface="StarSymbol"/>
+              <a:buChar char="●"/>
+            </a:lvl1pPr>
+            <a:lvl2pPr lvl="1">
+              <a:buSzPct val="45000"/>
+              <a:buFont typeface="StarSymbol"/>
+              <a:buChar char="●"/>
+            </a:lvl2pPr>
+            <a:lvl3pPr lvl="2">
+              <a:buSzPct val="45000"/>
+              <a:buFont typeface="StarSymbol"/>
+              <a:buChar char="●"/>
+            </a:lvl3pPr>
+            <a:lvl4pPr lvl="3">
+              <a:buSzPct val="45000"/>
+              <a:buFont typeface="StarSymbol"/>
+              <a:buChar char="●"/>
+            </a:lvl4pPr>
+            <a:lvl5pPr lvl="4">
+              <a:buSzPct val="45000"/>
+              <a:buFont typeface="StarSymbol"/>
+              <a:buChar char="●"/>
+            </a:lvl5pPr>
+            <a:lvl6pPr lvl="5">
+              <a:buSzPct val="45000"/>
+              <a:buFont typeface="StarSymbol"/>
+              <a:buChar char="●"/>
+            </a:lvl6pPr>
+            <a:lvl7pPr lvl="6">
+              <a:buSzPct val="45000"/>
+              <a:buFont typeface="StarSymbol"/>
+              <a:buChar char="●"/>
+            </a:lvl7pPr>
+            <a:lvl8pPr lvl="7">
+              <a:buSzPct val="45000"/>
+              <a:buFont typeface="StarSymbol"/>
+              <a:buChar char="●"/>
+            </a:lvl8pPr>
+            <a:lvl9pPr lvl="8">
+              <a:buSzPct val="45000"/>
+              <a:buFont typeface="StarSymbol"/>
+              <a:buChar char="●"/>
+            </a:lvl9pPr>
+          </a:lstStyle>
+          <a:p>
+            <a:pPr marL="0" marR="0" lvl="0" indent="0" algn="l" rtl="0" hangingPunct="1">
+              <a:lnSpc>
+                <a:spcPct val="100000"/>
+              </a:lnSpc>
+              <a:spcBef>
+                <a:spcPts val="300"/>
+              </a:spcBef>
+              <a:spcAft>
+                <a:spcPts val="300"/>
+              </a:spcAft>
+              <a:buNone/>
+              <a:tabLst/>
+            </a:pPr>
+            <a:r>
+              <a:rPr lang="fr-FR" sz="1800" b="0" i="0" u="none" strike="noStrike" kern="1200" spc="0">
+                <a:ln>
+                  <a:noFill/>
+                </a:ln>
+                <a:solidFill>
+                  <a:srgbClr val="000000"/>
+                </a:solidFill>
+                <a:latin typeface="Calibri" pitchFamily="18"/>
+                <a:ea typeface="Microsoft YaHei" pitchFamily="2"/>
+                <a:cs typeface="Mangal" pitchFamily="2"/>
+              </a:rPr>
+              <a:t>Lancez l'exécutable et suivez les instructions d'installation :</a:t>
+            </a:r>
           </a:p>
         </p:txBody>
       </p:sp>
       <p:pic>
         <p:nvPicPr>
-          <p:cNvPr id="2050" name="Picture 2" descr="http://www.google.fr/url?source=imglanding&amp;ct=img&amp;q=http://www.michel-vaillant.com/upload/content/photo116_399.jpg&amp;sa=X&amp;ei=q-Z2VZ7nNcvSUevMgIAM&amp;ved=0CAkQ8wc&amp;usg=AFQjCNHFgmCGio-hujBTxCHvB0YLGczseA"/>
+          <p:cNvPr id="7" name="Image 6"/>
           <p:cNvPicPr>
-            <a:picLocks noChangeAspect="1" noChangeArrowheads="1"/>
+            <a:picLocks noChangeAspect="1"/>
           </p:cNvPicPr>
           <p:nvPr/>
         </p:nvPicPr>
         <p:blipFill>
-          <a:blip r:embed="rId3">
-            <a:extLst>
-              <a:ext uri="{28A0092B-C50C-407E-A947-70E740481C1C}">
-                <a14:useLocalDpi xmlns:a14="http://schemas.microsoft.com/office/drawing/2010/main" val="0"/>
-              </a:ext>
-            </a:extLst>
+          <a:blip r:embed="rId3" cstate="screen">
+            <a:alphaModFix/>
+            <a:lum/>
           </a:blip>
           <a:srcRect/>
           <a:stretch>
             <a:fillRect/>
           </a:stretch>
         </p:blipFill>
-        <p:spPr bwMode="auto">
-          <a:xfrm>
-            <a:off x="220106" y="4077072"/>
-            <a:ext cx="1681847" cy="1655361"/>
+        <p:spPr>
+          <a:xfrm>
+            <a:off x="1403648" y="1124744"/>
+            <a:ext cx="6576817" cy="5067232"/>
           </a:xfrm>
           <a:prstGeom prst="rect">
             <a:avLst/>
           </a:prstGeom>
           <a:noFill/>
-          <a:extLst>
-            <a:ext uri="{909E8E84-426E-40DD-AFC4-6F175D3DCCD1}">
-              <a14:hiddenFill xmlns:a14="http://schemas.microsoft.com/office/drawing/2010/main">
-                <a:solidFill>
-                  <a:srgbClr val="FFFFFF"/>
-                </a:solidFill>
-              </a14:hiddenFill>
-            </a:ext>
-          </a:extLst>
-        </p:spPr>
-      </p:pic>
-      <p:sp>
-        <p:nvSpPr>
-          <p:cNvPr id="2" name="AutoShape 4"/>
-          <p:cNvSpPr>
-            <a:spLocks noChangeAspect="1" noChangeArrowheads="1"/>
-          </p:cNvSpPr>
-          <p:nvPr/>
-        </p:nvSpPr>
-        <p:spPr bwMode="auto">
-          <a:xfrm>
-            <a:off x="63500" y="-136525"/>
-            <a:ext cx="2143125" cy="2143125"/>
-          </a:xfrm>
-          <a:prstGeom prst="rect">
-            <a:avLst/>
-          </a:prstGeom>
-          <a:noFill/>
-          <a:extLst>
-            <a:ext uri="{909E8E84-426E-40DD-AFC4-6F175D3DCCD1}">
-              <a14:hiddenFill xmlns:a14="http://schemas.microsoft.com/office/drawing/2010/main">
-                <a:solidFill>
-                  <a:srgbClr val="FFFFFF"/>
-                </a:solidFill>
-              </a14:hiddenFill>
-            </a:ext>
-          </a:extLst>
-        </p:spPr>
-        <p:txBody>
-          <a:bodyPr vert="horz" wrap="square" lIns="91440" tIns="45720" rIns="91440" bIns="45720" numCol="1" anchor="t" anchorCtr="0" compatLnSpc="1">
-            <a:prstTxWarp prst="textNoShape">
-              <a:avLst/>
-            </a:prstTxWarp>
-          </a:bodyPr>
-          <a:lstStyle/>
-          <a:p>
-            <a:endParaRPr lang="fr-FR"/>
-          </a:p>
-        </p:txBody>
-      </p:sp>
-      <p:pic>
-        <p:nvPicPr>
-          <p:cNvPr id="2054" name="Picture 6" descr="http://www.google.fr/url?source=imglanding&amp;ct=img&amp;q=http://ekladata.com/YKU_jsvfwxIZQ1YuqO-wR9wcIgc.jpg&amp;sa=X&amp;ei=2-Z2VcOBGMn5UIWwgugG&amp;ved=0CAkQ8wc&amp;usg=AFQjCNGS6MN2WXzseH5fPJnsyY-kAJjhlg"/>
-          <p:cNvPicPr>
-            <a:picLocks noChangeAspect="1" noChangeArrowheads="1"/>
-          </p:cNvPicPr>
-          <p:nvPr/>
-        </p:nvPicPr>
-        <p:blipFill>
-          <a:blip r:embed="rId4">
-            <a:extLst>
-              <a:ext uri="{28A0092B-C50C-407E-A947-70E740481C1C}">
-                <a14:useLocalDpi xmlns:a14="http://schemas.microsoft.com/office/drawing/2010/main" val="0"/>
-              </a:ext>
-            </a:extLst>
-          </a:blip>
-          <a:srcRect/>
-          <a:stretch>
-            <a:fillRect/>
-          </a:stretch>
-        </p:blipFill>
-        <p:spPr bwMode="auto">
-          <a:xfrm>
-            <a:off x="7331186" y="4190377"/>
-            <a:ext cx="1428750" cy="1428750"/>
-          </a:xfrm>
-          <a:prstGeom prst="rect">
-            <a:avLst/>
-          </a:prstGeom>
-          <a:noFill/>
-          <a:extLst>
-            <a:ext uri="{909E8E84-426E-40DD-AFC4-6F175D3DCCD1}">
-              <a14:hiddenFill xmlns:a14="http://schemas.microsoft.com/office/drawing/2010/main">
-                <a:solidFill>
-                  <a:srgbClr val="FFFFFF"/>
-                </a:solidFill>
-              </a14:hiddenFill>
-            </a:ext>
-          </a:extLst>
+          <a:ln>
+            <a:noFill/>
+          </a:ln>
         </p:spPr>
       </p:pic>
     </p:spTree>
     <p:extLst>
       <p:ext uri="{BB962C8B-B14F-4D97-AF65-F5344CB8AC3E}">
-        <p14:creationId xmlns:p14="http://schemas.microsoft.com/office/powerpoint/2010/main" val="4022729328"/>
+        <p14:creationId xmlns:p14="http://schemas.microsoft.com/office/powerpoint/2010/main" xmlns="" val="1451352722"/>
       </p:ext>
     </p:extLst>
   </p:cSld>
@@ -22185,8 +22890,8 @@
         </p:nvSpPr>
         <p:spPr>
           <a:xfrm>
-            <a:off x="2627784" y="839714"/>
-            <a:ext cx="6264696" cy="5078313"/>
+            <a:off x="2555776" y="260648"/>
+            <a:ext cx="6264696" cy="5909310"/>
           </a:xfrm>
           <a:prstGeom prst="rect">
             <a:avLst/>
@@ -22282,7 +22987,8 @@
             </a:r>
           </a:p>
           <a:p>
-            <a:endParaRPr lang="fr-FR" dirty="0" smtClean="0"/>
+            <a:pPr marL="285750" indent="-285750"/>
+            <a:endParaRPr lang="fr-FR" b="1" dirty="0" smtClean="0"/>
           </a:p>
           <a:p>
             <a:pPr marL="285750" indent="-285750">
@@ -22291,36 +22997,13 @@
             </a:pPr>
             <a:r>
               <a:rPr lang="fr-FR" b="1" dirty="0" smtClean="0"/>
-              <a:t>Oracle JDK / </a:t>
-            </a:r>
-            <a:r>
-              <a:rPr lang="fr-FR" b="1" dirty="0" err="1"/>
-              <a:t>NetBeans</a:t>
-            </a:r>
-            <a:r>
-              <a:rPr lang="fr-FR" b="1" dirty="0" smtClean="0"/>
-              <a:t> / </a:t>
-            </a:r>
-            <a:r>
-              <a:rPr lang="fr-FR" b="1" dirty="0" err="1" smtClean="0"/>
-              <a:t>Glassfish</a:t>
-            </a:r>
-            <a:r>
-              <a:rPr lang="fr-FR" b="1" dirty="0" smtClean="0"/>
-              <a:t> </a:t>
-            </a:r>
-            <a:r>
-              <a:rPr lang="fr-FR" dirty="0" smtClean="0"/>
-              <a:t>pour les développements Java. Cette combinaison est notamment utilisée dans le cours </a:t>
-            </a:r>
-            <a:r>
-              <a:rPr lang="fr-FR" dirty="0"/>
-              <a:t>D314 - Ingénierie des systèmes à base de </a:t>
-            </a:r>
-            <a:r>
-              <a:rPr lang="fr-FR" dirty="0" smtClean="0"/>
-              <a:t>services. </a:t>
-            </a:r>
+              <a:t>SQL Server Data Tools (SSDT)</a:t>
+            </a:r>
+            <a:endParaRPr lang="fr-FR" dirty="0" smtClean="0">
+              <a:solidFill>
+                <a:srgbClr val="00B050"/>
+              </a:solidFill>
+            </a:endParaRPr>
           </a:p>
           <a:p>
             <a:pPr marL="742950" lvl="1" indent="-285750">
@@ -22333,6 +23016,61 @@
                   <a:srgbClr val="00B050"/>
                 </a:solidFill>
               </a:rPr>
+              <a:t>Pour pouvoir construire et manipuler le cube</a:t>
+            </a:r>
+          </a:p>
+          <a:p>
+            <a:endParaRPr lang="fr-FR" dirty="0" smtClean="0"/>
+          </a:p>
+          <a:p>
+            <a:pPr marL="285750" indent="-285750">
+              <a:buFont typeface="Arial" panose="020B0604020202020204" pitchFamily="34" charset="0"/>
+              <a:buChar char="•"/>
+            </a:pPr>
+            <a:r>
+              <a:rPr lang="fr-FR" b="1" dirty="0" smtClean="0"/>
+              <a:t>Oracle JDK / </a:t>
+            </a:r>
+            <a:r>
+              <a:rPr lang="fr-FR" b="1" dirty="0" err="1"/>
+              <a:t>NetBeans</a:t>
+            </a:r>
+            <a:r>
+              <a:rPr lang="fr-FR" b="1" dirty="0" smtClean="0"/>
+              <a:t> / </a:t>
+            </a:r>
+            <a:r>
+              <a:rPr lang="fr-FR" b="1" dirty="0" err="1" smtClean="0"/>
+              <a:t>Glassfish</a:t>
+            </a:r>
+            <a:r>
+              <a:rPr lang="fr-FR" b="1" dirty="0" smtClean="0"/>
+              <a:t> </a:t>
+            </a:r>
+            <a:r>
+              <a:rPr lang="fr-FR" dirty="0" smtClean="0"/>
+              <a:t>pour les développements Java. Cette combinaison est notamment utilisée dans le cours </a:t>
+            </a:r>
+            <a:r>
+              <a:rPr lang="fr-FR" dirty="0"/>
+              <a:t>D314 - Ingénierie des systèmes à base de </a:t>
+            </a:r>
+            <a:r>
+              <a:rPr lang="fr-FR" dirty="0" smtClean="0"/>
+              <a:t>services. </a:t>
+            </a:r>
+          </a:p>
+          <a:p>
+            <a:pPr marL="742950" lvl="1" indent="-285750">
+              <a:buFont typeface="Wingdings" panose="05000000000000000000" pitchFamily="2" charset="2"/>
+              <a:buChar char="Ø"/>
+            </a:pPr>
+            <a:r>
+              <a:rPr lang="fr-FR" dirty="0" smtClean="0">
+                <a:solidFill>
+                  <a:srgbClr val="00B050"/>
+                </a:solidFill>
+              </a:rPr>
               <a:t>Seulement </a:t>
             </a:r>
             <a:r>
@@ -22354,7 +23092,7 @@
         </p:nvSpPr>
         <p:spPr>
           <a:xfrm>
-            <a:off x="1461506" y="4653136"/>
+            <a:off x="1475656" y="4869160"/>
             <a:ext cx="1030962" cy="432048"/>
           </a:xfrm>
           <a:prstGeom prst="rect">
@@ -22398,7 +23136,7 @@
         </p:nvSpPr>
         <p:spPr>
           <a:xfrm>
-            <a:off x="318078" y="3267722"/>
+            <a:off x="332228" y="2691658"/>
             <a:ext cx="1008112" cy="432048"/>
           </a:xfrm>
           <a:prstGeom prst="rect">
@@ -22442,7 +23180,7 @@
         </p:nvSpPr>
         <p:spPr>
           <a:xfrm>
-            <a:off x="1461506" y="3267722"/>
+            <a:off x="1475656" y="2691658"/>
             <a:ext cx="1030962" cy="432048"/>
           </a:xfrm>
           <a:prstGeom prst="rect">
@@ -22486,7 +23224,7 @@
         </p:nvSpPr>
         <p:spPr>
           <a:xfrm>
-            <a:off x="318078" y="1628800"/>
+            <a:off x="332228" y="1052736"/>
             <a:ext cx="1008112" cy="432048"/>
           </a:xfrm>
           <a:prstGeom prst="rect">
@@ -22530,7 +23268,7 @@
         </p:nvSpPr>
         <p:spPr>
           <a:xfrm>
-            <a:off x="1461506" y="1628800"/>
+            <a:off x="1475656" y="1052736"/>
             <a:ext cx="1030962" cy="432048"/>
           </a:xfrm>
           <a:prstGeom prst="rect">
@@ -22566,10 +23304,928 @@
           </a:p>
         </p:txBody>
       </p:sp>
+      <p:sp>
+        <p:nvSpPr>
+          <p:cNvPr id="13" name="Rectangle 12"/>
+          <p:cNvSpPr/>
+          <p:nvPr/>
+        </p:nvSpPr>
+        <p:spPr>
+          <a:xfrm>
+            <a:off x="332228" y="4077072"/>
+            <a:ext cx="1008112" cy="432048"/>
+          </a:xfrm>
+          <a:prstGeom prst="rect">
+            <a:avLst/>
+          </a:prstGeom>
+        </p:spPr>
+        <p:style>
+          <a:lnRef idx="2">
+            <a:schemeClr val="accent1">
+              <a:shade val="50000"/>
+            </a:schemeClr>
+          </a:lnRef>
+          <a:fillRef idx="1">
+            <a:schemeClr val="accent1"/>
+          </a:fillRef>
+          <a:effectRef idx="0">
+            <a:schemeClr val="accent1"/>
+          </a:effectRef>
+          <a:fontRef idx="minor">
+            <a:schemeClr val="lt1"/>
+          </a:fontRef>
+        </p:style>
+        <p:txBody>
+          <a:bodyPr rtlCol="0" anchor="ctr"/>
+          <a:lstStyle/>
+          <a:p>
+            <a:pPr algn="ctr"/>
+            <a:r>
+              <a:rPr lang="fr-FR" dirty="0" smtClean="0"/>
+              <a:t>Equipe 1</a:t>
+            </a:r>
+            <a:endParaRPr lang="fr-FR" dirty="0"/>
+          </a:p>
+        </p:txBody>
+      </p:sp>
+      <p:sp>
+        <p:nvSpPr>
+          <p:cNvPr id="14" name="Rectangle 13"/>
+          <p:cNvSpPr/>
+          <p:nvPr/>
+        </p:nvSpPr>
+        <p:spPr>
+          <a:xfrm>
+            <a:off x="1475656" y="4077072"/>
+            <a:ext cx="1030962" cy="432048"/>
+          </a:xfrm>
+          <a:prstGeom prst="rect">
+            <a:avLst/>
+          </a:prstGeom>
+        </p:spPr>
+        <p:style>
+          <a:lnRef idx="2">
+            <a:schemeClr val="accent2">
+              <a:shade val="50000"/>
+            </a:schemeClr>
+          </a:lnRef>
+          <a:fillRef idx="1">
+            <a:schemeClr val="accent2"/>
+          </a:fillRef>
+          <a:effectRef idx="0">
+            <a:schemeClr val="accent2"/>
+          </a:effectRef>
+          <a:fontRef idx="minor">
+            <a:schemeClr val="lt1"/>
+          </a:fontRef>
+        </p:style>
+        <p:txBody>
+          <a:bodyPr rtlCol="0" anchor="ctr"/>
+          <a:lstStyle/>
+          <a:p>
+            <a:pPr algn="ctr"/>
+            <a:r>
+              <a:rPr lang="fr-FR" dirty="0" smtClean="0"/>
+              <a:t>Equipe 2</a:t>
+            </a:r>
+            <a:endParaRPr lang="fr-FR" dirty="0"/>
+          </a:p>
+        </p:txBody>
+      </p:sp>
     </p:spTree>
     <p:extLst>
       <p:ext uri="{BB962C8B-B14F-4D97-AF65-F5344CB8AC3E}">
-        <p14:creationId xmlns:p14="http://schemas.microsoft.com/office/powerpoint/2010/main" val="855887681"/>
+        <p14:creationId xmlns:p14="http://schemas.microsoft.com/office/powerpoint/2010/main" xmlns="" val="855887681"/>
+      </p:ext>
+    </p:extLst>
+  </p:cSld>
+  <p:clrMapOvr>
+    <a:masterClrMapping/>
+  </p:clrMapOvr>
+  <p:timing>
+    <p:tnLst>
+      <p:par>
+        <p:cTn id="1" dur="indefinite" restart="never" nodeType="tmRoot"/>
+      </p:par>
+    </p:tnLst>
+  </p:timing>
+</p:sld>
+</file>
+
+<file path=ppt/slides/slide40.xml><?xml version="1.0" encoding="utf-8"?>
+<p:sld xmlns:a="http://schemas.openxmlformats.org/drawingml/2006/main" xmlns:r="http://schemas.openxmlformats.org/officeDocument/2006/relationships" xmlns:p="http://schemas.openxmlformats.org/presentationml/2006/main">
+  <p:cSld>
+    <p:spTree>
+      <p:nvGrpSpPr>
+        <p:cNvPr id="1" name=""/>
+        <p:cNvGrpSpPr/>
+        <p:nvPr/>
+      </p:nvGrpSpPr>
+      <p:grpSpPr>
+        <a:xfrm>
+          <a:off x="0" y="0"/>
+          <a:ext cx="0" cy="0"/>
+          <a:chOff x="0" y="0"/>
+          <a:chExt cx="0" cy="0"/>
+        </a:xfrm>
+      </p:grpSpPr>
+      <p:sp>
+        <p:nvSpPr>
+          <p:cNvPr id="4" name="ZoneTexte 3"/>
+          <p:cNvSpPr txBox="1"/>
+          <p:nvPr/>
+        </p:nvSpPr>
+        <p:spPr>
+          <a:xfrm>
+            <a:off x="1296174" y="2348880"/>
+            <a:ext cx="6984776" cy="707886"/>
+          </a:xfrm>
+          <a:prstGeom prst="rect">
+            <a:avLst/>
+          </a:prstGeom>
+        </p:spPr>
+        <p:style>
+          <a:lnRef idx="0">
+            <a:schemeClr val="accent1"/>
+          </a:lnRef>
+          <a:fillRef idx="3">
+            <a:schemeClr val="accent1"/>
+          </a:fillRef>
+          <a:effectRef idx="3">
+            <a:schemeClr val="accent1"/>
+          </a:effectRef>
+          <a:fontRef idx="minor">
+            <a:schemeClr val="lt1"/>
+          </a:fontRef>
+        </p:style>
+        <p:txBody>
+          <a:bodyPr wrap="square" rtlCol="0">
+            <a:spAutoFit/>
+          </a:bodyPr>
+          <a:lstStyle/>
+          <a:p>
+            <a:pPr algn="ctr"/>
+            <a:r>
+              <a:rPr lang="fr-FR" sz="4000" dirty="0" smtClean="0"/>
+              <a:t>LE MOT DE LA FIN…</a:t>
+            </a:r>
+            <a:endParaRPr lang="fr-FR" sz="4000" dirty="0"/>
+          </a:p>
+        </p:txBody>
+      </p:sp>
+    </p:spTree>
+    <p:extLst>
+      <p:ext uri="{BB962C8B-B14F-4D97-AF65-F5344CB8AC3E}">
+        <p14:creationId xmlns:p14="http://schemas.microsoft.com/office/powerpoint/2010/main" xmlns="" val="1451352722"/>
+      </p:ext>
+    </p:extLst>
+  </p:cSld>
+  <p:clrMapOvr>
+    <a:masterClrMapping/>
+  </p:clrMapOvr>
+  <p:timing>
+    <p:tnLst>
+      <p:par>
+        <p:cTn id="1" dur="indefinite" restart="never" nodeType="tmRoot"/>
+      </p:par>
+    </p:tnLst>
+  </p:timing>
+</p:sld>
+</file>
+
+<file path=ppt/slides/slide41.xml><?xml version="1.0" encoding="utf-8"?>
+<p:sld xmlns:a="http://schemas.openxmlformats.org/drawingml/2006/main" xmlns:r="http://schemas.openxmlformats.org/officeDocument/2006/relationships" xmlns:p="http://schemas.openxmlformats.org/presentationml/2006/main">
+  <p:cSld>
+    <p:spTree>
+      <p:nvGrpSpPr>
+        <p:cNvPr id="1" name=""/>
+        <p:cNvGrpSpPr/>
+        <p:nvPr/>
+      </p:nvGrpSpPr>
+      <p:grpSpPr>
+        <a:xfrm>
+          <a:off x="0" y="0"/>
+          <a:ext cx="0" cy="0"/>
+          <a:chOff x="0" y="0"/>
+          <a:chExt cx="0" cy="0"/>
+        </a:xfrm>
+      </p:grpSpPr>
+      <p:pic>
+        <p:nvPicPr>
+          <p:cNvPr id="1026" name="Picture 2" descr="http://www.google.fr/url?source=imglanding&amp;ct=img&amp;q=http://img.clubic.com/05523479-photo-logo-skype.jpg&amp;sa=X&amp;ei=6eJ2Va_FOIGyUrWggYgI&amp;ved=0CAkQ8wc&amp;usg=AFQjCNFwjUn1OuhULWDsziDudvxM-9K4XA"/>
+          <p:cNvPicPr>
+            <a:picLocks noChangeAspect="1" noChangeArrowheads="1"/>
+          </p:cNvPicPr>
+          <p:nvPr/>
+        </p:nvPicPr>
+        <p:blipFill>
+          <a:blip r:embed="rId3" cstate="screen">
+            <a:extLst>
+              <a:ext uri="{28A0092B-C50C-407E-A947-70E740481C1C}">
+                <a14:useLocalDpi xmlns:a14="http://schemas.microsoft.com/office/drawing/2010/main" xmlns="" val="0"/>
+              </a:ext>
+            </a:extLst>
+          </a:blip>
+          <a:srcRect/>
+          <a:stretch>
+            <a:fillRect/>
+          </a:stretch>
+        </p:blipFill>
+        <p:spPr bwMode="auto">
+          <a:xfrm>
+            <a:off x="7307922" y="768797"/>
+            <a:ext cx="1063253" cy="1063253"/>
+          </a:xfrm>
+          <a:prstGeom prst="rect">
+            <a:avLst/>
+          </a:prstGeom>
+          <a:noFill/>
+          <a:extLst>
+            <a:ext uri="{909E8E84-426E-40DD-AFC4-6F175D3DCCD1}">
+              <a14:hiddenFill xmlns:a14="http://schemas.microsoft.com/office/drawing/2010/main" xmlns="">
+                <a:solidFill>
+                  <a:srgbClr val="FFFFFF"/>
+                </a:solidFill>
+              </a14:hiddenFill>
+            </a:ext>
+          </a:extLst>
+        </p:spPr>
+      </p:pic>
+      <p:pic>
+        <p:nvPicPr>
+          <p:cNvPr id="1028" name="Picture 4" descr="stinkbug2"/>
+          <p:cNvPicPr>
+            <a:picLocks noChangeAspect="1" noChangeArrowheads="1"/>
+          </p:cNvPicPr>
+          <p:nvPr/>
+        </p:nvPicPr>
+        <p:blipFill>
+          <a:blip r:embed="rId4" cstate="screen">
+            <a:extLst>
+              <a:ext uri="{28A0092B-C50C-407E-A947-70E740481C1C}">
+                <a14:useLocalDpi xmlns:a14="http://schemas.microsoft.com/office/drawing/2010/main" xmlns="" val="0"/>
+              </a:ext>
+            </a:extLst>
+          </a:blip>
+          <a:srcRect/>
+          <a:stretch>
+            <a:fillRect/>
+          </a:stretch>
+        </p:blipFill>
+        <p:spPr bwMode="auto">
+          <a:xfrm>
+            <a:off x="7032918" y="5169871"/>
+            <a:ext cx="1613262" cy="1211457"/>
+          </a:xfrm>
+          <a:prstGeom prst="rect">
+            <a:avLst/>
+          </a:prstGeom>
+          <a:noFill/>
+          <a:extLst>
+            <a:ext uri="{909E8E84-426E-40DD-AFC4-6F175D3DCCD1}">
+              <a14:hiddenFill xmlns:a14="http://schemas.microsoft.com/office/drawing/2010/main" xmlns="">
+                <a:solidFill>
+                  <a:srgbClr val="FFFFFF"/>
+                </a:solidFill>
+              </a14:hiddenFill>
+            </a:ext>
+          </a:extLst>
+        </p:spPr>
+      </p:pic>
+      <p:sp>
+        <p:nvSpPr>
+          <p:cNvPr id="8" name="ZoneTexte 7"/>
+          <p:cNvSpPr txBox="1"/>
+          <p:nvPr/>
+        </p:nvSpPr>
+        <p:spPr>
+          <a:xfrm>
+            <a:off x="129238" y="98167"/>
+            <a:ext cx="2282522" cy="369332"/>
+          </a:xfrm>
+          <a:prstGeom prst="rect">
+            <a:avLst/>
+          </a:prstGeom>
+        </p:spPr>
+        <p:style>
+          <a:lnRef idx="1">
+            <a:schemeClr val="accent1"/>
+          </a:lnRef>
+          <a:fillRef idx="2">
+            <a:schemeClr val="accent1"/>
+          </a:fillRef>
+          <a:effectRef idx="1">
+            <a:schemeClr val="accent1"/>
+          </a:effectRef>
+          <a:fontRef idx="minor">
+            <a:schemeClr val="dk1"/>
+          </a:fontRef>
+        </p:style>
+        <p:txBody>
+          <a:bodyPr wrap="square" rtlCol="0">
+            <a:spAutoFit/>
+          </a:bodyPr>
+          <a:lstStyle>
+            <a:defPPr>
+              <a:defRPr lang="fr-FR"/>
+            </a:defPPr>
+            <a:lvl1pPr>
+              <a:defRPr>
+                <a:solidFill>
+                  <a:schemeClr val="dk1"/>
+                </a:solidFill>
+              </a:defRPr>
+            </a:lvl1pPr>
+            <a:lvl2pPr>
+              <a:defRPr>
+                <a:solidFill>
+                  <a:schemeClr val="dk1"/>
+                </a:solidFill>
+              </a:defRPr>
+            </a:lvl2pPr>
+            <a:lvl3pPr>
+              <a:defRPr>
+                <a:solidFill>
+                  <a:schemeClr val="dk1"/>
+                </a:solidFill>
+              </a:defRPr>
+            </a:lvl3pPr>
+            <a:lvl4pPr>
+              <a:defRPr>
+                <a:solidFill>
+                  <a:schemeClr val="dk1"/>
+                </a:solidFill>
+              </a:defRPr>
+            </a:lvl4pPr>
+            <a:lvl5pPr>
+              <a:defRPr>
+                <a:solidFill>
+                  <a:schemeClr val="dk1"/>
+                </a:solidFill>
+              </a:defRPr>
+            </a:lvl5pPr>
+            <a:lvl6pPr>
+              <a:defRPr>
+                <a:solidFill>
+                  <a:schemeClr val="dk1"/>
+                </a:solidFill>
+              </a:defRPr>
+            </a:lvl6pPr>
+            <a:lvl7pPr>
+              <a:defRPr>
+                <a:solidFill>
+                  <a:schemeClr val="dk1"/>
+                </a:solidFill>
+              </a:defRPr>
+            </a:lvl7pPr>
+            <a:lvl8pPr>
+              <a:defRPr>
+                <a:solidFill>
+                  <a:schemeClr val="dk1"/>
+                </a:solidFill>
+              </a:defRPr>
+            </a:lvl8pPr>
+            <a:lvl9pPr>
+              <a:defRPr>
+                <a:solidFill>
+                  <a:schemeClr val="dk1"/>
+                </a:solidFill>
+              </a:defRPr>
+            </a:lvl9pPr>
+          </a:lstStyle>
+          <a:p>
+            <a:r>
+              <a:rPr lang="fr-FR" dirty="0" smtClean="0"/>
+              <a:t>Côté communication</a:t>
+            </a:r>
+            <a:endParaRPr lang="fr-FR" dirty="0"/>
+          </a:p>
+        </p:txBody>
+      </p:sp>
+      <p:sp>
+        <p:nvSpPr>
+          <p:cNvPr id="3" name="Rectangle 2"/>
+          <p:cNvSpPr/>
+          <p:nvPr/>
+        </p:nvSpPr>
+        <p:spPr>
+          <a:xfrm>
+            <a:off x="302970" y="692696"/>
+            <a:ext cx="6933326" cy="1354217"/>
+          </a:xfrm>
+          <a:prstGeom prst="rect">
+            <a:avLst/>
+          </a:prstGeom>
+        </p:spPr>
+        <p:txBody>
+          <a:bodyPr wrap="square">
+            <a:spAutoFit/>
+          </a:bodyPr>
+          <a:lstStyle/>
+          <a:p>
+            <a:pPr>
+              <a:spcBef>
+                <a:spcPts val="300"/>
+              </a:spcBef>
+              <a:spcAft>
+                <a:spcPts val="300"/>
+              </a:spcAft>
+            </a:pPr>
+            <a:r>
+              <a:rPr lang="fr-FR" b="1" dirty="0"/>
+              <a:t>Communication d’équipe</a:t>
+            </a:r>
+          </a:p>
+          <a:p>
+            <a:pPr>
+              <a:spcBef>
+                <a:spcPts val="300"/>
+              </a:spcBef>
+              <a:spcAft>
+                <a:spcPts val="300"/>
+              </a:spcAft>
+            </a:pPr>
+            <a:r>
+              <a:rPr lang="fr-FR" dirty="0"/>
+              <a:t>Nous allons </a:t>
+            </a:r>
+            <a:r>
+              <a:rPr lang="fr-FR" dirty="0" smtClean="0"/>
+              <a:t>privilégier </a:t>
+            </a:r>
+            <a:r>
+              <a:rPr lang="fr-FR" dirty="0"/>
+              <a:t>SKYPE pour </a:t>
+            </a:r>
+            <a:r>
+              <a:rPr lang="fr-FR" dirty="0" smtClean="0"/>
+              <a:t>les visio-conférences hebdomadaires</a:t>
+            </a:r>
+          </a:p>
+          <a:p>
+            <a:pPr>
+              <a:spcBef>
+                <a:spcPts val="300"/>
+              </a:spcBef>
+              <a:spcAft>
+                <a:spcPts val="300"/>
+              </a:spcAft>
+            </a:pPr>
+            <a:r>
+              <a:rPr lang="fr-FR" dirty="0" smtClean="0"/>
+              <a:t>Entre-temps, vous </a:t>
+            </a:r>
+            <a:r>
+              <a:rPr lang="fr-FR" dirty="0"/>
+              <a:t>pouvez m’envoyer un mail à </a:t>
+            </a:r>
+            <a:r>
+              <a:rPr lang="fr-FR" u="sng" dirty="0" err="1">
+                <a:solidFill>
+                  <a:schemeClr val="tx2"/>
+                </a:solidFill>
+              </a:rPr>
+              <a:t>olivier.essner</a:t>
+            </a:r>
+            <a:r>
+              <a:rPr lang="fr-FR" u="sng" dirty="0">
+                <a:solidFill>
+                  <a:schemeClr val="tx2"/>
+                </a:solidFill>
+              </a:rPr>
+              <a:t> (at) </a:t>
+            </a:r>
+            <a:r>
+              <a:rPr lang="fr-FR" u="sng" dirty="0" smtClean="0">
+                <a:solidFill>
+                  <a:schemeClr val="tx2"/>
+                </a:solidFill>
+              </a:rPr>
+              <a:t>free.fr </a:t>
+            </a:r>
+            <a:r>
+              <a:rPr lang="fr-FR" dirty="0" smtClean="0"/>
+              <a:t>Penser à mettre tout le monde en copie des échanges de mails ! </a:t>
+            </a:r>
+            <a:endParaRPr lang="fr-FR" dirty="0"/>
+          </a:p>
+        </p:txBody>
+      </p:sp>
+      <p:sp>
+        <p:nvSpPr>
+          <p:cNvPr id="4" name="Rectangle 3"/>
+          <p:cNvSpPr/>
+          <p:nvPr/>
+        </p:nvSpPr>
+        <p:spPr>
+          <a:xfrm>
+            <a:off x="4572000" y="2738824"/>
+            <a:ext cx="4572000" cy="1554272"/>
+          </a:xfrm>
+          <a:prstGeom prst="rect">
+            <a:avLst/>
+          </a:prstGeom>
+        </p:spPr>
+        <p:txBody>
+          <a:bodyPr>
+            <a:spAutoFit/>
+          </a:bodyPr>
+          <a:lstStyle/>
+          <a:p>
+            <a:pPr>
+              <a:spcBef>
+                <a:spcPts val="300"/>
+              </a:spcBef>
+              <a:spcAft>
+                <a:spcPts val="300"/>
+              </a:spcAft>
+            </a:pPr>
+            <a:r>
+              <a:rPr lang="fr-FR" b="1" dirty="0" err="1" smtClean="0"/>
+              <a:t>Keep</a:t>
+            </a:r>
+            <a:r>
+              <a:rPr lang="fr-FR" b="1" dirty="0" smtClean="0"/>
+              <a:t> </a:t>
+            </a:r>
+            <a:r>
+              <a:rPr lang="fr-FR" b="1" dirty="0" err="1" smtClean="0"/>
+              <a:t>it</a:t>
+            </a:r>
+            <a:r>
+              <a:rPr lang="fr-FR" b="1" dirty="0" smtClean="0"/>
+              <a:t> simple </a:t>
+            </a:r>
+            <a:r>
+              <a:rPr lang="fr-FR" b="1" dirty="0"/>
+              <a:t>!</a:t>
+            </a:r>
+          </a:p>
+          <a:p>
+            <a:pPr>
+              <a:spcBef>
+                <a:spcPts val="300"/>
+              </a:spcBef>
+              <a:spcAft>
+                <a:spcPts val="300"/>
+              </a:spcAft>
+            </a:pPr>
+            <a:r>
+              <a:rPr lang="fr-FR" dirty="0"/>
+              <a:t>En 3 mois de travail, les enseignants du Master ne nous demandent pas un projet « techniquement  parfait  » mais « un projet qui marche </a:t>
+            </a:r>
+            <a:r>
+              <a:rPr lang="fr-FR" dirty="0" smtClean="0"/>
+              <a:t>»…</a:t>
+            </a:r>
+            <a:endParaRPr lang="fr-FR" dirty="0"/>
+          </a:p>
+        </p:txBody>
+      </p:sp>
+      <p:sp>
+        <p:nvSpPr>
+          <p:cNvPr id="5" name="Rectangle 4"/>
+          <p:cNvSpPr/>
+          <p:nvPr/>
+        </p:nvSpPr>
+        <p:spPr>
+          <a:xfrm>
+            <a:off x="323528" y="5104055"/>
+            <a:ext cx="6709390" cy="1277273"/>
+          </a:xfrm>
+          <a:prstGeom prst="rect">
+            <a:avLst/>
+          </a:prstGeom>
+        </p:spPr>
+        <p:txBody>
+          <a:bodyPr wrap="square">
+            <a:spAutoFit/>
+          </a:bodyPr>
+          <a:lstStyle/>
+          <a:p>
+            <a:pPr>
+              <a:spcBef>
+                <a:spcPts val="300"/>
+              </a:spcBef>
+              <a:spcAft>
+                <a:spcPts val="300"/>
+              </a:spcAft>
+            </a:pPr>
+            <a:r>
+              <a:rPr lang="fr-FR" b="1" dirty="0"/>
+              <a:t>En cas de blocage ou de bug récalcitrant</a:t>
+            </a:r>
+          </a:p>
+          <a:p>
+            <a:pPr>
+              <a:spcBef>
+                <a:spcPts val="300"/>
+              </a:spcBef>
+              <a:spcAft>
+                <a:spcPts val="300"/>
+              </a:spcAft>
+            </a:pPr>
+            <a:r>
+              <a:rPr lang="fr-FR" dirty="0"/>
+              <a:t>N’hésitez pas à demander de l’aide aux autres membres de notre équipe. Nos compétences &amp; expériences pro sont variées, il est donc très probable que l’un d’entre nous ai déjà votre solution </a:t>
+            </a:r>
+            <a:r>
+              <a:rPr lang="fr-FR" dirty="0" smtClean="0"/>
+              <a:t>!</a:t>
+            </a:r>
+            <a:endParaRPr lang="fr-FR" dirty="0"/>
+          </a:p>
+        </p:txBody>
+      </p:sp>
+      <p:pic>
+        <p:nvPicPr>
+          <p:cNvPr id="1030" name="Picture 6"/>
+          <p:cNvPicPr>
+            <a:picLocks noChangeAspect="1" noChangeArrowheads="1"/>
+          </p:cNvPicPr>
+          <p:nvPr/>
+        </p:nvPicPr>
+        <p:blipFill>
+          <a:blip r:embed="rId5" cstate="screen">
+            <a:extLst>
+              <a:ext uri="{28A0092B-C50C-407E-A947-70E740481C1C}">
+                <a14:useLocalDpi xmlns:a14="http://schemas.microsoft.com/office/drawing/2010/main" xmlns="" val="0"/>
+              </a:ext>
+            </a:extLst>
+          </a:blip>
+          <a:srcRect/>
+          <a:stretch>
+            <a:fillRect/>
+          </a:stretch>
+        </p:blipFill>
+        <p:spPr bwMode="auto">
+          <a:xfrm>
+            <a:off x="379884" y="2239543"/>
+            <a:ext cx="4120108" cy="2557609"/>
+          </a:xfrm>
+          <a:prstGeom prst="rect">
+            <a:avLst/>
+          </a:prstGeom>
+          <a:noFill/>
+          <a:ln>
+            <a:noFill/>
+          </a:ln>
+          <a:extLst>
+            <a:ext uri="{909E8E84-426E-40DD-AFC4-6F175D3DCCD1}">
+              <a14:hiddenFill xmlns:a14="http://schemas.microsoft.com/office/drawing/2010/main" xmlns="">
+                <a:solidFill>
+                  <a:schemeClr val="accent1"/>
+                </a:solidFill>
+              </a14:hiddenFill>
+            </a:ext>
+            <a:ext uri="{91240B29-F687-4F45-9708-019B960494DF}">
+              <a14:hiddenLine xmlns:a14="http://schemas.microsoft.com/office/drawing/2010/main" xmlns="" w="9525">
+                <a:solidFill>
+                  <a:schemeClr val="tx1"/>
+                </a:solidFill>
+                <a:miter lim="800000"/>
+                <a:headEnd/>
+                <a:tailEnd/>
+              </a14:hiddenLine>
+            </a:ext>
+          </a:extLst>
+        </p:spPr>
+      </p:pic>
+    </p:spTree>
+    <p:extLst>
+      <p:ext uri="{BB962C8B-B14F-4D97-AF65-F5344CB8AC3E}">
+        <p14:creationId xmlns:p14="http://schemas.microsoft.com/office/powerpoint/2010/main" xmlns="" val="1381163136"/>
+      </p:ext>
+    </p:extLst>
+  </p:cSld>
+  <p:clrMapOvr>
+    <a:masterClrMapping/>
+  </p:clrMapOvr>
+  <p:timing>
+    <p:tnLst>
+      <p:par>
+        <p:cTn id="1" dur="indefinite" restart="never" nodeType="tmRoot"/>
+      </p:par>
+    </p:tnLst>
+  </p:timing>
+</p:sld>
+</file>
+
+<file path=ppt/slides/slide42.xml><?xml version="1.0" encoding="utf-8"?>
+<p:sld xmlns:a="http://schemas.openxmlformats.org/drawingml/2006/main" xmlns:r="http://schemas.openxmlformats.org/officeDocument/2006/relationships" xmlns:p="http://schemas.openxmlformats.org/presentationml/2006/main">
+  <p:cSld>
+    <p:spTree>
+      <p:nvGrpSpPr>
+        <p:cNvPr id="1" name=""/>
+        <p:cNvGrpSpPr/>
+        <p:nvPr/>
+      </p:nvGrpSpPr>
+      <p:grpSpPr>
+        <a:xfrm>
+          <a:off x="0" y="0"/>
+          <a:ext cx="0" cy="0"/>
+          <a:chOff x="0" y="0"/>
+          <a:chExt cx="0" cy="0"/>
+        </a:xfrm>
+      </p:grpSpPr>
+      <p:sp>
+        <p:nvSpPr>
+          <p:cNvPr id="4" name="ZoneTexte 3"/>
+          <p:cNvSpPr txBox="1"/>
+          <p:nvPr/>
+        </p:nvSpPr>
+        <p:spPr>
+          <a:xfrm>
+            <a:off x="1296174" y="2348880"/>
+            <a:ext cx="6984776" cy="1323439"/>
+          </a:xfrm>
+          <a:prstGeom prst="rect">
+            <a:avLst/>
+          </a:prstGeom>
+        </p:spPr>
+        <p:style>
+          <a:lnRef idx="0">
+            <a:schemeClr val="accent1"/>
+          </a:lnRef>
+          <a:fillRef idx="3">
+            <a:schemeClr val="accent1"/>
+          </a:fillRef>
+          <a:effectRef idx="3">
+            <a:schemeClr val="accent1"/>
+          </a:effectRef>
+          <a:fontRef idx="minor">
+            <a:schemeClr val="lt1"/>
+          </a:fontRef>
+        </p:style>
+        <p:txBody>
+          <a:bodyPr wrap="square" rtlCol="0">
+            <a:spAutoFit/>
+          </a:bodyPr>
+          <a:lstStyle/>
+          <a:p>
+            <a:pPr algn="ctr"/>
+            <a:r>
+              <a:rPr lang="fr-FR" sz="4000" dirty="0" smtClean="0"/>
+              <a:t>Début du projet le lundi 22/06/2015</a:t>
+            </a:r>
+            <a:endParaRPr lang="fr-FR" sz="4000" dirty="0"/>
+          </a:p>
+        </p:txBody>
+      </p:sp>
+      <p:sp>
+        <p:nvSpPr>
+          <p:cNvPr id="3" name="Rectangle 2"/>
+          <p:cNvSpPr/>
+          <p:nvPr/>
+        </p:nvSpPr>
+        <p:spPr>
+          <a:xfrm>
+            <a:off x="2315153" y="4365104"/>
+            <a:ext cx="4946818" cy="369332"/>
+          </a:xfrm>
+          <a:prstGeom prst="rect">
+            <a:avLst/>
+          </a:prstGeom>
+        </p:spPr>
+        <p:txBody>
+          <a:bodyPr wrap="square">
+            <a:spAutoFit/>
+          </a:bodyPr>
+          <a:lstStyle/>
+          <a:p>
+            <a:r>
+              <a:rPr lang="fr-FR" b="1" dirty="0" smtClean="0"/>
+              <a:t>D’ici là, bonne chance pour les examens de Juin !</a:t>
+            </a:r>
+            <a:endParaRPr lang="fr-FR" dirty="0" smtClean="0"/>
+          </a:p>
+        </p:txBody>
+      </p:sp>
+      <p:pic>
+        <p:nvPicPr>
+          <p:cNvPr id="2050" name="Picture 2" descr="http://www.google.fr/url?source=imglanding&amp;ct=img&amp;q=http://www.michel-vaillant.com/upload/content/photo116_399.jpg&amp;sa=X&amp;ei=q-Z2VZ7nNcvSUevMgIAM&amp;ved=0CAkQ8wc&amp;usg=AFQjCNHFgmCGio-hujBTxCHvB0YLGczseA"/>
+          <p:cNvPicPr>
+            <a:picLocks noChangeAspect="1" noChangeArrowheads="1"/>
+          </p:cNvPicPr>
+          <p:nvPr/>
+        </p:nvPicPr>
+        <p:blipFill>
+          <a:blip r:embed="rId3" cstate="screen">
+            <a:extLst>
+              <a:ext uri="{28A0092B-C50C-407E-A947-70E740481C1C}">
+                <a14:useLocalDpi xmlns:a14="http://schemas.microsoft.com/office/drawing/2010/main" xmlns="" val="0"/>
+              </a:ext>
+            </a:extLst>
+          </a:blip>
+          <a:srcRect/>
+          <a:stretch>
+            <a:fillRect/>
+          </a:stretch>
+        </p:blipFill>
+        <p:spPr bwMode="auto">
+          <a:xfrm>
+            <a:off x="220106" y="4077072"/>
+            <a:ext cx="1681847" cy="1655361"/>
+          </a:xfrm>
+          <a:prstGeom prst="rect">
+            <a:avLst/>
+          </a:prstGeom>
+          <a:noFill/>
+          <a:extLst>
+            <a:ext uri="{909E8E84-426E-40DD-AFC4-6F175D3DCCD1}">
+              <a14:hiddenFill xmlns:a14="http://schemas.microsoft.com/office/drawing/2010/main" xmlns="">
+                <a:solidFill>
+                  <a:srgbClr val="FFFFFF"/>
+                </a:solidFill>
+              </a14:hiddenFill>
+            </a:ext>
+          </a:extLst>
+        </p:spPr>
+      </p:pic>
+      <p:sp>
+        <p:nvSpPr>
+          <p:cNvPr id="2" name="AutoShape 4"/>
+          <p:cNvSpPr>
+            <a:spLocks noChangeAspect="1" noChangeArrowheads="1"/>
+          </p:cNvSpPr>
+          <p:nvPr/>
+        </p:nvSpPr>
+        <p:spPr bwMode="auto">
+          <a:xfrm>
+            <a:off x="63500" y="-136525"/>
+            <a:ext cx="2143125" cy="2143125"/>
+          </a:xfrm>
+          <a:prstGeom prst="rect">
+            <a:avLst/>
+          </a:prstGeom>
+          <a:noFill/>
+          <a:extLst>
+            <a:ext uri="{909E8E84-426E-40DD-AFC4-6F175D3DCCD1}">
+              <a14:hiddenFill xmlns:a14="http://schemas.microsoft.com/office/drawing/2010/main" xmlns="">
+                <a:solidFill>
+                  <a:srgbClr val="FFFFFF"/>
+                </a:solidFill>
+              </a14:hiddenFill>
+            </a:ext>
+          </a:extLst>
+        </p:spPr>
+        <p:txBody>
+          <a:bodyPr vert="horz" wrap="square" lIns="91440" tIns="45720" rIns="91440" bIns="45720" numCol="1" anchor="t" anchorCtr="0" compatLnSpc="1">
+            <a:prstTxWarp prst="textNoShape">
+              <a:avLst/>
+            </a:prstTxWarp>
+          </a:bodyPr>
+          <a:lstStyle/>
+          <a:p>
+            <a:endParaRPr lang="fr-FR"/>
+          </a:p>
+        </p:txBody>
+      </p:sp>
+      <p:pic>
+        <p:nvPicPr>
+          <p:cNvPr id="2054" name="Picture 6" descr="http://www.google.fr/url?source=imglanding&amp;ct=img&amp;q=http://ekladata.com/YKU_jsvfwxIZQ1YuqO-wR9wcIgc.jpg&amp;sa=X&amp;ei=2-Z2VcOBGMn5UIWwgugG&amp;ved=0CAkQ8wc&amp;usg=AFQjCNGS6MN2WXzseH5fPJnsyY-kAJjhlg"/>
+          <p:cNvPicPr>
+            <a:picLocks noChangeAspect="1" noChangeArrowheads="1"/>
+          </p:cNvPicPr>
+          <p:nvPr/>
+        </p:nvPicPr>
+        <p:blipFill>
+          <a:blip r:embed="rId4" cstate="screen">
+            <a:extLst>
+              <a:ext uri="{28A0092B-C50C-407E-A947-70E740481C1C}">
+                <a14:useLocalDpi xmlns:a14="http://schemas.microsoft.com/office/drawing/2010/main" xmlns="" val="0"/>
+              </a:ext>
+            </a:extLst>
+          </a:blip>
+          <a:srcRect/>
+          <a:stretch>
+            <a:fillRect/>
+          </a:stretch>
+        </p:blipFill>
+        <p:spPr bwMode="auto">
+          <a:xfrm>
+            <a:off x="7331186" y="4190377"/>
+            <a:ext cx="1428750" cy="1428750"/>
+          </a:xfrm>
+          <a:prstGeom prst="rect">
+            <a:avLst/>
+          </a:prstGeom>
+          <a:noFill/>
+          <a:extLst>
+            <a:ext uri="{909E8E84-426E-40DD-AFC4-6F175D3DCCD1}">
+              <a14:hiddenFill xmlns:a14="http://schemas.microsoft.com/office/drawing/2010/main" xmlns="">
+                <a:solidFill>
+                  <a:srgbClr val="FFFFFF"/>
+                </a:solidFill>
+              </a14:hiddenFill>
+            </a:ext>
+          </a:extLst>
+        </p:spPr>
+      </p:pic>
+    </p:spTree>
+    <p:extLst>
+      <p:ext uri="{BB962C8B-B14F-4D97-AF65-F5344CB8AC3E}">
+        <p14:creationId xmlns:p14="http://schemas.microsoft.com/office/powerpoint/2010/main" xmlns="" val="4022729328"/>
       </p:ext>
     </p:extLst>
   </p:cSld>
@@ -22745,7 +24401,7 @@
     </p:spTree>
     <p:extLst>
       <p:ext uri="{BB962C8B-B14F-4D97-AF65-F5344CB8AC3E}">
-        <p14:creationId xmlns:p14="http://schemas.microsoft.com/office/powerpoint/2010/main" val="1635256585"/>
+        <p14:creationId xmlns:p14="http://schemas.microsoft.com/office/powerpoint/2010/main" xmlns="" val="1635256585"/>
       </p:ext>
     </p:extLst>
   </p:cSld>
@@ -23580,7 +25236,7 @@
     </p:spTree>
     <p:extLst>
       <p:ext uri="{BB962C8B-B14F-4D97-AF65-F5344CB8AC3E}">
-        <p14:creationId xmlns:p14="http://schemas.microsoft.com/office/powerpoint/2010/main" val="3624682105"/>
+        <p14:creationId xmlns:p14="http://schemas.microsoft.com/office/powerpoint/2010/main" xmlns="" val="3624682105"/>
       </p:ext>
     </p:extLst>
   </p:cSld>
@@ -23874,10 +25530,10 @@
           <p:nvPr/>
         </p:nvPicPr>
         <p:blipFill>
-          <a:blip r:embed="rId4">
+          <a:blip r:embed="rId4" cstate="screen">
             <a:extLst>
               <a:ext uri="{28A0092B-C50C-407E-A947-70E740481C1C}">
-                <a14:useLocalDpi xmlns:a14="http://schemas.microsoft.com/office/drawing/2010/main" val="0"/>
+                <a14:useLocalDpi xmlns:a14="http://schemas.microsoft.com/office/drawing/2010/main" xmlns="" val="0"/>
               </a:ext>
             </a:extLst>
           </a:blip>
@@ -23901,14 +25557,14 @@
           <a:effectLst/>
           <a:extLst>
             <a:ext uri="{909E8E84-426E-40DD-AFC4-6F175D3DCCD1}">
-              <a14:hiddenFill xmlns:a14="http://schemas.microsoft.com/office/drawing/2010/main">
+              <a14:hiddenFill xmlns:a14="http://schemas.microsoft.com/office/drawing/2010/main" xmlns="">
                 <a:solidFill>
                   <a:schemeClr val="accent1"/>
                 </a:solidFill>
               </a14:hiddenFill>
             </a:ext>
             <a:ext uri="{91240B29-F687-4F45-9708-019B960494DF}">
-              <a14:hiddenLine xmlns:a14="http://schemas.microsoft.com/office/drawing/2010/main" w="9525">
+              <a14:hiddenLine xmlns:a14="http://schemas.microsoft.com/office/drawing/2010/main" xmlns="" w="9525">
                 <a:solidFill>
                   <a:schemeClr val="tx1"/>
                 </a:solidFill>
@@ -23918,7 +25574,7 @@
               </a14:hiddenLine>
             </a:ext>
             <a:ext uri="{AF507438-7753-43E0-B8FC-AC1667EBCBE1}">
-              <a14:hiddenEffects xmlns:a14="http://schemas.microsoft.com/office/drawing/2010/main">
+              <a14:hiddenEffects xmlns:a14="http://schemas.microsoft.com/office/drawing/2010/main" xmlns="">
                 <a:effectLst>
                   <a:outerShdw dist="35921" dir="2700000" algn="ctr" rotWithShape="0">
                     <a:schemeClr val="bg2"/>
@@ -23938,10 +25594,10 @@
           <p:nvPr/>
         </p:nvPicPr>
         <p:blipFill>
-          <a:blip r:embed="rId5">
+          <a:blip r:embed="rId5" cstate="screen">
             <a:extLst>
               <a:ext uri="{28A0092B-C50C-407E-A947-70E740481C1C}">
-                <a14:useLocalDpi xmlns:a14="http://schemas.microsoft.com/office/drawing/2010/main" val="0"/>
+                <a14:useLocalDpi xmlns:a14="http://schemas.microsoft.com/office/drawing/2010/main" xmlns="" val="0"/>
               </a:ext>
             </a:extLst>
           </a:blip>
@@ -23965,14 +25621,14 @@
           <a:effectLst/>
           <a:extLst>
             <a:ext uri="{909E8E84-426E-40DD-AFC4-6F175D3DCCD1}">
-              <a14:hiddenFill xmlns:a14="http://schemas.microsoft.com/office/drawing/2010/main">
+              <a14:hiddenFill xmlns:a14="http://schemas.microsoft.com/office/drawing/2010/main" xmlns="">
                 <a:solidFill>
                   <a:schemeClr val="accent1"/>
                 </a:solidFill>
               </a14:hiddenFill>
             </a:ext>
             <a:ext uri="{91240B29-F687-4F45-9708-019B960494DF}">
-              <a14:hiddenLine xmlns:a14="http://schemas.microsoft.com/office/drawing/2010/main" w="9525">
+              <a14:hiddenLine xmlns:a14="http://schemas.microsoft.com/office/drawing/2010/main" xmlns="" w="9525">
                 <a:solidFill>
                   <a:schemeClr val="tx1"/>
                 </a:solidFill>
@@ -23982,7 +25638,7 @@
               </a14:hiddenLine>
             </a:ext>
             <a:ext uri="{AF507438-7753-43E0-B8FC-AC1667EBCBE1}">
-              <a14:hiddenEffects xmlns:a14="http://schemas.microsoft.com/office/drawing/2010/main">
+              <a14:hiddenEffects xmlns:a14="http://schemas.microsoft.com/office/drawing/2010/main" xmlns="">
                 <a:effectLst>
                   <a:outerShdw dist="35921" dir="2700000" algn="ctr" rotWithShape="0">
                     <a:schemeClr val="bg2"/>
@@ -24151,7 +25807,7 @@
     </p:spTree>
     <p:extLst>
       <p:ext uri="{BB962C8B-B14F-4D97-AF65-F5344CB8AC3E}">
-        <p14:creationId xmlns:p14="http://schemas.microsoft.com/office/powerpoint/2010/main" val="3509769365"/>
+        <p14:creationId xmlns:p14="http://schemas.microsoft.com/office/powerpoint/2010/main" xmlns="" val="3509769365"/>
       </p:ext>
     </p:extLst>
   </p:cSld>
@@ -24544,7 +26200,7 @@
     </p:spTree>
     <p:extLst>
       <p:ext uri="{BB962C8B-B14F-4D97-AF65-F5344CB8AC3E}">
-        <p14:creationId xmlns:p14="http://schemas.microsoft.com/office/powerpoint/2010/main" val="1316880286"/>
+        <p14:creationId xmlns:p14="http://schemas.microsoft.com/office/powerpoint/2010/main" xmlns="" val="1316880286"/>
       </p:ext>
     </p:extLst>
   </p:cSld>
@@ -24967,10 +26623,10 @@
           <p:nvPr/>
         </p:nvPicPr>
         <p:blipFill>
-          <a:blip r:embed="rId4">
+          <a:blip r:embed="rId4" cstate="screen">
             <a:extLst>
               <a:ext uri="{28A0092B-C50C-407E-A947-70E740481C1C}">
-                <a14:useLocalDpi xmlns:a14="http://schemas.microsoft.com/office/drawing/2010/main" val="0"/>
+                <a14:useLocalDpi xmlns:a14="http://schemas.microsoft.com/office/drawing/2010/main" xmlns="" val="0"/>
               </a:ext>
             </a:extLst>
           </a:blip>
@@ -24993,14 +26649,14 @@
           </a:ln>
           <a:extLst>
             <a:ext uri="{909E8E84-426E-40DD-AFC4-6F175D3DCCD1}">
-              <a14:hiddenFill xmlns:a14="http://schemas.microsoft.com/office/drawing/2010/main">
+              <a14:hiddenFill xmlns:a14="http://schemas.microsoft.com/office/drawing/2010/main" xmlns="">
                 <a:solidFill>
                   <a:schemeClr val="accent1"/>
                 </a:solidFill>
               </a14:hiddenFill>
             </a:ext>
             <a:ext uri="{91240B29-F687-4F45-9708-019B960494DF}">
-              <a14:hiddenLine xmlns:a14="http://schemas.microsoft.com/office/drawing/2010/main" w="9525">
+              <a14:hiddenLine xmlns:a14="http://schemas.microsoft.com/office/drawing/2010/main" xmlns="" w="9525">
                 <a:solidFill>
                   <a:schemeClr val="tx1"/>
                 </a:solidFill>
@@ -25167,10 +26823,10 @@
           <p:nvPr/>
         </p:nvPicPr>
         <p:blipFill>
-          <a:blip r:embed="rId5">
+          <a:blip r:embed="rId5" cstate="screen">
             <a:extLst>
               <a:ext uri="{28A0092B-C50C-407E-A947-70E740481C1C}">
-                <a14:useLocalDpi xmlns:a14="http://schemas.microsoft.com/office/drawing/2010/main" val="0"/>
+                <a14:useLocalDpi xmlns:a14="http://schemas.microsoft.com/office/drawing/2010/main" xmlns="" val="0"/>
               </a:ext>
             </a:extLst>
           </a:blip>
@@ -25194,14 +26850,14 @@
           <a:effectLst/>
           <a:extLst>
             <a:ext uri="{909E8E84-426E-40DD-AFC4-6F175D3DCCD1}">
-              <a14:hiddenFill xmlns:a14="http://schemas.microsoft.com/office/drawing/2010/main">
+              <a14:hiddenFill xmlns:a14="http://schemas.microsoft.com/office/drawing/2010/main" xmlns="">
                 <a:solidFill>
                   <a:schemeClr val="accent1"/>
                 </a:solidFill>
               </a14:hiddenFill>
             </a:ext>
             <a:ext uri="{91240B29-F687-4F45-9708-019B960494DF}">
-              <a14:hiddenLine xmlns:a14="http://schemas.microsoft.com/office/drawing/2010/main" w="9525">
+              <a14:hiddenLine xmlns:a14="http://schemas.microsoft.com/office/drawing/2010/main" xmlns="" w="9525">
                 <a:solidFill>
                   <a:schemeClr val="tx1"/>
                 </a:solidFill>
@@ -25211,7 +26867,7 @@
               </a14:hiddenLine>
             </a:ext>
             <a:ext uri="{AF507438-7753-43E0-B8FC-AC1667EBCBE1}">
-              <a14:hiddenEffects xmlns:a14="http://schemas.microsoft.com/office/drawing/2010/main">
+              <a14:hiddenEffects xmlns:a14="http://schemas.microsoft.com/office/drawing/2010/main" xmlns="">
                 <a:effectLst>
                   <a:outerShdw dist="35921" dir="2700000" algn="ctr" rotWithShape="0">
                     <a:schemeClr val="bg2"/>
@@ -25225,7 +26881,7 @@
     </p:spTree>
     <p:extLst>
       <p:ext uri="{BB962C8B-B14F-4D97-AF65-F5344CB8AC3E}">
-        <p14:creationId xmlns:p14="http://schemas.microsoft.com/office/powerpoint/2010/main" val="3193151738"/>
+        <p14:creationId xmlns:p14="http://schemas.microsoft.com/office/powerpoint/2010/main" xmlns="" val="3193151738"/>
       </p:ext>
     </p:extLst>
   </p:cSld>
